--- a/Week 3/031 - Lesson 3 (WEEK 3).pptx
+++ b/Week 3/031 - Lesson 3 (WEEK 3).pptx
@@ -7,18 +7,21 @@
   <p:sldIdLst>
     <p:sldId id="273" r:id="rId2"/>
     <p:sldId id="274" r:id="rId3"/>
-    <p:sldId id="262" r:id="rId4"/>
-    <p:sldId id="258" r:id="rId5"/>
-    <p:sldId id="259" r:id="rId6"/>
-    <p:sldId id="260" r:id="rId7"/>
-    <p:sldId id="261" r:id="rId8"/>
-    <p:sldId id="263" r:id="rId9"/>
-    <p:sldId id="264" r:id="rId10"/>
-    <p:sldId id="257" r:id="rId11"/>
-    <p:sldId id="266" r:id="rId12"/>
-    <p:sldId id="267" r:id="rId13"/>
-    <p:sldId id="268" r:id="rId14"/>
-    <p:sldId id="265" r:id="rId15"/>
+    <p:sldId id="275" r:id="rId4"/>
+    <p:sldId id="262" r:id="rId5"/>
+    <p:sldId id="258" r:id="rId6"/>
+    <p:sldId id="261" r:id="rId7"/>
+    <p:sldId id="259" r:id="rId8"/>
+    <p:sldId id="260" r:id="rId9"/>
+    <p:sldId id="263" r:id="rId10"/>
+    <p:sldId id="264" r:id="rId11"/>
+    <p:sldId id="277" r:id="rId12"/>
+    <p:sldId id="278" r:id="rId13"/>
+    <p:sldId id="257" r:id="rId14"/>
+    <p:sldId id="266" r:id="rId15"/>
+    <p:sldId id="267" r:id="rId16"/>
+    <p:sldId id="268" r:id="rId17"/>
+    <p:sldId id="265" r:id="rId18"/>
   </p:sldIdLst>
   <p:sldSz cx="12192000" cy="6858000"/>
   <p:notesSz cx="6858000" cy="9144000"/>
@@ -298,7 +301,7 @@
           <a:p>
             <a:fld id="{7D8AFC65-1832-4BD3-ABA7-A05AD95D4537}" type="datetimeFigureOut">
               <a:rPr lang="en-US" smtClean="0"/>
-              <a:t>2/14/2023</a:t>
+              <a:t>2/17/2023</a:t>
             </a:fld>
             <a:endParaRPr lang="en-US"/>
           </a:p>
@@ -496,7 +499,7 @@
           <a:p>
             <a:fld id="{7D8AFC65-1832-4BD3-ABA7-A05AD95D4537}" type="datetimeFigureOut">
               <a:rPr lang="en-US" smtClean="0"/>
-              <a:t>2/14/2023</a:t>
+              <a:t>2/17/2023</a:t>
             </a:fld>
             <a:endParaRPr lang="en-US"/>
           </a:p>
@@ -704,7 +707,7 @@
           <a:p>
             <a:fld id="{7D8AFC65-1832-4BD3-ABA7-A05AD95D4537}" type="datetimeFigureOut">
               <a:rPr lang="en-US" smtClean="0"/>
-              <a:t>2/14/2023</a:t>
+              <a:t>2/17/2023</a:t>
             </a:fld>
             <a:endParaRPr lang="en-US"/>
           </a:p>
@@ -902,7 +905,7 @@
           <a:p>
             <a:fld id="{7D8AFC65-1832-4BD3-ABA7-A05AD95D4537}" type="datetimeFigureOut">
               <a:rPr lang="en-US" smtClean="0"/>
-              <a:t>2/14/2023</a:t>
+              <a:t>2/17/2023</a:t>
             </a:fld>
             <a:endParaRPr lang="en-US"/>
           </a:p>
@@ -1177,7 +1180,7 @@
           <a:p>
             <a:fld id="{7D8AFC65-1832-4BD3-ABA7-A05AD95D4537}" type="datetimeFigureOut">
               <a:rPr lang="en-US" smtClean="0"/>
-              <a:t>2/14/2023</a:t>
+              <a:t>2/17/2023</a:t>
             </a:fld>
             <a:endParaRPr lang="en-US"/>
           </a:p>
@@ -1442,7 +1445,7 @@
           <a:p>
             <a:fld id="{7D8AFC65-1832-4BD3-ABA7-A05AD95D4537}" type="datetimeFigureOut">
               <a:rPr lang="en-US" smtClean="0"/>
-              <a:t>2/14/2023</a:t>
+              <a:t>2/17/2023</a:t>
             </a:fld>
             <a:endParaRPr lang="en-US"/>
           </a:p>
@@ -1854,7 +1857,7 @@
           <a:p>
             <a:fld id="{7D8AFC65-1832-4BD3-ABA7-A05AD95D4537}" type="datetimeFigureOut">
               <a:rPr lang="en-US" smtClean="0"/>
-              <a:t>2/14/2023</a:t>
+              <a:t>2/17/2023</a:t>
             </a:fld>
             <a:endParaRPr lang="en-US"/>
           </a:p>
@@ -1995,7 +1998,7 @@
           <a:p>
             <a:fld id="{7D8AFC65-1832-4BD3-ABA7-A05AD95D4537}" type="datetimeFigureOut">
               <a:rPr lang="en-US" smtClean="0"/>
-              <a:t>2/14/2023</a:t>
+              <a:t>2/17/2023</a:t>
             </a:fld>
             <a:endParaRPr lang="en-US"/>
           </a:p>
@@ -2108,7 +2111,7 @@
           <a:p>
             <a:fld id="{7D8AFC65-1832-4BD3-ABA7-A05AD95D4537}" type="datetimeFigureOut">
               <a:rPr lang="en-US" smtClean="0"/>
-              <a:t>2/14/2023</a:t>
+              <a:t>2/17/2023</a:t>
             </a:fld>
             <a:endParaRPr lang="en-US"/>
           </a:p>
@@ -2419,7 +2422,7 @@
           <a:p>
             <a:fld id="{7D8AFC65-1832-4BD3-ABA7-A05AD95D4537}" type="datetimeFigureOut">
               <a:rPr lang="en-US" smtClean="0"/>
-              <a:t>2/14/2023</a:t>
+              <a:t>2/17/2023</a:t>
             </a:fld>
             <a:endParaRPr lang="en-US"/>
           </a:p>
@@ -2707,7 +2710,7 @@
           <a:p>
             <a:fld id="{7D8AFC65-1832-4BD3-ABA7-A05AD95D4537}" type="datetimeFigureOut">
               <a:rPr lang="en-US" smtClean="0"/>
-              <a:t>2/14/2023</a:t>
+              <a:t>2/17/2023</a:t>
             </a:fld>
             <a:endParaRPr lang="en-US"/>
           </a:p>
@@ -2948,7 +2951,7 @@
           <a:p>
             <a:fld id="{7D8AFC65-1832-4BD3-ABA7-A05AD95D4537}" type="datetimeFigureOut">
               <a:rPr lang="en-US" smtClean="0"/>
-              <a:t>2/14/2023</a:t>
+              <a:t>2/17/2023</a:t>
             </a:fld>
             <a:endParaRPr lang="en-US"/>
           </a:p>
@@ -3519,6 +3522,1636 @@
           <p:cNvPr id="3" name="Picture 2">
             <a:extLst>
               <a:ext uri="{FF2B5EF4-FFF2-40B4-BE49-F238E27FC236}">
+                <a16:creationId xmlns:a16="http://schemas.microsoft.com/office/drawing/2014/main" id="{2C54A359-42C3-69D8-AC68-4C13004A30DA}"/>
+              </a:ext>
+            </a:extLst>
+          </p:cNvPr>
+          <p:cNvPicPr>
+            <a:picLocks noChangeAspect="1"/>
+          </p:cNvPicPr>
+          <p:nvPr/>
+        </p:nvPicPr>
+        <p:blipFill>
+          <a:blip r:embed="rId2"/>
+          <a:stretch>
+            <a:fillRect/>
+          </a:stretch>
+        </p:blipFill>
+        <p:spPr>
+          <a:xfrm>
+            <a:off x="665046" y="937296"/>
+            <a:ext cx="4486275" cy="5543550"/>
+          </a:xfrm>
+          <a:prstGeom prst="rect">
+            <a:avLst/>
+          </a:prstGeom>
+        </p:spPr>
+      </p:pic>
+      <p:sp>
+        <p:nvSpPr>
+          <p:cNvPr id="5" name="TextBox 4">
+            <a:extLst>
+              <a:ext uri="{FF2B5EF4-FFF2-40B4-BE49-F238E27FC236}">
+                <a16:creationId xmlns:a16="http://schemas.microsoft.com/office/drawing/2014/main" id="{E7F00B62-C808-AC3B-075D-C6D530F12ECD}"/>
+              </a:ext>
+            </a:extLst>
+          </p:cNvPr>
+          <p:cNvSpPr txBox="1"/>
+          <p:nvPr/>
+        </p:nvSpPr>
+        <p:spPr>
+          <a:xfrm>
+            <a:off x="595618" y="494950"/>
+            <a:ext cx="3548544" cy="369332"/>
+          </a:xfrm>
+          <a:prstGeom prst="rect">
+            <a:avLst/>
+          </a:prstGeom>
+          <a:noFill/>
+        </p:spPr>
+        <p:txBody>
+          <a:bodyPr wrap="square" rtlCol="0">
+            <a:spAutoFit/>
+          </a:bodyPr>
+          <a:lstStyle/>
+          <a:p>
+            <a:r>
+              <a:rPr lang="en-US" dirty="0"/>
+              <a:t>Introduction to the Python For Loop</a:t>
+            </a:r>
+          </a:p>
+        </p:txBody>
+      </p:sp>
+      <p:grpSp>
+        <p:nvGrpSpPr>
+          <p:cNvPr id="8" name="Group 7">
+            <a:extLst>
+              <a:ext uri="{FF2B5EF4-FFF2-40B4-BE49-F238E27FC236}">
+                <a16:creationId xmlns:a16="http://schemas.microsoft.com/office/drawing/2014/main" id="{84EB1F4E-BAEE-F5A1-DE81-ACAB62375261}"/>
+              </a:ext>
+            </a:extLst>
+          </p:cNvPr>
+          <p:cNvGrpSpPr/>
+          <p:nvPr/>
+        </p:nvGrpSpPr>
+        <p:grpSpPr>
+          <a:xfrm>
+            <a:off x="4351420" y="2700219"/>
+            <a:ext cx="6509964" cy="2466975"/>
+            <a:chOff x="4351420" y="2271013"/>
+            <a:chExt cx="6509964" cy="2466975"/>
+          </a:xfrm>
+        </p:grpSpPr>
+        <p:sp>
+          <p:nvSpPr>
+            <p:cNvPr id="4" name="Arrow: Right 3">
+              <a:extLst>
+                <a:ext uri="{FF2B5EF4-FFF2-40B4-BE49-F238E27FC236}">
+                  <a16:creationId xmlns:a16="http://schemas.microsoft.com/office/drawing/2014/main" id="{95B3FBC0-DCBD-B821-7D47-9563050B0760}"/>
+                </a:ext>
+              </a:extLst>
+            </p:cNvPr>
+            <p:cNvSpPr/>
+            <p:nvPr/>
+          </p:nvSpPr>
+          <p:spPr>
+            <a:xfrm>
+              <a:off x="4351420" y="3262184"/>
+              <a:ext cx="978408" cy="484632"/>
+            </a:xfrm>
+            <a:prstGeom prst="rightArrow">
+              <a:avLst/>
+            </a:prstGeom>
+          </p:spPr>
+          <p:style>
+            <a:lnRef idx="2">
+              <a:schemeClr val="accent1">
+                <a:shade val="50000"/>
+              </a:schemeClr>
+            </a:lnRef>
+            <a:fillRef idx="1">
+              <a:schemeClr val="accent1"/>
+            </a:fillRef>
+            <a:effectRef idx="0">
+              <a:schemeClr val="accent1"/>
+            </a:effectRef>
+            <a:fontRef idx="minor">
+              <a:schemeClr val="lt1"/>
+            </a:fontRef>
+          </p:style>
+          <p:txBody>
+            <a:bodyPr rtlCol="0" anchor="ctr"/>
+            <a:lstStyle/>
+            <a:p>
+              <a:pPr algn="ctr"/>
+              <a:endParaRPr lang="en-US"/>
+            </a:p>
+          </p:txBody>
+        </p:sp>
+        <p:pic>
+          <p:nvPicPr>
+            <p:cNvPr id="7" name="Picture 6">
+              <a:extLst>
+                <a:ext uri="{FF2B5EF4-FFF2-40B4-BE49-F238E27FC236}">
+                  <a16:creationId xmlns:a16="http://schemas.microsoft.com/office/drawing/2014/main" id="{313B1ADE-F7AA-3723-6E96-B1AC1D63F8DE}"/>
+                </a:ext>
+              </a:extLst>
+            </p:cNvPr>
+            <p:cNvPicPr>
+              <a:picLocks noChangeAspect="1"/>
+            </p:cNvPicPr>
+            <p:nvPr/>
+          </p:nvPicPr>
+          <p:blipFill>
+            <a:blip r:embed="rId3"/>
+            <a:stretch>
+              <a:fillRect/>
+            </a:stretch>
+          </p:blipFill>
+          <p:spPr>
+            <a:xfrm>
+              <a:off x="5508334" y="2271013"/>
+              <a:ext cx="5353050" cy="2466975"/>
+            </a:xfrm>
+            <a:prstGeom prst="rect">
+              <a:avLst/>
+            </a:prstGeom>
+          </p:spPr>
+        </p:pic>
+      </p:grpSp>
+      <p:grpSp>
+        <p:nvGrpSpPr>
+          <p:cNvPr id="13" name="Group 12">
+            <a:extLst>
+              <a:ext uri="{FF2B5EF4-FFF2-40B4-BE49-F238E27FC236}">
+                <a16:creationId xmlns:a16="http://schemas.microsoft.com/office/drawing/2014/main" id="{15A72CD0-A01C-A4DC-CD01-6EBB4DEA55F9}"/>
+              </a:ext>
+            </a:extLst>
+          </p:cNvPr>
+          <p:cNvGrpSpPr/>
+          <p:nvPr/>
+        </p:nvGrpSpPr>
+        <p:grpSpPr>
+          <a:xfrm>
+            <a:off x="6891470" y="1209514"/>
+            <a:ext cx="3129607" cy="1589669"/>
+            <a:chOff x="6891471" y="1209515"/>
+            <a:chExt cx="2924334" cy="1497922"/>
+          </a:xfrm>
+        </p:grpSpPr>
+        <p:sp>
+          <p:nvSpPr>
+            <p:cNvPr id="9" name="Speech Bubble: Rectangle 8">
+              <a:extLst>
+                <a:ext uri="{FF2B5EF4-FFF2-40B4-BE49-F238E27FC236}">
+                  <a16:creationId xmlns:a16="http://schemas.microsoft.com/office/drawing/2014/main" id="{FF1356E6-0A76-2132-8355-637C5C018672}"/>
+                </a:ext>
+              </a:extLst>
+            </p:cNvPr>
+            <p:cNvSpPr/>
+            <p:nvPr/>
+          </p:nvSpPr>
+          <p:spPr>
+            <a:xfrm>
+              <a:off x="6891471" y="1209515"/>
+              <a:ext cx="2924334" cy="964518"/>
+            </a:xfrm>
+            <a:prstGeom prst="wedgeRectCallout">
+              <a:avLst>
+                <a:gd name="adj1" fmla="val -130243"/>
+                <a:gd name="adj2" fmla="val 36556"/>
+              </a:avLst>
+            </a:prstGeom>
+            <a:noFill/>
+          </p:spPr>
+          <p:style>
+            <a:lnRef idx="2">
+              <a:schemeClr val="accent1">
+                <a:shade val="50000"/>
+              </a:schemeClr>
+            </a:lnRef>
+            <a:fillRef idx="1">
+              <a:schemeClr val="accent1"/>
+            </a:fillRef>
+            <a:effectRef idx="0">
+              <a:schemeClr val="accent1"/>
+            </a:effectRef>
+            <a:fontRef idx="minor">
+              <a:schemeClr val="lt1"/>
+            </a:fontRef>
+          </p:style>
+          <p:txBody>
+            <a:bodyPr rtlCol="0" anchor="ctr"/>
+            <a:lstStyle/>
+            <a:p>
+              <a:pPr algn="ctr"/>
+              <a:endParaRPr lang="en-US"/>
+            </a:p>
+          </p:txBody>
+        </p:sp>
+        <p:sp>
+          <p:nvSpPr>
+            <p:cNvPr id="10" name="TextBox 9">
+              <a:extLst>
+                <a:ext uri="{FF2B5EF4-FFF2-40B4-BE49-F238E27FC236}">
+                  <a16:creationId xmlns:a16="http://schemas.microsoft.com/office/drawing/2014/main" id="{BC56FCF6-4092-EA27-C886-A9F479D4D3ED}"/>
+                </a:ext>
+              </a:extLst>
+            </p:cNvPr>
+            <p:cNvSpPr txBox="1"/>
+            <p:nvPr/>
+          </p:nvSpPr>
+          <p:spPr>
+            <a:xfrm>
+              <a:off x="6996735" y="1322442"/>
+              <a:ext cx="2819070" cy="1384995"/>
+            </a:xfrm>
+            <a:prstGeom prst="rect">
+              <a:avLst/>
+            </a:prstGeom>
+            <a:noFill/>
+          </p:spPr>
+          <p:txBody>
+            <a:bodyPr wrap="square" rtlCol="0">
+              <a:spAutoFit/>
+            </a:bodyPr>
+            <a:lstStyle/>
+            <a:p>
+              <a:r>
+                <a:rPr lang="en-US" sz="1400" b="1" dirty="0"/>
+                <a:t>This value is changing from 9 to 0</a:t>
+              </a:r>
+            </a:p>
+            <a:p>
+              <a:r>
+                <a:rPr lang="en-US" sz="1400" b="1" dirty="0"/>
+                <a:t>Create a variable</a:t>
+              </a:r>
+            </a:p>
+            <a:p>
+              <a:r>
+                <a:rPr lang="en-US" sz="1400" b="1" dirty="0"/>
+                <a:t>to represent this value</a:t>
+              </a:r>
+            </a:p>
+            <a:p>
+              <a:r>
+                <a:rPr lang="en-US" sz="1400" b="1" dirty="0"/>
+                <a:t>We give it a name called </a:t>
+              </a:r>
+              <a:r>
+                <a:rPr lang="en-US" sz="1400" b="1" dirty="0">
+                  <a:solidFill>
+                    <a:srgbClr val="FF0000"/>
+                  </a:solidFill>
+                </a:rPr>
+                <a:t>counter</a:t>
+              </a:r>
+            </a:p>
+            <a:p>
+              <a:endParaRPr lang="en-US" sz="1400" b="1" dirty="0">
+                <a:solidFill>
+                  <a:srgbClr val="FF0000"/>
+                </a:solidFill>
+              </a:endParaRPr>
+            </a:p>
+            <a:p>
+              <a:endParaRPr lang="en-US" sz="1400" b="1" dirty="0">
+                <a:solidFill>
+                  <a:srgbClr val="FF0000"/>
+                </a:solidFill>
+              </a:endParaRPr>
+            </a:p>
+          </p:txBody>
+        </p:sp>
+      </p:grpSp>
+      <p:sp>
+        <p:nvSpPr>
+          <p:cNvPr id="14" name="TextBox 13">
+            <a:extLst>
+              <a:ext uri="{FF2B5EF4-FFF2-40B4-BE49-F238E27FC236}">
+                <a16:creationId xmlns:a16="http://schemas.microsoft.com/office/drawing/2014/main" id="{7047801B-1B57-E04E-60B9-5F78E560CB4D}"/>
+              </a:ext>
+            </a:extLst>
+          </p:cNvPr>
+          <p:cNvSpPr txBox="1"/>
+          <p:nvPr/>
+        </p:nvSpPr>
+        <p:spPr>
+          <a:xfrm>
+            <a:off x="7004123" y="2352952"/>
+            <a:ext cx="1329788" cy="307777"/>
+          </a:xfrm>
+          <a:prstGeom prst="rect">
+            <a:avLst/>
+          </a:prstGeom>
+          <a:noFill/>
+        </p:spPr>
+        <p:txBody>
+          <a:bodyPr wrap="none" rtlCol="0">
+            <a:spAutoFit/>
+          </a:bodyPr>
+          <a:lstStyle/>
+          <a:p>
+            <a:r>
+              <a:rPr lang="en-US" sz="1400" b="1" dirty="0"/>
+              <a:t>USE A </a:t>
+            </a:r>
+            <a:r>
+              <a:rPr lang="en-US" sz="1400" b="1" dirty="0">
+                <a:solidFill>
+                  <a:srgbClr val="FF0000"/>
+                </a:solidFill>
+              </a:rPr>
+              <a:t>for</a:t>
+            </a:r>
+            <a:r>
+              <a:rPr lang="en-US" sz="1400" b="1" dirty="0"/>
+              <a:t> LOOP</a:t>
+            </a:r>
+          </a:p>
+        </p:txBody>
+      </p:sp>
+    </p:spTree>
+    <p:extLst>
+      <p:ext uri="{BB962C8B-B14F-4D97-AF65-F5344CB8AC3E}">
+        <p14:creationId xmlns:p14="http://schemas.microsoft.com/office/powerpoint/2010/main" val="2034723265"/>
+      </p:ext>
+    </p:extLst>
+  </p:cSld>
+  <p:clrMapOvr>
+    <a:masterClrMapping/>
+  </p:clrMapOvr>
+  <p:timing>
+    <p:tnLst>
+      <p:par>
+        <p:cTn id="1" dur="indefinite" restart="never" nodeType="tmRoot">
+          <p:childTnLst>
+            <p:seq concurrent="1" nextAc="seek">
+              <p:cTn id="2" dur="indefinite" nodeType="mainSeq">
+                <p:childTnLst>
+                  <p:par>
+                    <p:cTn id="3" fill="hold">
+                      <p:stCondLst>
+                        <p:cond delay="indefinite"/>
+                      </p:stCondLst>
+                      <p:childTnLst>
+                        <p:par>
+                          <p:cTn id="4" fill="hold">
+                            <p:stCondLst>
+                              <p:cond delay="0"/>
+                            </p:stCondLst>
+                            <p:childTnLst>
+                              <p:par>
+                                <p:cTn id="5" presetID="2" presetClass="entr" presetSubtype="4" fill="hold" nodeType="clickEffect">
+                                  <p:stCondLst>
+                                    <p:cond delay="0"/>
+                                  </p:stCondLst>
+                                  <p:childTnLst>
+                                    <p:set>
+                                      <p:cBhvr>
+                                        <p:cTn id="6" dur="1" fill="hold">
+                                          <p:stCondLst>
+                                            <p:cond delay="0"/>
+                                          </p:stCondLst>
+                                        </p:cTn>
+                                        <p:tgtEl>
+                                          <p:spTgt spid="13"/>
+                                        </p:tgtEl>
+                                        <p:attrNameLst>
+                                          <p:attrName>style.visibility</p:attrName>
+                                        </p:attrNameLst>
+                                      </p:cBhvr>
+                                      <p:to>
+                                        <p:strVal val="visible"/>
+                                      </p:to>
+                                    </p:set>
+                                    <p:anim calcmode="lin" valueType="num">
+                                      <p:cBhvr additive="base">
+                                        <p:cTn id="7" dur="500" fill="hold"/>
+                                        <p:tgtEl>
+                                          <p:spTgt spid="13"/>
+                                        </p:tgtEl>
+                                        <p:attrNameLst>
+                                          <p:attrName>ppt_x</p:attrName>
+                                        </p:attrNameLst>
+                                      </p:cBhvr>
+                                      <p:tavLst>
+                                        <p:tav tm="0">
+                                          <p:val>
+                                            <p:strVal val="#ppt_x"/>
+                                          </p:val>
+                                        </p:tav>
+                                        <p:tav tm="100000">
+                                          <p:val>
+                                            <p:strVal val="#ppt_x"/>
+                                          </p:val>
+                                        </p:tav>
+                                      </p:tavLst>
+                                    </p:anim>
+                                    <p:anim calcmode="lin" valueType="num">
+                                      <p:cBhvr additive="base">
+                                        <p:cTn id="8" dur="500" fill="hold"/>
+                                        <p:tgtEl>
+                                          <p:spTgt spid="13"/>
+                                        </p:tgtEl>
+                                        <p:attrNameLst>
+                                          <p:attrName>ppt_y</p:attrName>
+                                        </p:attrNameLst>
+                                      </p:cBhvr>
+                                      <p:tavLst>
+                                        <p:tav tm="0">
+                                          <p:val>
+                                            <p:strVal val="1+#ppt_h/2"/>
+                                          </p:val>
+                                        </p:tav>
+                                        <p:tav tm="100000">
+                                          <p:val>
+                                            <p:strVal val="#ppt_y"/>
+                                          </p:val>
+                                        </p:tav>
+                                      </p:tavLst>
+                                    </p:anim>
+                                  </p:childTnLst>
+                                </p:cTn>
+                              </p:par>
+                            </p:childTnLst>
+                          </p:cTn>
+                        </p:par>
+                      </p:childTnLst>
+                    </p:cTn>
+                  </p:par>
+                  <p:par>
+                    <p:cTn id="9" fill="hold">
+                      <p:stCondLst>
+                        <p:cond delay="indefinite"/>
+                      </p:stCondLst>
+                      <p:childTnLst>
+                        <p:par>
+                          <p:cTn id="10" fill="hold">
+                            <p:stCondLst>
+                              <p:cond delay="0"/>
+                            </p:stCondLst>
+                            <p:childTnLst>
+                              <p:par>
+                                <p:cTn id="11" presetID="2" presetClass="entr" presetSubtype="4" fill="hold" grpId="0" nodeType="clickEffect">
+                                  <p:stCondLst>
+                                    <p:cond delay="0"/>
+                                  </p:stCondLst>
+                                  <p:childTnLst>
+                                    <p:set>
+                                      <p:cBhvr>
+                                        <p:cTn id="12" dur="1" fill="hold">
+                                          <p:stCondLst>
+                                            <p:cond delay="0"/>
+                                          </p:stCondLst>
+                                        </p:cTn>
+                                        <p:tgtEl>
+                                          <p:spTgt spid="14"/>
+                                        </p:tgtEl>
+                                        <p:attrNameLst>
+                                          <p:attrName>style.visibility</p:attrName>
+                                        </p:attrNameLst>
+                                      </p:cBhvr>
+                                      <p:to>
+                                        <p:strVal val="visible"/>
+                                      </p:to>
+                                    </p:set>
+                                    <p:anim calcmode="lin" valueType="num">
+                                      <p:cBhvr additive="base">
+                                        <p:cTn id="13" dur="500" fill="hold"/>
+                                        <p:tgtEl>
+                                          <p:spTgt spid="14"/>
+                                        </p:tgtEl>
+                                        <p:attrNameLst>
+                                          <p:attrName>ppt_x</p:attrName>
+                                        </p:attrNameLst>
+                                      </p:cBhvr>
+                                      <p:tavLst>
+                                        <p:tav tm="0">
+                                          <p:val>
+                                            <p:strVal val="#ppt_x"/>
+                                          </p:val>
+                                        </p:tav>
+                                        <p:tav tm="100000">
+                                          <p:val>
+                                            <p:strVal val="#ppt_x"/>
+                                          </p:val>
+                                        </p:tav>
+                                      </p:tavLst>
+                                    </p:anim>
+                                    <p:anim calcmode="lin" valueType="num">
+                                      <p:cBhvr additive="base">
+                                        <p:cTn id="14" dur="500" fill="hold"/>
+                                        <p:tgtEl>
+                                          <p:spTgt spid="14"/>
+                                        </p:tgtEl>
+                                        <p:attrNameLst>
+                                          <p:attrName>ppt_y</p:attrName>
+                                        </p:attrNameLst>
+                                      </p:cBhvr>
+                                      <p:tavLst>
+                                        <p:tav tm="0">
+                                          <p:val>
+                                            <p:strVal val="1+#ppt_h/2"/>
+                                          </p:val>
+                                        </p:tav>
+                                        <p:tav tm="100000">
+                                          <p:val>
+                                            <p:strVal val="#ppt_y"/>
+                                          </p:val>
+                                        </p:tav>
+                                      </p:tavLst>
+                                    </p:anim>
+                                  </p:childTnLst>
+                                </p:cTn>
+                              </p:par>
+                            </p:childTnLst>
+                          </p:cTn>
+                        </p:par>
+                      </p:childTnLst>
+                    </p:cTn>
+                  </p:par>
+                  <p:par>
+                    <p:cTn id="15" fill="hold">
+                      <p:stCondLst>
+                        <p:cond delay="indefinite"/>
+                      </p:stCondLst>
+                      <p:childTnLst>
+                        <p:par>
+                          <p:cTn id="16" fill="hold">
+                            <p:stCondLst>
+                              <p:cond delay="0"/>
+                            </p:stCondLst>
+                            <p:childTnLst>
+                              <p:par>
+                                <p:cTn id="17" presetID="2" presetClass="entr" presetSubtype="4" fill="hold" nodeType="clickEffect">
+                                  <p:stCondLst>
+                                    <p:cond delay="0"/>
+                                  </p:stCondLst>
+                                  <p:childTnLst>
+                                    <p:set>
+                                      <p:cBhvr>
+                                        <p:cTn id="18" dur="1" fill="hold">
+                                          <p:stCondLst>
+                                            <p:cond delay="0"/>
+                                          </p:stCondLst>
+                                        </p:cTn>
+                                        <p:tgtEl>
+                                          <p:spTgt spid="8"/>
+                                        </p:tgtEl>
+                                        <p:attrNameLst>
+                                          <p:attrName>style.visibility</p:attrName>
+                                        </p:attrNameLst>
+                                      </p:cBhvr>
+                                      <p:to>
+                                        <p:strVal val="visible"/>
+                                      </p:to>
+                                    </p:set>
+                                    <p:anim calcmode="lin" valueType="num">
+                                      <p:cBhvr additive="base">
+                                        <p:cTn id="19" dur="500" fill="hold"/>
+                                        <p:tgtEl>
+                                          <p:spTgt spid="8"/>
+                                        </p:tgtEl>
+                                        <p:attrNameLst>
+                                          <p:attrName>ppt_x</p:attrName>
+                                        </p:attrNameLst>
+                                      </p:cBhvr>
+                                      <p:tavLst>
+                                        <p:tav tm="0">
+                                          <p:val>
+                                            <p:strVal val="#ppt_x"/>
+                                          </p:val>
+                                        </p:tav>
+                                        <p:tav tm="100000">
+                                          <p:val>
+                                            <p:strVal val="#ppt_x"/>
+                                          </p:val>
+                                        </p:tav>
+                                      </p:tavLst>
+                                    </p:anim>
+                                    <p:anim calcmode="lin" valueType="num">
+                                      <p:cBhvr additive="base">
+                                        <p:cTn id="20" dur="500" fill="hold"/>
+                                        <p:tgtEl>
+                                          <p:spTgt spid="8"/>
+                                        </p:tgtEl>
+                                        <p:attrNameLst>
+                                          <p:attrName>ppt_y</p:attrName>
+                                        </p:attrNameLst>
+                                      </p:cBhvr>
+                                      <p:tavLst>
+                                        <p:tav tm="0">
+                                          <p:val>
+                                            <p:strVal val="1+#ppt_h/2"/>
+                                          </p:val>
+                                        </p:tav>
+                                        <p:tav tm="100000">
+                                          <p:val>
+                                            <p:strVal val="#ppt_y"/>
+                                          </p:val>
+                                        </p:tav>
+                                      </p:tavLst>
+                                    </p:anim>
+                                  </p:childTnLst>
+                                </p:cTn>
+                              </p:par>
+                            </p:childTnLst>
+                          </p:cTn>
+                        </p:par>
+                      </p:childTnLst>
+                    </p:cTn>
+                  </p:par>
+                </p:childTnLst>
+              </p:cTn>
+              <p:prevCondLst>
+                <p:cond evt="onPrev" delay="0">
+                  <p:tgtEl>
+                    <p:sldTgt/>
+                  </p:tgtEl>
+                </p:cond>
+              </p:prevCondLst>
+              <p:nextCondLst>
+                <p:cond evt="onNext" delay="0">
+                  <p:tgtEl>
+                    <p:sldTgt/>
+                  </p:tgtEl>
+                </p:cond>
+              </p:nextCondLst>
+            </p:seq>
+          </p:childTnLst>
+        </p:cTn>
+      </p:par>
+    </p:tnLst>
+    <p:bldLst>
+      <p:bldP spid="14" grpId="0"/>
+    </p:bldLst>
+  </p:timing>
+</p:sld>
+</file>
+
+<file path=ppt/slides/slide11.xml><?xml version="1.0" encoding="utf-8"?>
+<p:sld xmlns:a="http://schemas.openxmlformats.org/drawingml/2006/main" xmlns:r="http://schemas.openxmlformats.org/officeDocument/2006/relationships" xmlns:p="http://schemas.openxmlformats.org/presentationml/2006/main">
+  <p:cSld>
+    <p:spTree>
+      <p:nvGrpSpPr>
+        <p:cNvPr id="1" name=""/>
+        <p:cNvGrpSpPr/>
+        <p:nvPr/>
+      </p:nvGrpSpPr>
+      <p:grpSpPr>
+        <a:xfrm>
+          <a:off x="0" y="0"/>
+          <a:ext cx="0" cy="0"/>
+          <a:chOff x="0" y="0"/>
+          <a:chExt cx="0" cy="0"/>
+        </a:xfrm>
+      </p:grpSpPr>
+      <p:pic>
+        <p:nvPicPr>
+          <p:cNvPr id="3" name="Picture 2">
+            <a:extLst>
+              <a:ext uri="{FF2B5EF4-FFF2-40B4-BE49-F238E27FC236}">
+                <a16:creationId xmlns:a16="http://schemas.microsoft.com/office/drawing/2014/main" id="{98DA46A9-8DD3-ED0B-8CD5-5C9FCA46E4AF}"/>
+              </a:ext>
+            </a:extLst>
+          </p:cNvPr>
+          <p:cNvPicPr>
+            <a:picLocks noChangeAspect="1"/>
+          </p:cNvPicPr>
+          <p:nvPr/>
+        </p:nvPicPr>
+        <p:blipFill>
+          <a:blip r:embed="rId2"/>
+          <a:stretch>
+            <a:fillRect/>
+          </a:stretch>
+        </p:blipFill>
+        <p:spPr>
+          <a:xfrm>
+            <a:off x="3648585" y="1897406"/>
+            <a:ext cx="3495238" cy="2895238"/>
+          </a:xfrm>
+          <a:prstGeom prst="rect">
+            <a:avLst/>
+          </a:prstGeom>
+        </p:spPr>
+      </p:pic>
+      <p:pic>
+        <p:nvPicPr>
+          <p:cNvPr id="5" name="Picture 4">
+            <a:extLst>
+              <a:ext uri="{FF2B5EF4-FFF2-40B4-BE49-F238E27FC236}">
+                <a16:creationId xmlns:a16="http://schemas.microsoft.com/office/drawing/2014/main" id="{BE7CCAAA-CE42-F285-3985-DCC6A0364263}"/>
+              </a:ext>
+            </a:extLst>
+          </p:cNvPr>
+          <p:cNvPicPr>
+            <a:picLocks noChangeAspect="1"/>
+          </p:cNvPicPr>
+          <p:nvPr/>
+        </p:nvPicPr>
+        <p:blipFill>
+          <a:blip r:embed="rId3"/>
+          <a:stretch>
+            <a:fillRect/>
+          </a:stretch>
+        </p:blipFill>
+        <p:spPr>
+          <a:xfrm>
+            <a:off x="3769882" y="1971079"/>
+            <a:ext cx="3495238" cy="2780952"/>
+          </a:xfrm>
+          <a:prstGeom prst="rect">
+            <a:avLst/>
+          </a:prstGeom>
+        </p:spPr>
+      </p:pic>
+      <p:pic>
+        <p:nvPicPr>
+          <p:cNvPr id="7" name="Picture 6">
+            <a:extLst>
+              <a:ext uri="{FF2B5EF4-FFF2-40B4-BE49-F238E27FC236}">
+                <a16:creationId xmlns:a16="http://schemas.microsoft.com/office/drawing/2014/main" id="{2A0CA361-B061-420E-D1AE-1FB94807552B}"/>
+              </a:ext>
+            </a:extLst>
+          </p:cNvPr>
+          <p:cNvPicPr>
+            <a:picLocks noChangeAspect="1"/>
+          </p:cNvPicPr>
+          <p:nvPr/>
+        </p:nvPicPr>
+        <p:blipFill>
+          <a:blip r:embed="rId4"/>
+          <a:stretch>
+            <a:fillRect/>
+          </a:stretch>
+        </p:blipFill>
+        <p:spPr>
+          <a:xfrm>
+            <a:off x="3581918" y="1897406"/>
+            <a:ext cx="3628571" cy="2971429"/>
+          </a:xfrm>
+          <a:prstGeom prst="rect">
+            <a:avLst/>
+          </a:prstGeom>
+        </p:spPr>
+      </p:pic>
+      <p:pic>
+        <p:nvPicPr>
+          <p:cNvPr id="9" name="Picture 8">
+            <a:extLst>
+              <a:ext uri="{FF2B5EF4-FFF2-40B4-BE49-F238E27FC236}">
+                <a16:creationId xmlns:a16="http://schemas.microsoft.com/office/drawing/2014/main" id="{CCD131EE-1779-DF6F-71EA-468B8E1DC365}"/>
+              </a:ext>
+            </a:extLst>
+          </p:cNvPr>
+          <p:cNvPicPr>
+            <a:picLocks noChangeAspect="1"/>
+          </p:cNvPicPr>
+          <p:nvPr/>
+        </p:nvPicPr>
+        <p:blipFill>
+          <a:blip r:embed="rId5"/>
+          <a:stretch>
+            <a:fillRect/>
+          </a:stretch>
+        </p:blipFill>
+        <p:spPr>
+          <a:xfrm>
+            <a:off x="3836111" y="1969334"/>
+            <a:ext cx="3495675" cy="2914650"/>
+          </a:xfrm>
+          <a:prstGeom prst="rect">
+            <a:avLst/>
+          </a:prstGeom>
+        </p:spPr>
+      </p:pic>
+      <p:pic>
+        <p:nvPicPr>
+          <p:cNvPr id="11" name="Picture 10">
+            <a:extLst>
+              <a:ext uri="{FF2B5EF4-FFF2-40B4-BE49-F238E27FC236}">
+                <a16:creationId xmlns:a16="http://schemas.microsoft.com/office/drawing/2014/main" id="{C3A9AAB1-01F5-43CF-05FD-3D2415DB6433}"/>
+              </a:ext>
+            </a:extLst>
+          </p:cNvPr>
+          <p:cNvPicPr>
+            <a:picLocks noChangeAspect="1"/>
+          </p:cNvPicPr>
+          <p:nvPr/>
+        </p:nvPicPr>
+        <p:blipFill>
+          <a:blip r:embed="rId6"/>
+          <a:stretch>
+            <a:fillRect/>
+          </a:stretch>
+        </p:blipFill>
+        <p:spPr>
+          <a:xfrm>
+            <a:off x="3759910" y="2049440"/>
+            <a:ext cx="3648075" cy="2781300"/>
+          </a:xfrm>
+          <a:prstGeom prst="rect">
+            <a:avLst/>
+          </a:prstGeom>
+        </p:spPr>
+      </p:pic>
+      <p:pic>
+        <p:nvPicPr>
+          <p:cNvPr id="13" name="Picture 12">
+            <a:extLst>
+              <a:ext uri="{FF2B5EF4-FFF2-40B4-BE49-F238E27FC236}">
+                <a16:creationId xmlns:a16="http://schemas.microsoft.com/office/drawing/2014/main" id="{9EA98F26-D0EB-7950-8465-257B92604C73}"/>
+              </a:ext>
+            </a:extLst>
+          </p:cNvPr>
+          <p:cNvPicPr>
+            <a:picLocks noChangeAspect="1"/>
+          </p:cNvPicPr>
+          <p:nvPr/>
+        </p:nvPicPr>
+        <p:blipFill>
+          <a:blip r:embed="rId7"/>
+          <a:stretch>
+            <a:fillRect/>
+          </a:stretch>
+        </p:blipFill>
+        <p:spPr>
+          <a:xfrm>
+            <a:off x="3769434" y="1969334"/>
+            <a:ext cx="3629025" cy="2971800"/>
+          </a:xfrm>
+          <a:prstGeom prst="rect">
+            <a:avLst/>
+          </a:prstGeom>
+        </p:spPr>
+      </p:pic>
+      <p:pic>
+        <p:nvPicPr>
+          <p:cNvPr id="15" name="Picture 14">
+            <a:extLst>
+              <a:ext uri="{FF2B5EF4-FFF2-40B4-BE49-F238E27FC236}">
+                <a16:creationId xmlns:a16="http://schemas.microsoft.com/office/drawing/2014/main" id="{33D07A81-6B8B-DF30-88B7-9B51A18AADA2}"/>
+              </a:ext>
+            </a:extLst>
+          </p:cNvPr>
+          <p:cNvPicPr>
+            <a:picLocks noChangeAspect="1"/>
+          </p:cNvPicPr>
+          <p:nvPr/>
+        </p:nvPicPr>
+        <p:blipFill>
+          <a:blip r:embed="rId8"/>
+          <a:stretch>
+            <a:fillRect/>
+          </a:stretch>
+        </p:blipFill>
+        <p:spPr>
+          <a:xfrm>
+            <a:off x="3978539" y="1844169"/>
+            <a:ext cx="3495675" cy="3009900"/>
+          </a:xfrm>
+          <a:prstGeom prst="rect">
+            <a:avLst/>
+          </a:prstGeom>
+        </p:spPr>
+      </p:pic>
+      <p:pic>
+        <p:nvPicPr>
+          <p:cNvPr id="17" name="Picture 16">
+            <a:extLst>
+              <a:ext uri="{FF2B5EF4-FFF2-40B4-BE49-F238E27FC236}">
+                <a16:creationId xmlns:a16="http://schemas.microsoft.com/office/drawing/2014/main" id="{ADAC08FB-69C2-4BA3-4760-F6F355EA3FB1}"/>
+              </a:ext>
+            </a:extLst>
+          </p:cNvPr>
+          <p:cNvPicPr>
+            <a:picLocks noChangeAspect="1"/>
+          </p:cNvPicPr>
+          <p:nvPr/>
+        </p:nvPicPr>
+        <p:blipFill>
+          <a:blip r:embed="rId9"/>
+          <a:stretch>
+            <a:fillRect/>
+          </a:stretch>
+        </p:blipFill>
+        <p:spPr>
+          <a:xfrm>
+            <a:off x="3937901" y="1997353"/>
+            <a:ext cx="3657600" cy="2809875"/>
+          </a:xfrm>
+          <a:prstGeom prst="rect">
+            <a:avLst/>
+          </a:prstGeom>
+        </p:spPr>
+      </p:pic>
+      <p:pic>
+        <p:nvPicPr>
+          <p:cNvPr id="19" name="Picture 18">
+            <a:extLst>
+              <a:ext uri="{FF2B5EF4-FFF2-40B4-BE49-F238E27FC236}">
+                <a16:creationId xmlns:a16="http://schemas.microsoft.com/office/drawing/2014/main" id="{451630DE-41CA-200E-F468-6E09D3AD643E}"/>
+              </a:ext>
+            </a:extLst>
+          </p:cNvPr>
+          <p:cNvPicPr>
+            <a:picLocks noChangeAspect="1"/>
+          </p:cNvPicPr>
+          <p:nvPr/>
+        </p:nvPicPr>
+        <p:blipFill>
+          <a:blip r:embed="rId10"/>
+          <a:stretch>
+            <a:fillRect/>
+          </a:stretch>
+        </p:blipFill>
+        <p:spPr>
+          <a:xfrm>
+            <a:off x="3922293" y="1897406"/>
+            <a:ext cx="3571875" cy="2952750"/>
+          </a:xfrm>
+          <a:prstGeom prst="rect">
+            <a:avLst/>
+          </a:prstGeom>
+        </p:spPr>
+      </p:pic>
+      <p:pic>
+        <p:nvPicPr>
+          <p:cNvPr id="21" name="Picture 20">
+            <a:extLst>
+              <a:ext uri="{FF2B5EF4-FFF2-40B4-BE49-F238E27FC236}">
+                <a16:creationId xmlns:a16="http://schemas.microsoft.com/office/drawing/2014/main" id="{030D8F6C-D668-0E40-2C72-22406570B471}"/>
+              </a:ext>
+            </a:extLst>
+          </p:cNvPr>
+          <p:cNvPicPr>
+            <a:picLocks noChangeAspect="1"/>
+          </p:cNvPicPr>
+          <p:nvPr/>
+        </p:nvPicPr>
+        <p:blipFill>
+          <a:blip r:embed="rId11"/>
+          <a:stretch>
+            <a:fillRect/>
+          </a:stretch>
+        </p:blipFill>
+        <p:spPr>
+          <a:xfrm>
+            <a:off x="4090727" y="2002796"/>
+            <a:ext cx="3545411" cy="2958804"/>
+          </a:xfrm>
+          <a:prstGeom prst="rect">
+            <a:avLst/>
+          </a:prstGeom>
+        </p:spPr>
+      </p:pic>
+      <p:pic>
+        <p:nvPicPr>
+          <p:cNvPr id="22" name="Picture 21">
+            <a:extLst>
+              <a:ext uri="{FF2B5EF4-FFF2-40B4-BE49-F238E27FC236}">
+                <a16:creationId xmlns:a16="http://schemas.microsoft.com/office/drawing/2014/main" id="{696AAAAC-7253-59F3-284A-E640558828D8}"/>
+              </a:ext>
+            </a:extLst>
+          </p:cNvPr>
+          <p:cNvPicPr>
+            <a:picLocks noChangeAspect="1"/>
+          </p:cNvPicPr>
+          <p:nvPr/>
+        </p:nvPicPr>
+        <p:blipFill>
+          <a:blip r:embed="rId12"/>
+          <a:stretch>
+            <a:fillRect/>
+          </a:stretch>
+        </p:blipFill>
+        <p:spPr>
+          <a:xfrm>
+            <a:off x="7200069" y="321748"/>
+            <a:ext cx="4479666" cy="1950164"/>
+          </a:xfrm>
+          <a:prstGeom prst="rect">
+            <a:avLst/>
+          </a:prstGeom>
+        </p:spPr>
+      </p:pic>
+      <p:sp>
+        <p:nvSpPr>
+          <p:cNvPr id="23" name="TextBox 22">
+            <a:extLst>
+              <a:ext uri="{FF2B5EF4-FFF2-40B4-BE49-F238E27FC236}">
+                <a16:creationId xmlns:a16="http://schemas.microsoft.com/office/drawing/2014/main" id="{881E06B3-36B4-F60C-DC3B-A889CFB30F65}"/>
+              </a:ext>
+            </a:extLst>
+          </p:cNvPr>
+          <p:cNvSpPr txBox="1"/>
+          <p:nvPr/>
+        </p:nvSpPr>
+        <p:spPr>
+          <a:xfrm>
+            <a:off x="923731" y="634482"/>
+            <a:ext cx="1557542" cy="369332"/>
+          </a:xfrm>
+          <a:prstGeom prst="rect">
+            <a:avLst/>
+          </a:prstGeom>
+          <a:noFill/>
+        </p:spPr>
+        <p:txBody>
+          <a:bodyPr wrap="none" rtlCol="0">
+            <a:spAutoFit/>
+          </a:bodyPr>
+          <a:lstStyle/>
+          <a:p>
+            <a:r>
+              <a:rPr lang="en-US" dirty="0"/>
+              <a:t>The </a:t>
+            </a:r>
+            <a:r>
+              <a:rPr lang="en-US" b="1" dirty="0">
+                <a:solidFill>
+                  <a:srgbClr val="FF0000"/>
+                </a:solidFill>
+              </a:rPr>
+              <a:t>FOR LOOP</a:t>
+            </a:r>
+            <a:endParaRPr lang="en-SG" b="1" dirty="0">
+              <a:solidFill>
+                <a:srgbClr val="FF0000"/>
+              </a:solidFill>
+            </a:endParaRPr>
+          </a:p>
+        </p:txBody>
+      </p:sp>
+    </p:spTree>
+    <p:extLst>
+      <p:ext uri="{BB962C8B-B14F-4D97-AF65-F5344CB8AC3E}">
+        <p14:creationId xmlns:p14="http://schemas.microsoft.com/office/powerpoint/2010/main" val="519701144"/>
+      </p:ext>
+    </p:extLst>
+  </p:cSld>
+  <p:clrMapOvr>
+    <a:masterClrMapping/>
+  </p:clrMapOvr>
+  <p:timing>
+    <p:tnLst>
+      <p:par>
+        <p:cTn id="1" dur="indefinite" restart="never" nodeType="tmRoot">
+          <p:childTnLst>
+            <p:seq concurrent="1" nextAc="seek">
+              <p:cTn id="2" dur="indefinite" nodeType="mainSeq">
+                <p:childTnLst>
+                  <p:par>
+                    <p:cTn id="3" fill="hold">
+                      <p:stCondLst>
+                        <p:cond delay="indefinite"/>
+                      </p:stCondLst>
+                      <p:childTnLst>
+                        <p:par>
+                          <p:cTn id="4" fill="hold">
+                            <p:stCondLst>
+                              <p:cond delay="0"/>
+                            </p:stCondLst>
+                            <p:childTnLst>
+                              <p:par>
+                                <p:cTn id="5" presetID="1" presetClass="entr" presetSubtype="0" fill="hold" nodeType="clickEffect">
+                                  <p:stCondLst>
+                                    <p:cond delay="0"/>
+                                  </p:stCondLst>
+                                  <p:childTnLst>
+                                    <p:set>
+                                      <p:cBhvr>
+                                        <p:cTn id="6" dur="1" fill="hold">
+                                          <p:stCondLst>
+                                            <p:cond delay="0"/>
+                                          </p:stCondLst>
+                                        </p:cTn>
+                                        <p:tgtEl>
+                                          <p:spTgt spid="5"/>
+                                        </p:tgtEl>
+                                        <p:attrNameLst>
+                                          <p:attrName>style.visibility</p:attrName>
+                                        </p:attrNameLst>
+                                      </p:cBhvr>
+                                      <p:to>
+                                        <p:strVal val="visible"/>
+                                      </p:to>
+                                    </p:set>
+                                  </p:childTnLst>
+                                </p:cTn>
+                              </p:par>
+                            </p:childTnLst>
+                          </p:cTn>
+                        </p:par>
+                      </p:childTnLst>
+                    </p:cTn>
+                  </p:par>
+                  <p:par>
+                    <p:cTn id="7" fill="hold">
+                      <p:stCondLst>
+                        <p:cond delay="indefinite"/>
+                      </p:stCondLst>
+                      <p:childTnLst>
+                        <p:par>
+                          <p:cTn id="8" fill="hold">
+                            <p:stCondLst>
+                              <p:cond delay="0"/>
+                            </p:stCondLst>
+                            <p:childTnLst>
+                              <p:par>
+                                <p:cTn id="9" presetID="1" presetClass="entr" presetSubtype="0" fill="hold" nodeType="clickEffect">
+                                  <p:stCondLst>
+                                    <p:cond delay="0"/>
+                                  </p:stCondLst>
+                                  <p:childTnLst>
+                                    <p:set>
+                                      <p:cBhvr>
+                                        <p:cTn id="10" dur="1" fill="hold">
+                                          <p:stCondLst>
+                                            <p:cond delay="0"/>
+                                          </p:stCondLst>
+                                        </p:cTn>
+                                        <p:tgtEl>
+                                          <p:spTgt spid="7"/>
+                                        </p:tgtEl>
+                                        <p:attrNameLst>
+                                          <p:attrName>style.visibility</p:attrName>
+                                        </p:attrNameLst>
+                                      </p:cBhvr>
+                                      <p:to>
+                                        <p:strVal val="visible"/>
+                                      </p:to>
+                                    </p:set>
+                                  </p:childTnLst>
+                                </p:cTn>
+                              </p:par>
+                            </p:childTnLst>
+                          </p:cTn>
+                        </p:par>
+                      </p:childTnLst>
+                    </p:cTn>
+                  </p:par>
+                  <p:par>
+                    <p:cTn id="11" fill="hold">
+                      <p:stCondLst>
+                        <p:cond delay="indefinite"/>
+                      </p:stCondLst>
+                      <p:childTnLst>
+                        <p:par>
+                          <p:cTn id="12" fill="hold">
+                            <p:stCondLst>
+                              <p:cond delay="0"/>
+                            </p:stCondLst>
+                            <p:childTnLst>
+                              <p:par>
+                                <p:cTn id="13" presetID="1" presetClass="entr" presetSubtype="0" fill="hold" nodeType="clickEffect">
+                                  <p:stCondLst>
+                                    <p:cond delay="0"/>
+                                  </p:stCondLst>
+                                  <p:childTnLst>
+                                    <p:set>
+                                      <p:cBhvr>
+                                        <p:cTn id="14" dur="1" fill="hold">
+                                          <p:stCondLst>
+                                            <p:cond delay="0"/>
+                                          </p:stCondLst>
+                                        </p:cTn>
+                                        <p:tgtEl>
+                                          <p:spTgt spid="9"/>
+                                        </p:tgtEl>
+                                        <p:attrNameLst>
+                                          <p:attrName>style.visibility</p:attrName>
+                                        </p:attrNameLst>
+                                      </p:cBhvr>
+                                      <p:to>
+                                        <p:strVal val="visible"/>
+                                      </p:to>
+                                    </p:set>
+                                  </p:childTnLst>
+                                </p:cTn>
+                              </p:par>
+                            </p:childTnLst>
+                          </p:cTn>
+                        </p:par>
+                      </p:childTnLst>
+                    </p:cTn>
+                  </p:par>
+                  <p:par>
+                    <p:cTn id="15" fill="hold">
+                      <p:stCondLst>
+                        <p:cond delay="indefinite"/>
+                      </p:stCondLst>
+                      <p:childTnLst>
+                        <p:par>
+                          <p:cTn id="16" fill="hold">
+                            <p:stCondLst>
+                              <p:cond delay="0"/>
+                            </p:stCondLst>
+                            <p:childTnLst>
+                              <p:par>
+                                <p:cTn id="17" presetID="1" presetClass="entr" presetSubtype="0" fill="hold" nodeType="clickEffect">
+                                  <p:stCondLst>
+                                    <p:cond delay="0"/>
+                                  </p:stCondLst>
+                                  <p:childTnLst>
+                                    <p:set>
+                                      <p:cBhvr>
+                                        <p:cTn id="18" dur="1" fill="hold">
+                                          <p:stCondLst>
+                                            <p:cond delay="0"/>
+                                          </p:stCondLst>
+                                        </p:cTn>
+                                        <p:tgtEl>
+                                          <p:spTgt spid="11"/>
+                                        </p:tgtEl>
+                                        <p:attrNameLst>
+                                          <p:attrName>style.visibility</p:attrName>
+                                        </p:attrNameLst>
+                                      </p:cBhvr>
+                                      <p:to>
+                                        <p:strVal val="visible"/>
+                                      </p:to>
+                                    </p:set>
+                                  </p:childTnLst>
+                                </p:cTn>
+                              </p:par>
+                            </p:childTnLst>
+                          </p:cTn>
+                        </p:par>
+                      </p:childTnLst>
+                    </p:cTn>
+                  </p:par>
+                  <p:par>
+                    <p:cTn id="19" fill="hold">
+                      <p:stCondLst>
+                        <p:cond delay="indefinite"/>
+                      </p:stCondLst>
+                      <p:childTnLst>
+                        <p:par>
+                          <p:cTn id="20" fill="hold">
+                            <p:stCondLst>
+                              <p:cond delay="0"/>
+                            </p:stCondLst>
+                            <p:childTnLst>
+                              <p:par>
+                                <p:cTn id="21" presetID="1" presetClass="entr" presetSubtype="0" fill="hold" nodeType="clickEffect">
+                                  <p:stCondLst>
+                                    <p:cond delay="0"/>
+                                  </p:stCondLst>
+                                  <p:childTnLst>
+                                    <p:set>
+                                      <p:cBhvr>
+                                        <p:cTn id="22" dur="1" fill="hold">
+                                          <p:stCondLst>
+                                            <p:cond delay="0"/>
+                                          </p:stCondLst>
+                                        </p:cTn>
+                                        <p:tgtEl>
+                                          <p:spTgt spid="13"/>
+                                        </p:tgtEl>
+                                        <p:attrNameLst>
+                                          <p:attrName>style.visibility</p:attrName>
+                                        </p:attrNameLst>
+                                      </p:cBhvr>
+                                      <p:to>
+                                        <p:strVal val="visible"/>
+                                      </p:to>
+                                    </p:set>
+                                  </p:childTnLst>
+                                </p:cTn>
+                              </p:par>
+                            </p:childTnLst>
+                          </p:cTn>
+                        </p:par>
+                      </p:childTnLst>
+                    </p:cTn>
+                  </p:par>
+                  <p:par>
+                    <p:cTn id="23" fill="hold">
+                      <p:stCondLst>
+                        <p:cond delay="indefinite"/>
+                      </p:stCondLst>
+                      <p:childTnLst>
+                        <p:par>
+                          <p:cTn id="24" fill="hold">
+                            <p:stCondLst>
+                              <p:cond delay="0"/>
+                            </p:stCondLst>
+                            <p:childTnLst>
+                              <p:par>
+                                <p:cTn id="25" presetID="1" presetClass="entr" presetSubtype="0" fill="hold" nodeType="clickEffect">
+                                  <p:stCondLst>
+                                    <p:cond delay="0"/>
+                                  </p:stCondLst>
+                                  <p:childTnLst>
+                                    <p:set>
+                                      <p:cBhvr>
+                                        <p:cTn id="26" dur="1" fill="hold">
+                                          <p:stCondLst>
+                                            <p:cond delay="0"/>
+                                          </p:stCondLst>
+                                        </p:cTn>
+                                        <p:tgtEl>
+                                          <p:spTgt spid="15"/>
+                                        </p:tgtEl>
+                                        <p:attrNameLst>
+                                          <p:attrName>style.visibility</p:attrName>
+                                        </p:attrNameLst>
+                                      </p:cBhvr>
+                                      <p:to>
+                                        <p:strVal val="visible"/>
+                                      </p:to>
+                                    </p:set>
+                                  </p:childTnLst>
+                                </p:cTn>
+                              </p:par>
+                            </p:childTnLst>
+                          </p:cTn>
+                        </p:par>
+                      </p:childTnLst>
+                    </p:cTn>
+                  </p:par>
+                  <p:par>
+                    <p:cTn id="27" fill="hold">
+                      <p:stCondLst>
+                        <p:cond delay="indefinite"/>
+                      </p:stCondLst>
+                      <p:childTnLst>
+                        <p:par>
+                          <p:cTn id="28" fill="hold">
+                            <p:stCondLst>
+                              <p:cond delay="0"/>
+                            </p:stCondLst>
+                            <p:childTnLst>
+                              <p:par>
+                                <p:cTn id="29" presetID="1" presetClass="entr" presetSubtype="0" fill="hold" nodeType="clickEffect">
+                                  <p:stCondLst>
+                                    <p:cond delay="0"/>
+                                  </p:stCondLst>
+                                  <p:childTnLst>
+                                    <p:set>
+                                      <p:cBhvr>
+                                        <p:cTn id="30" dur="1" fill="hold">
+                                          <p:stCondLst>
+                                            <p:cond delay="0"/>
+                                          </p:stCondLst>
+                                        </p:cTn>
+                                        <p:tgtEl>
+                                          <p:spTgt spid="17"/>
+                                        </p:tgtEl>
+                                        <p:attrNameLst>
+                                          <p:attrName>style.visibility</p:attrName>
+                                        </p:attrNameLst>
+                                      </p:cBhvr>
+                                      <p:to>
+                                        <p:strVal val="visible"/>
+                                      </p:to>
+                                    </p:set>
+                                  </p:childTnLst>
+                                </p:cTn>
+                              </p:par>
+                            </p:childTnLst>
+                          </p:cTn>
+                        </p:par>
+                      </p:childTnLst>
+                    </p:cTn>
+                  </p:par>
+                  <p:par>
+                    <p:cTn id="31" fill="hold">
+                      <p:stCondLst>
+                        <p:cond delay="indefinite"/>
+                      </p:stCondLst>
+                      <p:childTnLst>
+                        <p:par>
+                          <p:cTn id="32" fill="hold">
+                            <p:stCondLst>
+                              <p:cond delay="0"/>
+                            </p:stCondLst>
+                            <p:childTnLst>
+                              <p:par>
+                                <p:cTn id="33" presetID="1" presetClass="entr" presetSubtype="0" fill="hold" nodeType="clickEffect">
+                                  <p:stCondLst>
+                                    <p:cond delay="0"/>
+                                  </p:stCondLst>
+                                  <p:childTnLst>
+                                    <p:set>
+                                      <p:cBhvr>
+                                        <p:cTn id="34" dur="1" fill="hold">
+                                          <p:stCondLst>
+                                            <p:cond delay="0"/>
+                                          </p:stCondLst>
+                                        </p:cTn>
+                                        <p:tgtEl>
+                                          <p:spTgt spid="19"/>
+                                        </p:tgtEl>
+                                        <p:attrNameLst>
+                                          <p:attrName>style.visibility</p:attrName>
+                                        </p:attrNameLst>
+                                      </p:cBhvr>
+                                      <p:to>
+                                        <p:strVal val="visible"/>
+                                      </p:to>
+                                    </p:set>
+                                  </p:childTnLst>
+                                </p:cTn>
+                              </p:par>
+                            </p:childTnLst>
+                          </p:cTn>
+                        </p:par>
+                      </p:childTnLst>
+                    </p:cTn>
+                  </p:par>
+                  <p:par>
+                    <p:cTn id="35" fill="hold">
+                      <p:stCondLst>
+                        <p:cond delay="indefinite"/>
+                      </p:stCondLst>
+                      <p:childTnLst>
+                        <p:par>
+                          <p:cTn id="36" fill="hold">
+                            <p:stCondLst>
+                              <p:cond delay="0"/>
+                            </p:stCondLst>
+                            <p:childTnLst>
+                              <p:par>
+                                <p:cTn id="37" presetID="1" presetClass="entr" presetSubtype="0" fill="hold" nodeType="clickEffect">
+                                  <p:stCondLst>
+                                    <p:cond delay="0"/>
+                                  </p:stCondLst>
+                                  <p:childTnLst>
+                                    <p:set>
+                                      <p:cBhvr>
+                                        <p:cTn id="38" dur="1" fill="hold">
+                                          <p:stCondLst>
+                                            <p:cond delay="0"/>
+                                          </p:stCondLst>
+                                        </p:cTn>
+                                        <p:tgtEl>
+                                          <p:spTgt spid="21"/>
+                                        </p:tgtEl>
+                                        <p:attrNameLst>
+                                          <p:attrName>style.visibility</p:attrName>
+                                        </p:attrNameLst>
+                                      </p:cBhvr>
+                                      <p:to>
+                                        <p:strVal val="visible"/>
+                                      </p:to>
+                                    </p:set>
+                                  </p:childTnLst>
+                                </p:cTn>
+                              </p:par>
+                            </p:childTnLst>
+                          </p:cTn>
+                        </p:par>
+                      </p:childTnLst>
+                    </p:cTn>
+                  </p:par>
+                </p:childTnLst>
+              </p:cTn>
+              <p:prevCondLst>
+                <p:cond evt="onPrev" delay="0">
+                  <p:tgtEl>
+                    <p:sldTgt/>
+                  </p:tgtEl>
+                </p:cond>
+              </p:prevCondLst>
+              <p:nextCondLst>
+                <p:cond evt="onNext" delay="0">
+                  <p:tgtEl>
+                    <p:sldTgt/>
+                  </p:tgtEl>
+                </p:cond>
+              </p:nextCondLst>
+            </p:seq>
+          </p:childTnLst>
+        </p:cTn>
+      </p:par>
+    </p:tnLst>
+  </p:timing>
+</p:sld>
+</file>
+
+<file path=ppt/slides/slide12.xml><?xml version="1.0" encoding="utf-8"?>
+<p:sld xmlns:a="http://schemas.openxmlformats.org/drawingml/2006/main" xmlns:r="http://schemas.openxmlformats.org/officeDocument/2006/relationships" xmlns:p="http://schemas.openxmlformats.org/presentationml/2006/main">
+  <p:cSld>
+    <p:spTree>
+      <p:nvGrpSpPr>
+        <p:cNvPr id="1" name=""/>
+        <p:cNvGrpSpPr/>
+        <p:nvPr/>
+      </p:nvGrpSpPr>
+      <p:grpSpPr>
+        <a:xfrm>
+          <a:off x="0" y="0"/>
+          <a:ext cx="0" cy="0"/>
+          <a:chOff x="0" y="0"/>
+          <a:chExt cx="0" cy="0"/>
+        </a:xfrm>
+      </p:grpSpPr>
+      <p:pic>
+        <p:nvPicPr>
+          <p:cNvPr id="2" name="Picture 1">
+            <a:extLst>
+              <a:ext uri="{FF2B5EF4-FFF2-40B4-BE49-F238E27FC236}">
+                <a16:creationId xmlns:a16="http://schemas.microsoft.com/office/drawing/2014/main" id="{93392C5A-91E2-3753-E5F1-D54B2B1C41C2}"/>
+              </a:ext>
+            </a:extLst>
+          </p:cNvPr>
+          <p:cNvPicPr>
+            <a:picLocks noChangeAspect="1"/>
+          </p:cNvPicPr>
+          <p:nvPr/>
+        </p:nvPicPr>
+        <p:blipFill>
+          <a:blip r:embed="rId2"/>
+          <a:stretch>
+            <a:fillRect/>
+          </a:stretch>
+        </p:blipFill>
+        <p:spPr>
+          <a:xfrm>
+            <a:off x="3372893" y="2118710"/>
+            <a:ext cx="4857143" cy="2171429"/>
+          </a:xfrm>
+          <a:prstGeom prst="rect">
+            <a:avLst/>
+          </a:prstGeom>
+        </p:spPr>
+      </p:pic>
+      <p:sp>
+        <p:nvSpPr>
+          <p:cNvPr id="3" name="TextBox 2">
+            <a:extLst>
+              <a:ext uri="{FF2B5EF4-FFF2-40B4-BE49-F238E27FC236}">
+                <a16:creationId xmlns:a16="http://schemas.microsoft.com/office/drawing/2014/main" id="{2622D548-A127-63D5-4AEB-4B7A02815320}"/>
+              </a:ext>
+            </a:extLst>
+          </p:cNvPr>
+          <p:cNvSpPr txBox="1"/>
+          <p:nvPr/>
+        </p:nvSpPr>
+        <p:spPr>
+          <a:xfrm>
+            <a:off x="3372893" y="1222310"/>
+            <a:ext cx="3222036" cy="369332"/>
+          </a:xfrm>
+          <a:prstGeom prst="rect">
+            <a:avLst/>
+          </a:prstGeom>
+          <a:noFill/>
+        </p:spPr>
+        <p:txBody>
+          <a:bodyPr wrap="none" rtlCol="0">
+            <a:spAutoFit/>
+          </a:bodyPr>
+          <a:lstStyle/>
+          <a:p>
+            <a:r>
+              <a:rPr lang="en-US" dirty="0"/>
+              <a:t>Counting from 0 to 9 in step of 1</a:t>
+            </a:r>
+            <a:endParaRPr lang="en-SG" dirty="0"/>
+          </a:p>
+        </p:txBody>
+      </p:sp>
+    </p:spTree>
+    <p:extLst>
+      <p:ext uri="{BB962C8B-B14F-4D97-AF65-F5344CB8AC3E}">
+        <p14:creationId xmlns:p14="http://schemas.microsoft.com/office/powerpoint/2010/main" val="125536123"/>
+      </p:ext>
+    </p:extLst>
+  </p:cSld>
+  <p:clrMapOvr>
+    <a:masterClrMapping/>
+  </p:clrMapOvr>
+</p:sld>
+</file>
+
+<file path=ppt/slides/slide13.xml><?xml version="1.0" encoding="utf-8"?>
+<p:sld xmlns:a="http://schemas.openxmlformats.org/drawingml/2006/main" xmlns:r="http://schemas.openxmlformats.org/officeDocument/2006/relationships" xmlns:p="http://schemas.openxmlformats.org/presentationml/2006/main">
+  <p:cSld>
+    <p:spTree>
+      <p:nvGrpSpPr>
+        <p:cNvPr id="1" name=""/>
+        <p:cNvGrpSpPr/>
+        <p:nvPr/>
+      </p:nvGrpSpPr>
+      <p:grpSpPr>
+        <a:xfrm>
+          <a:off x="0" y="0"/>
+          <a:ext cx="0" cy="0"/>
+          <a:chOff x="0" y="0"/>
+          <a:chExt cx="0" cy="0"/>
+        </a:xfrm>
+      </p:grpSpPr>
+      <p:pic>
+        <p:nvPicPr>
+          <p:cNvPr id="3" name="Picture 2">
+            <a:extLst>
+              <a:ext uri="{FF2B5EF4-FFF2-40B4-BE49-F238E27FC236}">
                 <a16:creationId xmlns:a16="http://schemas.microsoft.com/office/drawing/2014/main" id="{CEEA1341-E495-3BFB-757E-5362BCD9A209}"/>
               </a:ext>
             </a:extLst>
@@ -3657,7 +5290,7 @@
 </p:sld>
 </file>
 
-<file path=ppt/slides/slide11.xml><?xml version="1.0" encoding="utf-8"?>
+<file path=ppt/slides/slide14.xml><?xml version="1.0" encoding="utf-8"?>
 <p:sld xmlns:a="http://schemas.openxmlformats.org/drawingml/2006/main" xmlns:r="http://schemas.openxmlformats.org/officeDocument/2006/relationships" xmlns:p="http://schemas.openxmlformats.org/presentationml/2006/main">
   <p:cSld>
     <p:spTree>
@@ -4304,7 +5937,7 @@
 </p:sld>
 </file>
 
-<file path=ppt/slides/slide12.xml><?xml version="1.0" encoding="utf-8"?>
+<file path=ppt/slides/slide15.xml><?xml version="1.0" encoding="utf-8"?>
 <p:sld xmlns:a="http://schemas.openxmlformats.org/drawingml/2006/main" xmlns:r="http://schemas.openxmlformats.org/officeDocument/2006/relationships" xmlns:p="http://schemas.openxmlformats.org/presentationml/2006/main">
   <p:cSld>
     <p:spTree>
@@ -5625,7 +7258,7 @@
 </p:sld>
 </file>
 
-<file path=ppt/slides/slide13.xml><?xml version="1.0" encoding="utf-8"?>
+<file path=ppt/slides/slide16.xml><?xml version="1.0" encoding="utf-8"?>
 <p:sld xmlns:a="http://schemas.openxmlformats.org/drawingml/2006/main" xmlns:r="http://schemas.openxmlformats.org/officeDocument/2006/relationships" xmlns:p="http://schemas.openxmlformats.org/presentationml/2006/main">
   <p:cSld>
     <p:spTree>
@@ -6024,7 +7657,7 @@
 </p:sld>
 </file>
 
-<file path=ppt/slides/slide14.xml><?xml version="1.0" encoding="utf-8"?>
+<file path=ppt/slides/slide17.xml><?xml version="1.0" encoding="utf-8"?>
 <p:sld xmlns:a="http://schemas.openxmlformats.org/drawingml/2006/main" xmlns:r="http://schemas.openxmlformats.org/officeDocument/2006/relationships" xmlns:p="http://schemas.openxmlformats.org/presentationml/2006/main">
   <p:cSld>
     <p:spTree>
@@ -7279,6 +8912,1156 @@
           <a:chExt cx="0" cy="0"/>
         </a:xfrm>
       </p:grpSpPr>
+      <p:sp>
+        <p:nvSpPr>
+          <p:cNvPr id="4" name="TextBox 3">
+            <a:extLst>
+              <a:ext uri="{FF2B5EF4-FFF2-40B4-BE49-F238E27FC236}">
+                <a16:creationId xmlns:a16="http://schemas.microsoft.com/office/drawing/2014/main" id="{C1804066-C215-B3AC-2C05-1CCB9A33EBD9}"/>
+              </a:ext>
+            </a:extLst>
+          </p:cNvPr>
+          <p:cNvSpPr txBox="1"/>
+          <p:nvPr/>
+        </p:nvSpPr>
+        <p:spPr>
+          <a:xfrm>
+            <a:off x="1231638" y="2333015"/>
+            <a:ext cx="5589040" cy="369332"/>
+          </a:xfrm>
+          <a:prstGeom prst="rect">
+            <a:avLst/>
+          </a:prstGeom>
+          <a:noFill/>
+        </p:spPr>
+        <p:txBody>
+          <a:bodyPr wrap="square" rtlCol="0">
+            <a:spAutoFit/>
+          </a:bodyPr>
+          <a:lstStyle/>
+          <a:p>
+            <a:r>
+              <a:rPr lang="en-SG" b="1" dirty="0">
+                <a:solidFill>
+                  <a:srgbClr val="FF0000"/>
+                </a:solidFill>
+              </a:rPr>
+              <a:t>&gt;&gt;&gt;</a:t>
+            </a:r>
+            <a:r>
+              <a:rPr lang="en-SG" dirty="0">
+                <a:solidFill>
+                  <a:srgbClr val="0070C0"/>
+                </a:solidFill>
+              </a:rPr>
+              <a:t> </a:t>
+            </a:r>
+            <a:r>
+              <a:rPr lang="en-SG" dirty="0" err="1">
+                <a:solidFill>
+                  <a:srgbClr val="0070C0"/>
+                </a:solidFill>
+              </a:rPr>
+              <a:t>FruitBasket</a:t>
+            </a:r>
+            <a:r>
+              <a:rPr lang="en-SG" dirty="0"/>
+              <a:t>= </a:t>
+            </a:r>
+            <a:r>
+              <a:rPr lang="en-SG" dirty="0">
+                <a:solidFill>
+                  <a:srgbClr val="FF0000"/>
+                </a:solidFill>
+              </a:rPr>
+              <a:t>[</a:t>
+            </a:r>
+            <a:r>
+              <a:rPr lang="en-SG" dirty="0"/>
+              <a:t>‘</a:t>
+            </a:r>
+            <a:r>
+              <a:rPr lang="en-SG" dirty="0" err="1"/>
+              <a:t>Apple’,’Orange’,’Raspberry’,’Banana</a:t>
+            </a:r>
+            <a:r>
+              <a:rPr lang="en-SG" dirty="0"/>
+              <a:t>’</a:t>
+            </a:r>
+            <a:r>
+              <a:rPr lang="en-SG" dirty="0">
+                <a:solidFill>
+                  <a:srgbClr val="FF0000"/>
+                </a:solidFill>
+              </a:rPr>
+              <a:t>]</a:t>
+            </a:r>
+          </a:p>
+        </p:txBody>
+      </p:sp>
+      <p:sp>
+        <p:nvSpPr>
+          <p:cNvPr id="5" name="TextBox 4">
+            <a:extLst>
+              <a:ext uri="{FF2B5EF4-FFF2-40B4-BE49-F238E27FC236}">
+                <a16:creationId xmlns:a16="http://schemas.microsoft.com/office/drawing/2014/main" id="{09AC3E88-1F0B-6AF0-6314-5FE001551415}"/>
+              </a:ext>
+            </a:extLst>
+          </p:cNvPr>
+          <p:cNvSpPr txBox="1"/>
+          <p:nvPr/>
+        </p:nvSpPr>
+        <p:spPr>
+          <a:xfrm>
+            <a:off x="1231638" y="3429000"/>
+            <a:ext cx="5589040" cy="369332"/>
+          </a:xfrm>
+          <a:prstGeom prst="rect">
+            <a:avLst/>
+          </a:prstGeom>
+          <a:noFill/>
+        </p:spPr>
+        <p:txBody>
+          <a:bodyPr wrap="square" rtlCol="0">
+            <a:spAutoFit/>
+          </a:bodyPr>
+          <a:lstStyle/>
+          <a:p>
+            <a:r>
+              <a:rPr lang="en-SG" dirty="0"/>
+              <a:t>Each item in the List has an index position, starting from 0</a:t>
+            </a:r>
+          </a:p>
+        </p:txBody>
+      </p:sp>
+      <p:sp>
+        <p:nvSpPr>
+          <p:cNvPr id="6" name="TextBox 5">
+            <a:extLst>
+              <a:ext uri="{FF2B5EF4-FFF2-40B4-BE49-F238E27FC236}">
+                <a16:creationId xmlns:a16="http://schemas.microsoft.com/office/drawing/2014/main" id="{2C7F2067-F34F-923E-B947-C31DDAF88923}"/>
+              </a:ext>
+            </a:extLst>
+          </p:cNvPr>
+          <p:cNvSpPr txBox="1"/>
+          <p:nvPr/>
+        </p:nvSpPr>
+        <p:spPr>
+          <a:xfrm>
+            <a:off x="1231638" y="4004759"/>
+            <a:ext cx="3060444" cy="369332"/>
+          </a:xfrm>
+          <a:prstGeom prst="rect">
+            <a:avLst/>
+          </a:prstGeom>
+          <a:noFill/>
+        </p:spPr>
+        <p:txBody>
+          <a:bodyPr wrap="square" rtlCol="0">
+            <a:spAutoFit/>
+          </a:bodyPr>
+          <a:lstStyle/>
+          <a:p>
+            <a:r>
+              <a:rPr lang="en-SG" b="1" dirty="0">
+                <a:solidFill>
+                  <a:srgbClr val="FF0000"/>
+                </a:solidFill>
+              </a:rPr>
+              <a:t>&gt;&gt;&gt;</a:t>
+            </a:r>
+            <a:r>
+              <a:rPr lang="en-SG" dirty="0">
+                <a:solidFill>
+                  <a:srgbClr val="0070C0"/>
+                </a:solidFill>
+              </a:rPr>
+              <a:t> print</a:t>
+            </a:r>
+            <a:r>
+              <a:rPr lang="en-SG" dirty="0">
+                <a:solidFill>
+                  <a:srgbClr val="FF0000"/>
+                </a:solidFill>
+              </a:rPr>
+              <a:t>(</a:t>
+            </a:r>
+            <a:r>
+              <a:rPr lang="en-SG" dirty="0" err="1"/>
+              <a:t>FruitBasket</a:t>
+            </a:r>
+            <a:r>
+              <a:rPr lang="en-SG" dirty="0">
+                <a:solidFill>
+                  <a:srgbClr val="0070C0"/>
+                </a:solidFill>
+              </a:rPr>
+              <a:t>[0] </a:t>
+            </a:r>
+            <a:r>
+              <a:rPr lang="en-SG" dirty="0">
+                <a:solidFill>
+                  <a:srgbClr val="FF0000"/>
+                </a:solidFill>
+              </a:rPr>
+              <a:t>)</a:t>
+            </a:r>
+          </a:p>
+        </p:txBody>
+      </p:sp>
+      <p:sp>
+        <p:nvSpPr>
+          <p:cNvPr id="7" name="TextBox 6">
+            <a:extLst>
+              <a:ext uri="{FF2B5EF4-FFF2-40B4-BE49-F238E27FC236}">
+                <a16:creationId xmlns:a16="http://schemas.microsoft.com/office/drawing/2014/main" id="{D4294D3B-F986-5966-B093-CB2BD42BB35A}"/>
+              </a:ext>
+            </a:extLst>
+          </p:cNvPr>
+          <p:cNvSpPr txBox="1"/>
+          <p:nvPr/>
+        </p:nvSpPr>
+        <p:spPr>
+          <a:xfrm>
+            <a:off x="1231638" y="4579705"/>
+            <a:ext cx="5589040" cy="646331"/>
+          </a:xfrm>
+          <a:prstGeom prst="rect">
+            <a:avLst/>
+          </a:prstGeom>
+          <a:noFill/>
+        </p:spPr>
+        <p:txBody>
+          <a:bodyPr wrap="square" rtlCol="0">
+            <a:spAutoFit/>
+          </a:bodyPr>
+          <a:lstStyle/>
+          <a:p>
+            <a:r>
+              <a:rPr lang="en-SG" dirty="0"/>
+              <a:t>We can change the ‘value’ of an item in the List</a:t>
+            </a:r>
+          </a:p>
+          <a:p>
+            <a:r>
+              <a:rPr lang="en-SG" dirty="0"/>
+              <a:t>e.g. we want to replace ‘Orange’ with ‘Grapes’</a:t>
+            </a:r>
+          </a:p>
+        </p:txBody>
+      </p:sp>
+      <p:sp>
+        <p:nvSpPr>
+          <p:cNvPr id="8" name="TextBox 7">
+            <a:extLst>
+              <a:ext uri="{FF2B5EF4-FFF2-40B4-BE49-F238E27FC236}">
+                <a16:creationId xmlns:a16="http://schemas.microsoft.com/office/drawing/2014/main" id="{8DEA3A8B-4BBE-53E5-67D4-766CFABB370C}"/>
+              </a:ext>
+            </a:extLst>
+          </p:cNvPr>
+          <p:cNvSpPr txBox="1"/>
+          <p:nvPr/>
+        </p:nvSpPr>
+        <p:spPr>
+          <a:xfrm>
+            <a:off x="1231638" y="5363547"/>
+            <a:ext cx="5589040" cy="646331"/>
+          </a:xfrm>
+          <a:prstGeom prst="rect">
+            <a:avLst/>
+          </a:prstGeom>
+          <a:noFill/>
+        </p:spPr>
+        <p:txBody>
+          <a:bodyPr wrap="square" rtlCol="0">
+            <a:spAutoFit/>
+          </a:bodyPr>
+          <a:lstStyle/>
+          <a:p>
+            <a:r>
+              <a:rPr lang="en-SG" b="1" dirty="0">
+                <a:solidFill>
+                  <a:srgbClr val="FF0000"/>
+                </a:solidFill>
+              </a:rPr>
+              <a:t>&gt;&gt;&gt; </a:t>
+            </a:r>
+            <a:r>
+              <a:rPr lang="en-SG" dirty="0" err="1"/>
+              <a:t>FruitBasket</a:t>
+            </a:r>
+            <a:r>
+              <a:rPr lang="en-SG" dirty="0"/>
+              <a:t>[1]=‘Grapes’</a:t>
+            </a:r>
+          </a:p>
+          <a:p>
+            <a:r>
+              <a:rPr lang="en-SG" b="1" dirty="0">
+                <a:solidFill>
+                  <a:srgbClr val="FF0000"/>
+                </a:solidFill>
+              </a:rPr>
+              <a:t>&gt;&gt;&gt; </a:t>
+            </a:r>
+            <a:r>
+              <a:rPr lang="en-SG" dirty="0"/>
+              <a:t>print(</a:t>
+            </a:r>
+            <a:r>
+              <a:rPr lang="en-SG" dirty="0" err="1"/>
+              <a:t>FruitBasket</a:t>
+            </a:r>
+            <a:r>
+              <a:rPr lang="en-SG" dirty="0"/>
+              <a:t>)</a:t>
+            </a:r>
+          </a:p>
+        </p:txBody>
+      </p:sp>
+      <p:sp>
+        <p:nvSpPr>
+          <p:cNvPr id="13" name="TextBox 12">
+            <a:extLst>
+              <a:ext uri="{FF2B5EF4-FFF2-40B4-BE49-F238E27FC236}">
+                <a16:creationId xmlns:a16="http://schemas.microsoft.com/office/drawing/2014/main" id="{8DE53F88-9893-3A65-A0CA-7B0EF1EE3093}"/>
+              </a:ext>
+            </a:extLst>
+          </p:cNvPr>
+          <p:cNvSpPr txBox="1"/>
+          <p:nvPr/>
+        </p:nvSpPr>
+        <p:spPr>
+          <a:xfrm>
+            <a:off x="1231638" y="1216110"/>
+            <a:ext cx="4739952" cy="923330"/>
+          </a:xfrm>
+          <a:prstGeom prst="rect">
+            <a:avLst/>
+          </a:prstGeom>
+          <a:noFill/>
+        </p:spPr>
+        <p:txBody>
+          <a:bodyPr wrap="square" rtlCol="0">
+            <a:spAutoFit/>
+          </a:bodyPr>
+          <a:lstStyle/>
+          <a:p>
+            <a:r>
+              <a:rPr lang="en-SG" dirty="0"/>
+              <a:t>A </a:t>
+            </a:r>
+            <a:r>
+              <a:rPr lang="en-SG" b="1" dirty="0">
+                <a:solidFill>
+                  <a:srgbClr val="FF0000"/>
+                </a:solidFill>
+              </a:rPr>
+              <a:t>List</a:t>
+            </a:r>
+            <a:r>
+              <a:rPr lang="en-SG" dirty="0"/>
+              <a:t> is a collection of Data</a:t>
+            </a:r>
+          </a:p>
+          <a:p>
+            <a:r>
+              <a:rPr lang="en-SG" dirty="0"/>
+              <a:t>Like this -&gt; </a:t>
+            </a:r>
+            <a:r>
+              <a:rPr lang="en-SG" dirty="0">
+                <a:solidFill>
+                  <a:srgbClr val="FF0000"/>
+                </a:solidFill>
+              </a:rPr>
+              <a:t>[</a:t>
+            </a:r>
+            <a:r>
+              <a:rPr lang="en-SG" dirty="0"/>
+              <a:t>‘</a:t>
+            </a:r>
+            <a:r>
+              <a:rPr lang="en-SG" dirty="0" err="1"/>
+              <a:t>Apple’,’Orange’,’Raspberry’,’Banana</a:t>
+            </a:r>
+            <a:r>
+              <a:rPr lang="en-SG" dirty="0"/>
+              <a:t>’</a:t>
+            </a:r>
+            <a:r>
+              <a:rPr lang="en-SG" dirty="0">
+                <a:solidFill>
+                  <a:srgbClr val="FF0000"/>
+                </a:solidFill>
+              </a:rPr>
+              <a:t>]</a:t>
+            </a:r>
+          </a:p>
+          <a:p>
+            <a:r>
+              <a:rPr lang="en-US" dirty="0"/>
+              <a:t>We can assign as variable name to it</a:t>
+            </a:r>
+          </a:p>
+        </p:txBody>
+      </p:sp>
+      <p:sp>
+        <p:nvSpPr>
+          <p:cNvPr id="17" name="TextBox 16">
+            <a:extLst>
+              <a:ext uri="{FF2B5EF4-FFF2-40B4-BE49-F238E27FC236}">
+                <a16:creationId xmlns:a16="http://schemas.microsoft.com/office/drawing/2014/main" id="{355A9D46-DF4C-0008-B2EE-0740B249F53C}"/>
+              </a:ext>
+            </a:extLst>
+          </p:cNvPr>
+          <p:cNvSpPr txBox="1"/>
+          <p:nvPr/>
+        </p:nvSpPr>
+        <p:spPr>
+          <a:xfrm>
+            <a:off x="2333982" y="2723295"/>
+            <a:ext cx="3916200" cy="369332"/>
+          </a:xfrm>
+          <a:prstGeom prst="rect">
+            <a:avLst/>
+          </a:prstGeom>
+          <a:solidFill>
+            <a:srgbClr val="FFFF00"/>
+          </a:solidFill>
+        </p:spPr>
+        <p:txBody>
+          <a:bodyPr wrap="none" rtlCol="0">
+            <a:spAutoFit/>
+          </a:bodyPr>
+          <a:lstStyle/>
+          <a:p>
+            <a:r>
+              <a:rPr lang="en-US" dirty="0"/>
+              <a:t>Index      </a:t>
+            </a:r>
+            <a:r>
+              <a:rPr lang="en-US" b="1" dirty="0">
+                <a:solidFill>
+                  <a:srgbClr val="FF0000"/>
+                </a:solidFill>
+              </a:rPr>
+              <a:t>0               1               2                3</a:t>
+            </a:r>
+            <a:endParaRPr lang="en-SG" b="1" dirty="0">
+              <a:solidFill>
+                <a:srgbClr val="FF0000"/>
+              </a:solidFill>
+            </a:endParaRPr>
+          </a:p>
+        </p:txBody>
+      </p:sp>
+    </p:spTree>
+    <p:extLst>
+      <p:ext uri="{BB962C8B-B14F-4D97-AF65-F5344CB8AC3E}">
+        <p14:creationId xmlns:p14="http://schemas.microsoft.com/office/powerpoint/2010/main" val="839066241"/>
+      </p:ext>
+    </p:extLst>
+  </p:cSld>
+  <p:clrMapOvr>
+    <a:masterClrMapping/>
+  </p:clrMapOvr>
+  <p:timing>
+    <p:tnLst>
+      <p:par>
+        <p:cTn id="1" dur="indefinite" restart="never" nodeType="tmRoot">
+          <p:childTnLst>
+            <p:seq concurrent="1" nextAc="seek">
+              <p:cTn id="2" dur="indefinite" nodeType="mainSeq">
+                <p:childTnLst>
+                  <p:par>
+                    <p:cTn id="3" fill="hold">
+                      <p:stCondLst>
+                        <p:cond delay="indefinite"/>
+                      </p:stCondLst>
+                      <p:childTnLst>
+                        <p:par>
+                          <p:cTn id="4" fill="hold">
+                            <p:stCondLst>
+                              <p:cond delay="0"/>
+                            </p:stCondLst>
+                            <p:childTnLst>
+                              <p:par>
+                                <p:cTn id="5" presetID="2" presetClass="entr" presetSubtype="4" fill="hold" grpId="0" nodeType="clickEffect">
+                                  <p:stCondLst>
+                                    <p:cond delay="0"/>
+                                  </p:stCondLst>
+                                  <p:childTnLst>
+                                    <p:set>
+                                      <p:cBhvr>
+                                        <p:cTn id="6" dur="1" fill="hold">
+                                          <p:stCondLst>
+                                            <p:cond delay="0"/>
+                                          </p:stCondLst>
+                                        </p:cTn>
+                                        <p:tgtEl>
+                                          <p:spTgt spid="13"/>
+                                        </p:tgtEl>
+                                        <p:attrNameLst>
+                                          <p:attrName>style.visibility</p:attrName>
+                                        </p:attrNameLst>
+                                      </p:cBhvr>
+                                      <p:to>
+                                        <p:strVal val="visible"/>
+                                      </p:to>
+                                    </p:set>
+                                    <p:anim calcmode="lin" valueType="num">
+                                      <p:cBhvr additive="base">
+                                        <p:cTn id="7" dur="500" fill="hold"/>
+                                        <p:tgtEl>
+                                          <p:spTgt spid="13"/>
+                                        </p:tgtEl>
+                                        <p:attrNameLst>
+                                          <p:attrName>ppt_x</p:attrName>
+                                        </p:attrNameLst>
+                                      </p:cBhvr>
+                                      <p:tavLst>
+                                        <p:tav tm="0">
+                                          <p:val>
+                                            <p:strVal val="#ppt_x"/>
+                                          </p:val>
+                                        </p:tav>
+                                        <p:tav tm="100000">
+                                          <p:val>
+                                            <p:strVal val="#ppt_x"/>
+                                          </p:val>
+                                        </p:tav>
+                                      </p:tavLst>
+                                    </p:anim>
+                                    <p:anim calcmode="lin" valueType="num">
+                                      <p:cBhvr additive="base">
+                                        <p:cTn id="8" dur="500" fill="hold"/>
+                                        <p:tgtEl>
+                                          <p:spTgt spid="13"/>
+                                        </p:tgtEl>
+                                        <p:attrNameLst>
+                                          <p:attrName>ppt_y</p:attrName>
+                                        </p:attrNameLst>
+                                      </p:cBhvr>
+                                      <p:tavLst>
+                                        <p:tav tm="0">
+                                          <p:val>
+                                            <p:strVal val="1+#ppt_h/2"/>
+                                          </p:val>
+                                        </p:tav>
+                                        <p:tav tm="100000">
+                                          <p:val>
+                                            <p:strVal val="#ppt_y"/>
+                                          </p:val>
+                                        </p:tav>
+                                      </p:tavLst>
+                                    </p:anim>
+                                  </p:childTnLst>
+                                </p:cTn>
+                              </p:par>
+                            </p:childTnLst>
+                          </p:cTn>
+                        </p:par>
+                      </p:childTnLst>
+                    </p:cTn>
+                  </p:par>
+                  <p:par>
+                    <p:cTn id="9" fill="hold">
+                      <p:stCondLst>
+                        <p:cond delay="indefinite"/>
+                      </p:stCondLst>
+                      <p:childTnLst>
+                        <p:par>
+                          <p:cTn id="10" fill="hold">
+                            <p:stCondLst>
+                              <p:cond delay="0"/>
+                            </p:stCondLst>
+                            <p:childTnLst>
+                              <p:par>
+                                <p:cTn id="11" presetID="2" presetClass="entr" presetSubtype="4" fill="hold" grpId="0" nodeType="clickEffect">
+                                  <p:stCondLst>
+                                    <p:cond delay="0"/>
+                                  </p:stCondLst>
+                                  <p:childTnLst>
+                                    <p:set>
+                                      <p:cBhvr>
+                                        <p:cTn id="12" dur="1" fill="hold">
+                                          <p:stCondLst>
+                                            <p:cond delay="0"/>
+                                          </p:stCondLst>
+                                        </p:cTn>
+                                        <p:tgtEl>
+                                          <p:spTgt spid="4"/>
+                                        </p:tgtEl>
+                                        <p:attrNameLst>
+                                          <p:attrName>style.visibility</p:attrName>
+                                        </p:attrNameLst>
+                                      </p:cBhvr>
+                                      <p:to>
+                                        <p:strVal val="visible"/>
+                                      </p:to>
+                                    </p:set>
+                                    <p:anim calcmode="lin" valueType="num">
+                                      <p:cBhvr additive="base">
+                                        <p:cTn id="13" dur="500" fill="hold"/>
+                                        <p:tgtEl>
+                                          <p:spTgt spid="4"/>
+                                        </p:tgtEl>
+                                        <p:attrNameLst>
+                                          <p:attrName>ppt_x</p:attrName>
+                                        </p:attrNameLst>
+                                      </p:cBhvr>
+                                      <p:tavLst>
+                                        <p:tav tm="0">
+                                          <p:val>
+                                            <p:strVal val="#ppt_x"/>
+                                          </p:val>
+                                        </p:tav>
+                                        <p:tav tm="100000">
+                                          <p:val>
+                                            <p:strVal val="#ppt_x"/>
+                                          </p:val>
+                                        </p:tav>
+                                      </p:tavLst>
+                                    </p:anim>
+                                    <p:anim calcmode="lin" valueType="num">
+                                      <p:cBhvr additive="base">
+                                        <p:cTn id="14" dur="500" fill="hold"/>
+                                        <p:tgtEl>
+                                          <p:spTgt spid="4"/>
+                                        </p:tgtEl>
+                                        <p:attrNameLst>
+                                          <p:attrName>ppt_y</p:attrName>
+                                        </p:attrNameLst>
+                                      </p:cBhvr>
+                                      <p:tavLst>
+                                        <p:tav tm="0">
+                                          <p:val>
+                                            <p:strVal val="1+#ppt_h/2"/>
+                                          </p:val>
+                                        </p:tav>
+                                        <p:tav tm="100000">
+                                          <p:val>
+                                            <p:strVal val="#ppt_y"/>
+                                          </p:val>
+                                        </p:tav>
+                                      </p:tavLst>
+                                    </p:anim>
+                                  </p:childTnLst>
+                                </p:cTn>
+                              </p:par>
+                            </p:childTnLst>
+                          </p:cTn>
+                        </p:par>
+                      </p:childTnLst>
+                    </p:cTn>
+                  </p:par>
+                  <p:par>
+                    <p:cTn id="15" fill="hold">
+                      <p:stCondLst>
+                        <p:cond delay="indefinite"/>
+                      </p:stCondLst>
+                      <p:childTnLst>
+                        <p:par>
+                          <p:cTn id="16" fill="hold">
+                            <p:stCondLst>
+                              <p:cond delay="0"/>
+                            </p:stCondLst>
+                            <p:childTnLst>
+                              <p:par>
+                                <p:cTn id="17" presetID="2" presetClass="entr" presetSubtype="4" fill="hold" grpId="0" nodeType="clickEffect">
+                                  <p:stCondLst>
+                                    <p:cond delay="0"/>
+                                  </p:stCondLst>
+                                  <p:childTnLst>
+                                    <p:set>
+                                      <p:cBhvr>
+                                        <p:cTn id="18" dur="1" fill="hold">
+                                          <p:stCondLst>
+                                            <p:cond delay="0"/>
+                                          </p:stCondLst>
+                                        </p:cTn>
+                                        <p:tgtEl>
+                                          <p:spTgt spid="5"/>
+                                        </p:tgtEl>
+                                        <p:attrNameLst>
+                                          <p:attrName>style.visibility</p:attrName>
+                                        </p:attrNameLst>
+                                      </p:cBhvr>
+                                      <p:to>
+                                        <p:strVal val="visible"/>
+                                      </p:to>
+                                    </p:set>
+                                    <p:anim calcmode="lin" valueType="num">
+                                      <p:cBhvr additive="base">
+                                        <p:cTn id="19" dur="500" fill="hold"/>
+                                        <p:tgtEl>
+                                          <p:spTgt spid="5"/>
+                                        </p:tgtEl>
+                                        <p:attrNameLst>
+                                          <p:attrName>ppt_x</p:attrName>
+                                        </p:attrNameLst>
+                                      </p:cBhvr>
+                                      <p:tavLst>
+                                        <p:tav tm="0">
+                                          <p:val>
+                                            <p:strVal val="#ppt_x"/>
+                                          </p:val>
+                                        </p:tav>
+                                        <p:tav tm="100000">
+                                          <p:val>
+                                            <p:strVal val="#ppt_x"/>
+                                          </p:val>
+                                        </p:tav>
+                                      </p:tavLst>
+                                    </p:anim>
+                                    <p:anim calcmode="lin" valueType="num">
+                                      <p:cBhvr additive="base">
+                                        <p:cTn id="20" dur="500" fill="hold"/>
+                                        <p:tgtEl>
+                                          <p:spTgt spid="5"/>
+                                        </p:tgtEl>
+                                        <p:attrNameLst>
+                                          <p:attrName>ppt_y</p:attrName>
+                                        </p:attrNameLst>
+                                      </p:cBhvr>
+                                      <p:tavLst>
+                                        <p:tav tm="0">
+                                          <p:val>
+                                            <p:strVal val="1+#ppt_h/2"/>
+                                          </p:val>
+                                        </p:tav>
+                                        <p:tav tm="100000">
+                                          <p:val>
+                                            <p:strVal val="#ppt_y"/>
+                                          </p:val>
+                                        </p:tav>
+                                      </p:tavLst>
+                                    </p:anim>
+                                  </p:childTnLst>
+                                </p:cTn>
+                              </p:par>
+                            </p:childTnLst>
+                          </p:cTn>
+                        </p:par>
+                      </p:childTnLst>
+                    </p:cTn>
+                  </p:par>
+                  <p:par>
+                    <p:cTn id="21" fill="hold">
+                      <p:stCondLst>
+                        <p:cond delay="indefinite"/>
+                      </p:stCondLst>
+                      <p:childTnLst>
+                        <p:par>
+                          <p:cTn id="22" fill="hold">
+                            <p:stCondLst>
+                              <p:cond delay="0"/>
+                            </p:stCondLst>
+                            <p:childTnLst>
+                              <p:par>
+                                <p:cTn id="23" presetID="2" presetClass="entr" presetSubtype="4" fill="hold" grpId="0" nodeType="clickEffect">
+                                  <p:stCondLst>
+                                    <p:cond delay="0"/>
+                                  </p:stCondLst>
+                                  <p:childTnLst>
+                                    <p:set>
+                                      <p:cBhvr>
+                                        <p:cTn id="24" dur="1" fill="hold">
+                                          <p:stCondLst>
+                                            <p:cond delay="0"/>
+                                          </p:stCondLst>
+                                        </p:cTn>
+                                        <p:tgtEl>
+                                          <p:spTgt spid="17"/>
+                                        </p:tgtEl>
+                                        <p:attrNameLst>
+                                          <p:attrName>style.visibility</p:attrName>
+                                        </p:attrNameLst>
+                                      </p:cBhvr>
+                                      <p:to>
+                                        <p:strVal val="visible"/>
+                                      </p:to>
+                                    </p:set>
+                                    <p:anim calcmode="lin" valueType="num">
+                                      <p:cBhvr additive="base">
+                                        <p:cTn id="25" dur="500" fill="hold"/>
+                                        <p:tgtEl>
+                                          <p:spTgt spid="17"/>
+                                        </p:tgtEl>
+                                        <p:attrNameLst>
+                                          <p:attrName>ppt_x</p:attrName>
+                                        </p:attrNameLst>
+                                      </p:cBhvr>
+                                      <p:tavLst>
+                                        <p:tav tm="0">
+                                          <p:val>
+                                            <p:strVal val="#ppt_x"/>
+                                          </p:val>
+                                        </p:tav>
+                                        <p:tav tm="100000">
+                                          <p:val>
+                                            <p:strVal val="#ppt_x"/>
+                                          </p:val>
+                                        </p:tav>
+                                      </p:tavLst>
+                                    </p:anim>
+                                    <p:anim calcmode="lin" valueType="num">
+                                      <p:cBhvr additive="base">
+                                        <p:cTn id="26" dur="500" fill="hold"/>
+                                        <p:tgtEl>
+                                          <p:spTgt spid="17"/>
+                                        </p:tgtEl>
+                                        <p:attrNameLst>
+                                          <p:attrName>ppt_y</p:attrName>
+                                        </p:attrNameLst>
+                                      </p:cBhvr>
+                                      <p:tavLst>
+                                        <p:tav tm="0">
+                                          <p:val>
+                                            <p:strVal val="1+#ppt_h/2"/>
+                                          </p:val>
+                                        </p:tav>
+                                        <p:tav tm="100000">
+                                          <p:val>
+                                            <p:strVal val="#ppt_y"/>
+                                          </p:val>
+                                        </p:tav>
+                                      </p:tavLst>
+                                    </p:anim>
+                                  </p:childTnLst>
+                                </p:cTn>
+                              </p:par>
+                            </p:childTnLst>
+                          </p:cTn>
+                        </p:par>
+                      </p:childTnLst>
+                    </p:cTn>
+                  </p:par>
+                  <p:par>
+                    <p:cTn id="27" fill="hold">
+                      <p:stCondLst>
+                        <p:cond delay="indefinite"/>
+                      </p:stCondLst>
+                      <p:childTnLst>
+                        <p:par>
+                          <p:cTn id="28" fill="hold">
+                            <p:stCondLst>
+                              <p:cond delay="0"/>
+                            </p:stCondLst>
+                            <p:childTnLst>
+                              <p:par>
+                                <p:cTn id="29" presetID="2" presetClass="entr" presetSubtype="4" fill="hold" grpId="0" nodeType="clickEffect">
+                                  <p:stCondLst>
+                                    <p:cond delay="0"/>
+                                  </p:stCondLst>
+                                  <p:childTnLst>
+                                    <p:set>
+                                      <p:cBhvr>
+                                        <p:cTn id="30" dur="1" fill="hold">
+                                          <p:stCondLst>
+                                            <p:cond delay="0"/>
+                                          </p:stCondLst>
+                                        </p:cTn>
+                                        <p:tgtEl>
+                                          <p:spTgt spid="6"/>
+                                        </p:tgtEl>
+                                        <p:attrNameLst>
+                                          <p:attrName>style.visibility</p:attrName>
+                                        </p:attrNameLst>
+                                      </p:cBhvr>
+                                      <p:to>
+                                        <p:strVal val="visible"/>
+                                      </p:to>
+                                    </p:set>
+                                    <p:anim calcmode="lin" valueType="num">
+                                      <p:cBhvr additive="base">
+                                        <p:cTn id="31" dur="500" fill="hold"/>
+                                        <p:tgtEl>
+                                          <p:spTgt spid="6"/>
+                                        </p:tgtEl>
+                                        <p:attrNameLst>
+                                          <p:attrName>ppt_x</p:attrName>
+                                        </p:attrNameLst>
+                                      </p:cBhvr>
+                                      <p:tavLst>
+                                        <p:tav tm="0">
+                                          <p:val>
+                                            <p:strVal val="#ppt_x"/>
+                                          </p:val>
+                                        </p:tav>
+                                        <p:tav tm="100000">
+                                          <p:val>
+                                            <p:strVal val="#ppt_x"/>
+                                          </p:val>
+                                        </p:tav>
+                                      </p:tavLst>
+                                    </p:anim>
+                                    <p:anim calcmode="lin" valueType="num">
+                                      <p:cBhvr additive="base">
+                                        <p:cTn id="32" dur="500" fill="hold"/>
+                                        <p:tgtEl>
+                                          <p:spTgt spid="6"/>
+                                        </p:tgtEl>
+                                        <p:attrNameLst>
+                                          <p:attrName>ppt_y</p:attrName>
+                                        </p:attrNameLst>
+                                      </p:cBhvr>
+                                      <p:tavLst>
+                                        <p:tav tm="0">
+                                          <p:val>
+                                            <p:strVal val="1+#ppt_h/2"/>
+                                          </p:val>
+                                        </p:tav>
+                                        <p:tav tm="100000">
+                                          <p:val>
+                                            <p:strVal val="#ppt_y"/>
+                                          </p:val>
+                                        </p:tav>
+                                      </p:tavLst>
+                                    </p:anim>
+                                  </p:childTnLst>
+                                </p:cTn>
+                              </p:par>
+                            </p:childTnLst>
+                          </p:cTn>
+                        </p:par>
+                      </p:childTnLst>
+                    </p:cTn>
+                  </p:par>
+                  <p:par>
+                    <p:cTn id="33" fill="hold">
+                      <p:stCondLst>
+                        <p:cond delay="indefinite"/>
+                      </p:stCondLst>
+                      <p:childTnLst>
+                        <p:par>
+                          <p:cTn id="34" fill="hold">
+                            <p:stCondLst>
+                              <p:cond delay="0"/>
+                            </p:stCondLst>
+                            <p:childTnLst>
+                              <p:par>
+                                <p:cTn id="35" presetID="2" presetClass="entr" presetSubtype="4" fill="hold" grpId="0" nodeType="clickEffect">
+                                  <p:stCondLst>
+                                    <p:cond delay="0"/>
+                                  </p:stCondLst>
+                                  <p:childTnLst>
+                                    <p:set>
+                                      <p:cBhvr>
+                                        <p:cTn id="36" dur="1" fill="hold">
+                                          <p:stCondLst>
+                                            <p:cond delay="0"/>
+                                          </p:stCondLst>
+                                        </p:cTn>
+                                        <p:tgtEl>
+                                          <p:spTgt spid="7"/>
+                                        </p:tgtEl>
+                                        <p:attrNameLst>
+                                          <p:attrName>style.visibility</p:attrName>
+                                        </p:attrNameLst>
+                                      </p:cBhvr>
+                                      <p:to>
+                                        <p:strVal val="visible"/>
+                                      </p:to>
+                                    </p:set>
+                                    <p:anim calcmode="lin" valueType="num">
+                                      <p:cBhvr additive="base">
+                                        <p:cTn id="37" dur="500" fill="hold"/>
+                                        <p:tgtEl>
+                                          <p:spTgt spid="7"/>
+                                        </p:tgtEl>
+                                        <p:attrNameLst>
+                                          <p:attrName>ppt_x</p:attrName>
+                                        </p:attrNameLst>
+                                      </p:cBhvr>
+                                      <p:tavLst>
+                                        <p:tav tm="0">
+                                          <p:val>
+                                            <p:strVal val="#ppt_x"/>
+                                          </p:val>
+                                        </p:tav>
+                                        <p:tav tm="100000">
+                                          <p:val>
+                                            <p:strVal val="#ppt_x"/>
+                                          </p:val>
+                                        </p:tav>
+                                      </p:tavLst>
+                                    </p:anim>
+                                    <p:anim calcmode="lin" valueType="num">
+                                      <p:cBhvr additive="base">
+                                        <p:cTn id="38" dur="500" fill="hold"/>
+                                        <p:tgtEl>
+                                          <p:spTgt spid="7"/>
+                                        </p:tgtEl>
+                                        <p:attrNameLst>
+                                          <p:attrName>ppt_y</p:attrName>
+                                        </p:attrNameLst>
+                                      </p:cBhvr>
+                                      <p:tavLst>
+                                        <p:tav tm="0">
+                                          <p:val>
+                                            <p:strVal val="1+#ppt_h/2"/>
+                                          </p:val>
+                                        </p:tav>
+                                        <p:tav tm="100000">
+                                          <p:val>
+                                            <p:strVal val="#ppt_y"/>
+                                          </p:val>
+                                        </p:tav>
+                                      </p:tavLst>
+                                    </p:anim>
+                                  </p:childTnLst>
+                                </p:cTn>
+                              </p:par>
+                            </p:childTnLst>
+                          </p:cTn>
+                        </p:par>
+                      </p:childTnLst>
+                    </p:cTn>
+                  </p:par>
+                  <p:par>
+                    <p:cTn id="39" fill="hold">
+                      <p:stCondLst>
+                        <p:cond delay="indefinite"/>
+                      </p:stCondLst>
+                      <p:childTnLst>
+                        <p:par>
+                          <p:cTn id="40" fill="hold">
+                            <p:stCondLst>
+                              <p:cond delay="0"/>
+                            </p:stCondLst>
+                            <p:childTnLst>
+                              <p:par>
+                                <p:cTn id="41" presetID="2" presetClass="entr" presetSubtype="4" fill="hold" grpId="0" nodeType="clickEffect">
+                                  <p:stCondLst>
+                                    <p:cond delay="0"/>
+                                  </p:stCondLst>
+                                  <p:childTnLst>
+                                    <p:set>
+                                      <p:cBhvr>
+                                        <p:cTn id="42" dur="1" fill="hold">
+                                          <p:stCondLst>
+                                            <p:cond delay="0"/>
+                                          </p:stCondLst>
+                                        </p:cTn>
+                                        <p:tgtEl>
+                                          <p:spTgt spid="8"/>
+                                        </p:tgtEl>
+                                        <p:attrNameLst>
+                                          <p:attrName>style.visibility</p:attrName>
+                                        </p:attrNameLst>
+                                      </p:cBhvr>
+                                      <p:to>
+                                        <p:strVal val="visible"/>
+                                      </p:to>
+                                    </p:set>
+                                    <p:anim calcmode="lin" valueType="num">
+                                      <p:cBhvr additive="base">
+                                        <p:cTn id="43" dur="500" fill="hold"/>
+                                        <p:tgtEl>
+                                          <p:spTgt spid="8"/>
+                                        </p:tgtEl>
+                                        <p:attrNameLst>
+                                          <p:attrName>ppt_x</p:attrName>
+                                        </p:attrNameLst>
+                                      </p:cBhvr>
+                                      <p:tavLst>
+                                        <p:tav tm="0">
+                                          <p:val>
+                                            <p:strVal val="#ppt_x"/>
+                                          </p:val>
+                                        </p:tav>
+                                        <p:tav tm="100000">
+                                          <p:val>
+                                            <p:strVal val="#ppt_x"/>
+                                          </p:val>
+                                        </p:tav>
+                                      </p:tavLst>
+                                    </p:anim>
+                                    <p:anim calcmode="lin" valueType="num">
+                                      <p:cBhvr additive="base">
+                                        <p:cTn id="44" dur="500" fill="hold"/>
+                                        <p:tgtEl>
+                                          <p:spTgt spid="8"/>
+                                        </p:tgtEl>
+                                        <p:attrNameLst>
+                                          <p:attrName>ppt_y</p:attrName>
+                                        </p:attrNameLst>
+                                      </p:cBhvr>
+                                      <p:tavLst>
+                                        <p:tav tm="0">
+                                          <p:val>
+                                            <p:strVal val="1+#ppt_h/2"/>
+                                          </p:val>
+                                        </p:tav>
+                                        <p:tav tm="100000">
+                                          <p:val>
+                                            <p:strVal val="#ppt_y"/>
+                                          </p:val>
+                                        </p:tav>
+                                      </p:tavLst>
+                                    </p:anim>
+                                  </p:childTnLst>
+                                </p:cTn>
+                              </p:par>
+                            </p:childTnLst>
+                          </p:cTn>
+                        </p:par>
+                      </p:childTnLst>
+                    </p:cTn>
+                  </p:par>
+                </p:childTnLst>
+              </p:cTn>
+              <p:prevCondLst>
+                <p:cond evt="onPrev" delay="0">
+                  <p:tgtEl>
+                    <p:sldTgt/>
+                  </p:tgtEl>
+                </p:cond>
+              </p:prevCondLst>
+              <p:nextCondLst>
+                <p:cond evt="onNext" delay="0">
+                  <p:tgtEl>
+                    <p:sldTgt/>
+                  </p:tgtEl>
+                </p:cond>
+              </p:nextCondLst>
+            </p:seq>
+          </p:childTnLst>
+        </p:cTn>
+      </p:par>
+    </p:tnLst>
+    <p:bldLst>
+      <p:bldP spid="4" grpId="0"/>
+      <p:bldP spid="5" grpId="0"/>
+      <p:bldP spid="6" grpId="0"/>
+      <p:bldP spid="7" grpId="0"/>
+      <p:bldP spid="8" grpId="0"/>
+      <p:bldP spid="13" grpId="0"/>
+      <p:bldP spid="17" grpId="0" animBg="1"/>
+    </p:bldLst>
+  </p:timing>
+</p:sld>
+</file>
+
+<file path=ppt/slides/slide4.xml><?xml version="1.0" encoding="utf-8"?>
+<p:sld xmlns:a="http://schemas.openxmlformats.org/drawingml/2006/main" xmlns:r="http://schemas.openxmlformats.org/officeDocument/2006/relationships" xmlns:p="http://schemas.openxmlformats.org/presentationml/2006/main">
+  <p:cSld>
+    <p:spTree>
+      <p:nvGrpSpPr>
+        <p:cNvPr id="1" name=""/>
+        <p:cNvGrpSpPr/>
+        <p:nvPr/>
+      </p:nvGrpSpPr>
+      <p:grpSpPr>
+        <a:xfrm>
+          <a:off x="0" y="0"/>
+          <a:ext cx="0" cy="0"/>
+          <a:chOff x="0" y="0"/>
+          <a:chExt cx="0" cy="0"/>
+        </a:xfrm>
+      </p:grpSpPr>
       <p:pic>
         <p:nvPicPr>
           <p:cNvPr id="3" name="Picture 2">
@@ -7536,7 +10319,7 @@
 </p:sld>
 </file>
 
-<file path=ppt/slides/slide4.xml><?xml version="1.0" encoding="utf-8"?>
+<file path=ppt/slides/slide5.xml><?xml version="1.0" encoding="utf-8"?>
 <p:sld xmlns:a="http://schemas.openxmlformats.org/drawingml/2006/main" xmlns:r="http://schemas.openxmlformats.org/officeDocument/2006/relationships" xmlns:p="http://schemas.openxmlformats.org/presentationml/2006/main">
   <p:cSld>
     <p:spTree>
@@ -8431,7 +11214,1323 @@
 </p:sld>
 </file>
 
-<file path=ppt/slides/slide5.xml><?xml version="1.0" encoding="utf-8"?>
+<file path=ppt/slides/slide6.xml><?xml version="1.0" encoding="utf-8"?>
+<p:sld xmlns:a="http://schemas.openxmlformats.org/drawingml/2006/main" xmlns:r="http://schemas.openxmlformats.org/officeDocument/2006/relationships" xmlns:p="http://schemas.openxmlformats.org/presentationml/2006/main">
+  <p:cSld>
+    <p:spTree>
+      <p:nvGrpSpPr>
+        <p:cNvPr id="1" name=""/>
+        <p:cNvGrpSpPr/>
+        <p:nvPr/>
+      </p:nvGrpSpPr>
+      <p:grpSpPr>
+        <a:xfrm>
+          <a:off x="0" y="0"/>
+          <a:ext cx="0" cy="0"/>
+          <a:chOff x="0" y="0"/>
+          <a:chExt cx="0" cy="0"/>
+        </a:xfrm>
+      </p:grpSpPr>
+      <p:sp>
+        <p:nvSpPr>
+          <p:cNvPr id="2" name="TextBox 1">
+            <a:extLst>
+              <a:ext uri="{FF2B5EF4-FFF2-40B4-BE49-F238E27FC236}">
+                <a16:creationId xmlns:a16="http://schemas.microsoft.com/office/drawing/2014/main" id="{A01891D0-88F4-680E-80C7-10A5BCFF7AAB}"/>
+              </a:ext>
+            </a:extLst>
+          </p:cNvPr>
+          <p:cNvSpPr txBox="1"/>
+          <p:nvPr/>
+        </p:nvSpPr>
+        <p:spPr>
+          <a:xfrm>
+            <a:off x="1231640" y="802433"/>
+            <a:ext cx="4739952" cy="646331"/>
+          </a:xfrm>
+          <a:prstGeom prst="rect">
+            <a:avLst/>
+          </a:prstGeom>
+          <a:noFill/>
+        </p:spPr>
+        <p:txBody>
+          <a:bodyPr wrap="square" rtlCol="0">
+            <a:spAutoFit/>
+          </a:bodyPr>
+          <a:lstStyle/>
+          <a:p>
+            <a:r>
+              <a:rPr lang="en-SG" dirty="0"/>
+              <a:t>The 7 Segment Display Accepts Data as a </a:t>
+            </a:r>
+            <a:r>
+              <a:rPr lang="en-SG" b="1" dirty="0">
+                <a:solidFill>
+                  <a:srgbClr val="FF0000"/>
+                </a:solidFill>
+              </a:rPr>
+              <a:t>List</a:t>
+            </a:r>
+          </a:p>
+          <a:p>
+            <a:endParaRPr lang="en-SG" b="1" dirty="0">
+              <a:solidFill>
+                <a:srgbClr val="FF0000"/>
+              </a:solidFill>
+            </a:endParaRPr>
+          </a:p>
+        </p:txBody>
+      </p:sp>
+      <p:grpSp>
+        <p:nvGrpSpPr>
+          <p:cNvPr id="12" name="Group 11">
+            <a:extLst>
+              <a:ext uri="{FF2B5EF4-FFF2-40B4-BE49-F238E27FC236}">
+                <a16:creationId xmlns:a16="http://schemas.microsoft.com/office/drawing/2014/main" id="{2EF12501-5E74-428A-416D-65B3DCBF02E1}"/>
+              </a:ext>
+            </a:extLst>
+          </p:cNvPr>
+          <p:cNvGrpSpPr/>
+          <p:nvPr/>
+        </p:nvGrpSpPr>
+        <p:grpSpPr>
+          <a:xfrm>
+            <a:off x="1161183" y="2972032"/>
+            <a:ext cx="6250732" cy="650693"/>
+            <a:chOff x="5638800" y="664922"/>
+            <a:chExt cx="6250732" cy="650693"/>
+          </a:xfrm>
+        </p:grpSpPr>
+        <p:sp>
+          <p:nvSpPr>
+            <p:cNvPr id="10" name="TextBox 9">
+              <a:extLst>
+                <a:ext uri="{FF2B5EF4-FFF2-40B4-BE49-F238E27FC236}">
+                  <a16:creationId xmlns:a16="http://schemas.microsoft.com/office/drawing/2014/main" id="{0B5660B7-018C-F606-BE35-01AA1B4E2AC8}"/>
+                </a:ext>
+              </a:extLst>
+            </p:cNvPr>
+            <p:cNvSpPr txBox="1"/>
+            <p:nvPr/>
+          </p:nvSpPr>
+          <p:spPr>
+            <a:xfrm>
+              <a:off x="5791978" y="794668"/>
+              <a:ext cx="6097554" cy="369332"/>
+            </a:xfrm>
+            <a:prstGeom prst="rect">
+              <a:avLst/>
+            </a:prstGeom>
+            <a:noFill/>
+          </p:spPr>
+          <p:txBody>
+            <a:bodyPr wrap="square">
+              <a:spAutoFit/>
+            </a:bodyPr>
+            <a:lstStyle/>
+            <a:p>
+              <a:r>
+                <a:rPr lang="en-US" sz="1800" dirty="0" err="1">
+                  <a:effectLst/>
+                  <a:latin typeface="Calibri" panose="020F0502020204030204" pitchFamily="34" charset="0"/>
+                  <a:ea typeface="SimSun" panose="02010600030101010101" pitchFamily="2" charset="-122"/>
+                  <a:cs typeface="Times New Roman" panose="02020603050405020304" pitchFamily="18" charset="0"/>
+                </a:rPr>
+                <a:t>display.set_values</a:t>
+              </a:r>
+              <a:r>
+                <a:rPr lang="en-US" sz="1800" dirty="0">
+                  <a:effectLst/>
+                  <a:latin typeface="Calibri" panose="020F0502020204030204" pitchFamily="34" charset="0"/>
+                  <a:ea typeface="SimSun" panose="02010600030101010101" pitchFamily="2" charset="-122"/>
+                  <a:cs typeface="Times New Roman" panose="02020603050405020304" pitchFamily="18" charset="0"/>
+                </a:rPr>
+                <a:t>([' ', ' ', '8 ', '7'])</a:t>
+              </a:r>
+              <a:endParaRPr lang="en-SG" dirty="0"/>
+            </a:p>
+          </p:txBody>
+        </p:sp>
+        <p:sp>
+          <p:nvSpPr>
+            <p:cNvPr id="11" name="Oval 10">
+              <a:extLst>
+                <a:ext uri="{FF2B5EF4-FFF2-40B4-BE49-F238E27FC236}">
+                  <a16:creationId xmlns:a16="http://schemas.microsoft.com/office/drawing/2014/main" id="{916700D3-A65D-0C8A-0604-79D55E1794E7}"/>
+                </a:ext>
+              </a:extLst>
+            </p:cNvPr>
+            <p:cNvSpPr/>
+            <p:nvPr/>
+          </p:nvSpPr>
+          <p:spPr>
+            <a:xfrm>
+              <a:off x="5638800" y="664922"/>
+              <a:ext cx="3570514" cy="650693"/>
+            </a:xfrm>
+            <a:prstGeom prst="ellipse">
+              <a:avLst/>
+            </a:prstGeom>
+            <a:noFill/>
+            <a:ln w="69850">
+              <a:solidFill>
+                <a:srgbClr val="FF0000"/>
+              </a:solidFill>
+            </a:ln>
+          </p:spPr>
+          <p:style>
+            <a:lnRef idx="2">
+              <a:schemeClr val="accent1">
+                <a:shade val="50000"/>
+              </a:schemeClr>
+            </a:lnRef>
+            <a:fillRef idx="1">
+              <a:schemeClr val="accent1"/>
+            </a:fillRef>
+            <a:effectRef idx="0">
+              <a:schemeClr val="accent1"/>
+            </a:effectRef>
+            <a:fontRef idx="minor">
+              <a:schemeClr val="lt1"/>
+            </a:fontRef>
+          </p:style>
+          <p:txBody>
+            <a:bodyPr rtlCol="0" anchor="ctr"/>
+            <a:lstStyle/>
+            <a:p>
+              <a:pPr algn="ctr"/>
+              <a:endParaRPr lang="en-SG"/>
+            </a:p>
+          </p:txBody>
+        </p:sp>
+      </p:grpSp>
+      <p:grpSp>
+        <p:nvGrpSpPr>
+          <p:cNvPr id="14" name="Group 13">
+            <a:extLst>
+              <a:ext uri="{FF2B5EF4-FFF2-40B4-BE49-F238E27FC236}">
+                <a16:creationId xmlns:a16="http://schemas.microsoft.com/office/drawing/2014/main" id="{CB29F802-9507-3993-B218-9C91DE35046F}"/>
+              </a:ext>
+            </a:extLst>
+          </p:cNvPr>
+          <p:cNvGrpSpPr/>
+          <p:nvPr/>
+        </p:nvGrpSpPr>
+        <p:grpSpPr>
+          <a:xfrm>
+            <a:off x="5146939" y="2902804"/>
+            <a:ext cx="2045967" cy="650693"/>
+            <a:chOff x="4158891" y="2807934"/>
+            <a:chExt cx="2513506" cy="765468"/>
+          </a:xfrm>
+        </p:grpSpPr>
+        <p:sp>
+          <p:nvSpPr>
+            <p:cNvPr id="15" name="Arrow: Right 14">
+              <a:extLst>
+                <a:ext uri="{FF2B5EF4-FFF2-40B4-BE49-F238E27FC236}">
+                  <a16:creationId xmlns:a16="http://schemas.microsoft.com/office/drawing/2014/main" id="{79C998C4-EA96-3B18-3422-77DB41A70565}"/>
+                </a:ext>
+              </a:extLst>
+            </p:cNvPr>
+            <p:cNvSpPr/>
+            <p:nvPr/>
+          </p:nvSpPr>
+          <p:spPr>
+            <a:xfrm>
+              <a:off x="4158891" y="3063655"/>
+              <a:ext cx="723502" cy="352668"/>
+            </a:xfrm>
+            <a:prstGeom prst="rightArrow">
+              <a:avLst/>
+            </a:prstGeom>
+            <a:solidFill>
+              <a:srgbClr val="4F81BD"/>
+            </a:solidFill>
+            <a:ln w="25400" cap="flat" cmpd="sng" algn="ctr">
+              <a:solidFill>
+                <a:srgbClr val="4F81BD">
+                  <a:shade val="50000"/>
+                </a:srgbClr>
+              </a:solidFill>
+              <a:prstDash val="solid"/>
+            </a:ln>
+            <a:effectLst/>
+          </p:spPr>
+          <p:txBody>
+            <a:bodyPr rot="0" spcFirstLastPara="0" vert="horz" wrap="square" lIns="91440" tIns="45720" rIns="91440" bIns="45720" numCol="1" spcCol="0" rtlCol="0" fromWordArt="0" anchor="ctr" anchorCtr="0" forceAA="0" compatLnSpc="1">
+              <a:prstTxWarp prst="textNoShape">
+                <a:avLst/>
+              </a:prstTxWarp>
+              <a:noAutofit/>
+            </a:bodyPr>
+            <a:lstStyle/>
+            <a:p>
+              <a:endParaRPr lang="en-US"/>
+            </a:p>
+          </p:txBody>
+        </p:sp>
+        <p:graphicFrame>
+          <p:nvGraphicFramePr>
+            <p:cNvPr id="16" name="Object 15">
+              <a:extLst>
+                <a:ext uri="{FF2B5EF4-FFF2-40B4-BE49-F238E27FC236}">
+                  <a16:creationId xmlns:a16="http://schemas.microsoft.com/office/drawing/2014/main" id="{C639781E-8E25-6834-5978-9C6EC8864F90}"/>
+                </a:ext>
+              </a:extLst>
+            </p:cNvPr>
+            <p:cNvGraphicFramePr>
+              <a:graphicFrameLocks noChangeAspect="1"/>
+            </p:cNvGraphicFramePr>
+            <p:nvPr>
+              <p:extLst>
+                <p:ext uri="{D42A27DB-BD31-4B8C-83A1-F6EECF244321}">
+                  <p14:modId xmlns:p14="http://schemas.microsoft.com/office/powerpoint/2010/main" val="4238664095"/>
+                </p:ext>
+              </p:extLst>
+            </p:nvPr>
+          </p:nvGraphicFramePr>
+          <p:xfrm>
+            <a:off x="5288212" y="2807934"/>
+            <a:ext cx="1384185" cy="765468"/>
+          </p:xfrm>
+          <a:graphic>
+            <a:graphicData uri="http://schemas.openxmlformats.org/presentationml/2006/ole">
+              <mc:AlternateContent xmlns:mc="http://schemas.openxmlformats.org/markup-compatibility/2006">
+                <mc:Choice xmlns:v="urn:schemas-microsoft-com:vml" Requires="v">
+                  <p:oleObj name="Bitmap Image" r:id="rId2" imgW="3067478" imgH="1857143" progId="Paint.Picture">
+                    <p:embed/>
+                  </p:oleObj>
+                </mc:Choice>
+                <mc:Fallback>
+                  <p:oleObj name="Bitmap Image" r:id="rId2" imgW="3067478" imgH="1857143" progId="Paint.Picture">
+                    <p:embed/>
+                    <p:pic>
+                      <p:nvPicPr>
+                        <p:cNvPr id="15" name="Object 14">
+                          <a:extLst>
+                            <a:ext uri="{FF2B5EF4-FFF2-40B4-BE49-F238E27FC236}">
+                              <a16:creationId xmlns:a16="http://schemas.microsoft.com/office/drawing/2014/main" id="{8C2F5E2B-5E1D-CA30-4380-A72A16490844}"/>
+                            </a:ext>
+                          </a:extLst>
+                        </p:cNvPr>
+                        <p:cNvPicPr>
+                          <a:picLocks noChangeAspect="1" noChangeArrowheads="1"/>
+                        </p:cNvPicPr>
+                        <p:nvPr/>
+                      </p:nvPicPr>
+                      <p:blipFill>
+                        <a:blip r:embed="rId3">
+                          <a:extLst>
+                            <a:ext uri="{28A0092B-C50C-407E-A947-70E740481C1C}">
+                              <a14:useLocalDpi xmlns:a14="http://schemas.microsoft.com/office/drawing/2010/main" val="0"/>
+                            </a:ext>
+                          </a:extLst>
+                        </a:blip>
+                        <a:srcRect/>
+                        <a:stretch>
+                          <a:fillRect/>
+                        </a:stretch>
+                      </p:blipFill>
+                      <p:spPr bwMode="auto">
+                        <a:xfrm>
+                          <a:off x="5288212" y="2807934"/>
+                          <a:ext cx="1384185" cy="765468"/>
+                        </a:xfrm>
+                        <a:prstGeom prst="rect">
+                          <a:avLst/>
+                        </a:prstGeom>
+                        <a:noFill/>
+                      </p:spPr>
+                    </p:pic>
+                  </p:oleObj>
+                </mc:Fallback>
+              </mc:AlternateContent>
+            </a:graphicData>
+          </a:graphic>
+        </p:graphicFrame>
+      </p:grpSp>
+      <p:grpSp>
+        <p:nvGrpSpPr>
+          <p:cNvPr id="22" name="Group 21">
+            <a:extLst>
+              <a:ext uri="{FF2B5EF4-FFF2-40B4-BE49-F238E27FC236}">
+                <a16:creationId xmlns:a16="http://schemas.microsoft.com/office/drawing/2014/main" id="{4F98BDF0-2B2F-B695-A154-55DD0C12E440}"/>
+              </a:ext>
+            </a:extLst>
+          </p:cNvPr>
+          <p:cNvGrpSpPr/>
+          <p:nvPr/>
+        </p:nvGrpSpPr>
+        <p:grpSpPr>
+          <a:xfrm>
+            <a:off x="6307835" y="2766635"/>
+            <a:ext cx="820833" cy="923029"/>
+            <a:chOff x="6594878" y="1736194"/>
+            <a:chExt cx="820833" cy="923029"/>
+          </a:xfrm>
+        </p:grpSpPr>
+        <p:sp>
+          <p:nvSpPr>
+            <p:cNvPr id="9" name="Rectangle 8">
+              <a:extLst>
+                <a:ext uri="{FF2B5EF4-FFF2-40B4-BE49-F238E27FC236}">
+                  <a16:creationId xmlns:a16="http://schemas.microsoft.com/office/drawing/2014/main" id="{FEE6AC94-F5DA-A40E-FFC3-422B7B2A3BF8}"/>
+                </a:ext>
+              </a:extLst>
+            </p:cNvPr>
+            <p:cNvSpPr/>
+            <p:nvPr/>
+          </p:nvSpPr>
+          <p:spPr>
+            <a:xfrm>
+              <a:off x="7222126" y="1740140"/>
+              <a:ext cx="193585" cy="919083"/>
+            </a:xfrm>
+            <a:prstGeom prst="rect">
+              <a:avLst/>
+            </a:prstGeom>
+            <a:noFill/>
+            <a:ln w="28575">
+              <a:solidFill>
+                <a:srgbClr val="FF0000"/>
+              </a:solidFill>
+            </a:ln>
+          </p:spPr>
+          <p:style>
+            <a:lnRef idx="2">
+              <a:schemeClr val="accent1">
+                <a:shade val="50000"/>
+              </a:schemeClr>
+            </a:lnRef>
+            <a:fillRef idx="1">
+              <a:schemeClr val="accent1"/>
+            </a:fillRef>
+            <a:effectRef idx="0">
+              <a:schemeClr val="accent1"/>
+            </a:effectRef>
+            <a:fontRef idx="minor">
+              <a:schemeClr val="lt1"/>
+            </a:fontRef>
+          </p:style>
+          <p:txBody>
+            <a:bodyPr rtlCol="0" anchor="ctr"/>
+            <a:lstStyle/>
+            <a:p>
+              <a:pPr algn="ctr"/>
+              <a:endParaRPr lang="en-SG"/>
+            </a:p>
+          </p:txBody>
+        </p:sp>
+        <p:sp>
+          <p:nvSpPr>
+            <p:cNvPr id="19" name="Rectangle 18">
+              <a:extLst>
+                <a:ext uri="{FF2B5EF4-FFF2-40B4-BE49-F238E27FC236}">
+                  <a16:creationId xmlns:a16="http://schemas.microsoft.com/office/drawing/2014/main" id="{6EF6F991-F319-18E1-C532-0E82CE5AD2B1}"/>
+                </a:ext>
+              </a:extLst>
+            </p:cNvPr>
+            <p:cNvSpPr/>
+            <p:nvPr/>
+          </p:nvSpPr>
+          <p:spPr>
+            <a:xfrm>
+              <a:off x="6999320" y="1739303"/>
+              <a:ext cx="193586" cy="919083"/>
+            </a:xfrm>
+            <a:prstGeom prst="rect">
+              <a:avLst/>
+            </a:prstGeom>
+            <a:noFill/>
+            <a:ln w="28575">
+              <a:solidFill>
+                <a:srgbClr val="FF0000"/>
+              </a:solidFill>
+            </a:ln>
+          </p:spPr>
+          <p:style>
+            <a:lnRef idx="2">
+              <a:schemeClr val="accent1">
+                <a:shade val="50000"/>
+              </a:schemeClr>
+            </a:lnRef>
+            <a:fillRef idx="1">
+              <a:schemeClr val="accent1"/>
+            </a:fillRef>
+            <a:effectRef idx="0">
+              <a:schemeClr val="accent1"/>
+            </a:effectRef>
+            <a:fontRef idx="minor">
+              <a:schemeClr val="lt1"/>
+            </a:fontRef>
+          </p:style>
+          <p:txBody>
+            <a:bodyPr rtlCol="0" anchor="ctr"/>
+            <a:lstStyle/>
+            <a:p>
+              <a:pPr algn="ctr"/>
+              <a:endParaRPr lang="en-SG"/>
+            </a:p>
+          </p:txBody>
+        </p:sp>
+        <p:sp>
+          <p:nvSpPr>
+            <p:cNvPr id="20" name="Rectangle 19">
+              <a:extLst>
+                <a:ext uri="{FF2B5EF4-FFF2-40B4-BE49-F238E27FC236}">
+                  <a16:creationId xmlns:a16="http://schemas.microsoft.com/office/drawing/2014/main" id="{3D3CF381-D28F-FD08-C34C-345FC293F40D}"/>
+                </a:ext>
+              </a:extLst>
+            </p:cNvPr>
+            <p:cNvSpPr/>
+            <p:nvPr/>
+          </p:nvSpPr>
+          <p:spPr>
+            <a:xfrm>
+              <a:off x="6794646" y="1736194"/>
+              <a:ext cx="194959" cy="919083"/>
+            </a:xfrm>
+            <a:prstGeom prst="rect">
+              <a:avLst/>
+            </a:prstGeom>
+            <a:noFill/>
+            <a:ln w="28575">
+              <a:solidFill>
+                <a:schemeClr val="accent1"/>
+              </a:solidFill>
+            </a:ln>
+          </p:spPr>
+          <p:style>
+            <a:lnRef idx="2">
+              <a:schemeClr val="accent1">
+                <a:shade val="50000"/>
+              </a:schemeClr>
+            </a:lnRef>
+            <a:fillRef idx="1">
+              <a:schemeClr val="accent1"/>
+            </a:fillRef>
+            <a:effectRef idx="0">
+              <a:schemeClr val="accent1"/>
+            </a:effectRef>
+            <a:fontRef idx="minor">
+              <a:schemeClr val="lt1"/>
+            </a:fontRef>
+          </p:style>
+          <p:txBody>
+            <a:bodyPr rtlCol="0" anchor="ctr"/>
+            <a:lstStyle/>
+            <a:p>
+              <a:pPr algn="ctr"/>
+              <a:endParaRPr lang="en-SG"/>
+            </a:p>
+          </p:txBody>
+        </p:sp>
+        <p:sp>
+          <p:nvSpPr>
+            <p:cNvPr id="21" name="Rectangle 20">
+              <a:extLst>
+                <a:ext uri="{FF2B5EF4-FFF2-40B4-BE49-F238E27FC236}">
+                  <a16:creationId xmlns:a16="http://schemas.microsoft.com/office/drawing/2014/main" id="{4B134B74-18E4-416B-DED7-FDB5D9A372E0}"/>
+                </a:ext>
+              </a:extLst>
+            </p:cNvPr>
+            <p:cNvSpPr/>
+            <p:nvPr/>
+          </p:nvSpPr>
+          <p:spPr>
+            <a:xfrm>
+              <a:off x="6594878" y="1736195"/>
+              <a:ext cx="193586" cy="919083"/>
+            </a:xfrm>
+            <a:prstGeom prst="rect">
+              <a:avLst/>
+            </a:prstGeom>
+            <a:noFill/>
+            <a:ln w="28575">
+              <a:solidFill>
+                <a:schemeClr val="accent1"/>
+              </a:solidFill>
+            </a:ln>
+          </p:spPr>
+          <p:style>
+            <a:lnRef idx="2">
+              <a:schemeClr val="accent1">
+                <a:shade val="50000"/>
+              </a:schemeClr>
+            </a:lnRef>
+            <a:fillRef idx="1">
+              <a:schemeClr val="accent1"/>
+            </a:fillRef>
+            <a:effectRef idx="0">
+              <a:schemeClr val="accent1"/>
+            </a:effectRef>
+            <a:fontRef idx="minor">
+              <a:schemeClr val="lt1"/>
+            </a:fontRef>
+          </p:style>
+          <p:txBody>
+            <a:bodyPr rtlCol="0" anchor="ctr"/>
+            <a:lstStyle/>
+            <a:p>
+              <a:pPr algn="ctr"/>
+              <a:endParaRPr lang="en-SG"/>
+            </a:p>
+          </p:txBody>
+        </p:sp>
+      </p:grpSp>
+      <p:grpSp>
+        <p:nvGrpSpPr>
+          <p:cNvPr id="5" name="Group 4">
+            <a:extLst>
+              <a:ext uri="{FF2B5EF4-FFF2-40B4-BE49-F238E27FC236}">
+                <a16:creationId xmlns:a16="http://schemas.microsoft.com/office/drawing/2014/main" id="{2FBFAFE6-5C33-8C95-8D74-2DED65DB2BC5}"/>
+              </a:ext>
+            </a:extLst>
+          </p:cNvPr>
+          <p:cNvGrpSpPr/>
+          <p:nvPr/>
+        </p:nvGrpSpPr>
+        <p:grpSpPr>
+          <a:xfrm>
+            <a:off x="1224218" y="1506527"/>
+            <a:ext cx="5589040" cy="738664"/>
+            <a:chOff x="1224218" y="1506527"/>
+            <a:chExt cx="5589040" cy="738664"/>
+          </a:xfrm>
+        </p:grpSpPr>
+        <p:sp>
+          <p:nvSpPr>
+            <p:cNvPr id="3" name="TextBox 2">
+              <a:extLst>
+                <a:ext uri="{FF2B5EF4-FFF2-40B4-BE49-F238E27FC236}">
+                  <a16:creationId xmlns:a16="http://schemas.microsoft.com/office/drawing/2014/main" id="{2F185D68-BFF3-9A28-7E17-7AADCD29EC00}"/>
+                </a:ext>
+              </a:extLst>
+            </p:cNvPr>
+            <p:cNvSpPr txBox="1"/>
+            <p:nvPr/>
+          </p:nvSpPr>
+          <p:spPr>
+            <a:xfrm>
+              <a:off x="1224218" y="1506527"/>
+              <a:ext cx="5589040" cy="369332"/>
+            </a:xfrm>
+            <a:prstGeom prst="rect">
+              <a:avLst/>
+            </a:prstGeom>
+            <a:noFill/>
+          </p:spPr>
+          <p:txBody>
+            <a:bodyPr wrap="square" rtlCol="0">
+              <a:spAutoFit/>
+            </a:bodyPr>
+            <a:lstStyle/>
+            <a:p>
+              <a:r>
+                <a:rPr lang="en-SG" b="1" dirty="0">
+                  <a:solidFill>
+                    <a:srgbClr val="FF0000"/>
+                  </a:solidFill>
+                </a:rPr>
+                <a:t>&gt;&gt;&gt;</a:t>
+              </a:r>
+              <a:r>
+                <a:rPr lang="en-SG" dirty="0">
+                  <a:solidFill>
+                    <a:srgbClr val="0070C0"/>
+                  </a:solidFill>
+                </a:rPr>
+                <a:t> </a:t>
+              </a:r>
+              <a:r>
+                <a:rPr lang="en-SG" dirty="0" err="1">
+                  <a:solidFill>
+                    <a:srgbClr val="0070C0"/>
+                  </a:solidFill>
+                </a:rPr>
+                <a:t>FruitBasket</a:t>
+              </a:r>
+              <a:r>
+                <a:rPr lang="en-SG" dirty="0"/>
+                <a:t>= </a:t>
+              </a:r>
+              <a:r>
+                <a:rPr lang="en-SG" dirty="0">
+                  <a:solidFill>
+                    <a:srgbClr val="FF0000"/>
+                  </a:solidFill>
+                </a:rPr>
+                <a:t>[</a:t>
+              </a:r>
+              <a:r>
+                <a:rPr lang="en-SG" dirty="0"/>
+                <a:t>‘</a:t>
+              </a:r>
+              <a:r>
+                <a:rPr lang="en-SG" dirty="0" err="1"/>
+                <a:t>Apple’,’Orange’,’Raspberry’,’Banana</a:t>
+              </a:r>
+              <a:r>
+                <a:rPr lang="en-SG" dirty="0"/>
+                <a:t>’</a:t>
+              </a:r>
+              <a:r>
+                <a:rPr lang="en-SG" dirty="0">
+                  <a:solidFill>
+                    <a:srgbClr val="FF0000"/>
+                  </a:solidFill>
+                </a:rPr>
+                <a:t>]</a:t>
+              </a:r>
+            </a:p>
+          </p:txBody>
+        </p:sp>
+        <p:sp>
+          <p:nvSpPr>
+            <p:cNvPr id="4" name="TextBox 3">
+              <a:extLst>
+                <a:ext uri="{FF2B5EF4-FFF2-40B4-BE49-F238E27FC236}">
+                  <a16:creationId xmlns:a16="http://schemas.microsoft.com/office/drawing/2014/main" id="{0C598D1D-14A9-9F51-2C4E-AAD1EE69C1E6}"/>
+                </a:ext>
+              </a:extLst>
+            </p:cNvPr>
+            <p:cNvSpPr txBox="1"/>
+            <p:nvPr/>
+          </p:nvSpPr>
+          <p:spPr>
+            <a:xfrm>
+              <a:off x="2328449" y="1875859"/>
+              <a:ext cx="3916200" cy="369332"/>
+            </a:xfrm>
+            <a:prstGeom prst="rect">
+              <a:avLst/>
+            </a:prstGeom>
+            <a:solidFill>
+              <a:srgbClr val="FFFF00"/>
+            </a:solidFill>
+          </p:spPr>
+          <p:txBody>
+            <a:bodyPr wrap="none" rtlCol="0">
+              <a:spAutoFit/>
+            </a:bodyPr>
+            <a:lstStyle/>
+            <a:p>
+              <a:r>
+                <a:rPr lang="en-US" dirty="0"/>
+                <a:t>Index      </a:t>
+              </a:r>
+              <a:r>
+                <a:rPr lang="en-US" b="1" dirty="0">
+                  <a:solidFill>
+                    <a:srgbClr val="FF0000"/>
+                  </a:solidFill>
+                </a:rPr>
+                <a:t>0               1               2                3</a:t>
+              </a:r>
+              <a:endParaRPr lang="en-SG" b="1" dirty="0">
+                <a:solidFill>
+                  <a:srgbClr val="FF0000"/>
+                </a:solidFill>
+              </a:endParaRPr>
+            </a:p>
+          </p:txBody>
+        </p:sp>
+      </p:grpSp>
+      <p:grpSp>
+        <p:nvGrpSpPr>
+          <p:cNvPr id="7" name="Group 6">
+            <a:extLst>
+              <a:ext uri="{FF2B5EF4-FFF2-40B4-BE49-F238E27FC236}">
+                <a16:creationId xmlns:a16="http://schemas.microsoft.com/office/drawing/2014/main" id="{50D2C8AA-6D96-A195-434F-14018F748BD4}"/>
+              </a:ext>
+            </a:extLst>
+          </p:cNvPr>
+          <p:cNvGrpSpPr/>
+          <p:nvPr/>
+        </p:nvGrpSpPr>
+        <p:grpSpPr>
+          <a:xfrm>
+            <a:off x="3154705" y="3547336"/>
+            <a:ext cx="4042640" cy="511660"/>
+            <a:chOff x="3154705" y="3547336"/>
+            <a:chExt cx="4042640" cy="511660"/>
+          </a:xfrm>
+        </p:grpSpPr>
+        <p:sp>
+          <p:nvSpPr>
+            <p:cNvPr id="23" name="TextBox 22">
+              <a:extLst>
+                <a:ext uri="{FF2B5EF4-FFF2-40B4-BE49-F238E27FC236}">
+                  <a16:creationId xmlns:a16="http://schemas.microsoft.com/office/drawing/2014/main" id="{4D2B4FB3-BBBA-2B2E-D865-EC78ED2BDE13}"/>
+                </a:ext>
+              </a:extLst>
+            </p:cNvPr>
+            <p:cNvSpPr txBox="1"/>
+            <p:nvPr/>
+          </p:nvSpPr>
+          <p:spPr>
+            <a:xfrm>
+              <a:off x="6227208" y="3689664"/>
+              <a:ext cx="970137" cy="369332"/>
+            </a:xfrm>
+            <a:prstGeom prst="rect">
+              <a:avLst/>
+            </a:prstGeom>
+            <a:noFill/>
+          </p:spPr>
+          <p:txBody>
+            <a:bodyPr wrap="none" rtlCol="0">
+              <a:spAutoFit/>
+            </a:bodyPr>
+            <a:lstStyle/>
+            <a:p>
+              <a:r>
+                <a:rPr lang="en-US" dirty="0"/>
+                <a:t>0  1  2  3</a:t>
+              </a:r>
+              <a:endParaRPr lang="en-SG" dirty="0"/>
+            </a:p>
+          </p:txBody>
+        </p:sp>
+        <p:sp>
+          <p:nvSpPr>
+            <p:cNvPr id="6" name="TextBox 5">
+              <a:extLst>
+                <a:ext uri="{FF2B5EF4-FFF2-40B4-BE49-F238E27FC236}">
+                  <a16:creationId xmlns:a16="http://schemas.microsoft.com/office/drawing/2014/main" id="{524A3AA0-6B10-D2BE-7AE8-CA866CF1C427}"/>
+                </a:ext>
+              </a:extLst>
+            </p:cNvPr>
+            <p:cNvSpPr txBox="1"/>
+            <p:nvPr/>
+          </p:nvSpPr>
+          <p:spPr>
+            <a:xfrm>
+              <a:off x="3154705" y="3547336"/>
+              <a:ext cx="1234633" cy="369332"/>
+            </a:xfrm>
+            <a:prstGeom prst="rect">
+              <a:avLst/>
+            </a:prstGeom>
+            <a:solidFill>
+              <a:srgbClr val="FFC000"/>
+            </a:solidFill>
+          </p:spPr>
+          <p:txBody>
+            <a:bodyPr wrap="none" rtlCol="0">
+              <a:spAutoFit/>
+            </a:bodyPr>
+            <a:lstStyle/>
+            <a:p>
+              <a:r>
+                <a:rPr lang="en-US" dirty="0"/>
+                <a:t>0   1    2    3</a:t>
+              </a:r>
+              <a:endParaRPr lang="en-SG" dirty="0"/>
+            </a:p>
+          </p:txBody>
+        </p:sp>
+      </p:grpSp>
+    </p:spTree>
+    <p:extLst>
+      <p:ext uri="{BB962C8B-B14F-4D97-AF65-F5344CB8AC3E}">
+        <p14:creationId xmlns:p14="http://schemas.microsoft.com/office/powerpoint/2010/main" val="1557828940"/>
+      </p:ext>
+    </p:extLst>
+  </p:cSld>
+  <p:clrMapOvr>
+    <a:masterClrMapping/>
+  </p:clrMapOvr>
+  <p:timing>
+    <p:tnLst>
+      <p:par>
+        <p:cTn id="1" dur="indefinite" restart="never" nodeType="tmRoot">
+          <p:childTnLst>
+            <p:seq concurrent="1" nextAc="seek">
+              <p:cTn id="2" dur="indefinite" nodeType="mainSeq">
+                <p:childTnLst>
+                  <p:par>
+                    <p:cTn id="3" fill="hold">
+                      <p:stCondLst>
+                        <p:cond delay="indefinite"/>
+                      </p:stCondLst>
+                      <p:childTnLst>
+                        <p:par>
+                          <p:cTn id="4" fill="hold">
+                            <p:stCondLst>
+                              <p:cond delay="0"/>
+                            </p:stCondLst>
+                            <p:childTnLst>
+                              <p:par>
+                                <p:cTn id="5" presetID="2" presetClass="entr" presetSubtype="4" fill="hold" nodeType="clickEffect">
+                                  <p:stCondLst>
+                                    <p:cond delay="0"/>
+                                  </p:stCondLst>
+                                  <p:childTnLst>
+                                    <p:set>
+                                      <p:cBhvr>
+                                        <p:cTn id="6" dur="1" fill="hold">
+                                          <p:stCondLst>
+                                            <p:cond delay="0"/>
+                                          </p:stCondLst>
+                                        </p:cTn>
+                                        <p:tgtEl>
+                                          <p:spTgt spid="5"/>
+                                        </p:tgtEl>
+                                        <p:attrNameLst>
+                                          <p:attrName>style.visibility</p:attrName>
+                                        </p:attrNameLst>
+                                      </p:cBhvr>
+                                      <p:to>
+                                        <p:strVal val="visible"/>
+                                      </p:to>
+                                    </p:set>
+                                    <p:anim calcmode="lin" valueType="num">
+                                      <p:cBhvr additive="base">
+                                        <p:cTn id="7" dur="500" fill="hold"/>
+                                        <p:tgtEl>
+                                          <p:spTgt spid="5"/>
+                                        </p:tgtEl>
+                                        <p:attrNameLst>
+                                          <p:attrName>ppt_x</p:attrName>
+                                        </p:attrNameLst>
+                                      </p:cBhvr>
+                                      <p:tavLst>
+                                        <p:tav tm="0">
+                                          <p:val>
+                                            <p:strVal val="#ppt_x"/>
+                                          </p:val>
+                                        </p:tav>
+                                        <p:tav tm="100000">
+                                          <p:val>
+                                            <p:strVal val="#ppt_x"/>
+                                          </p:val>
+                                        </p:tav>
+                                      </p:tavLst>
+                                    </p:anim>
+                                    <p:anim calcmode="lin" valueType="num">
+                                      <p:cBhvr additive="base">
+                                        <p:cTn id="8" dur="500" fill="hold"/>
+                                        <p:tgtEl>
+                                          <p:spTgt spid="5"/>
+                                        </p:tgtEl>
+                                        <p:attrNameLst>
+                                          <p:attrName>ppt_y</p:attrName>
+                                        </p:attrNameLst>
+                                      </p:cBhvr>
+                                      <p:tavLst>
+                                        <p:tav tm="0">
+                                          <p:val>
+                                            <p:strVal val="1+#ppt_h/2"/>
+                                          </p:val>
+                                        </p:tav>
+                                        <p:tav tm="100000">
+                                          <p:val>
+                                            <p:strVal val="#ppt_y"/>
+                                          </p:val>
+                                        </p:tav>
+                                      </p:tavLst>
+                                    </p:anim>
+                                  </p:childTnLst>
+                                </p:cTn>
+                              </p:par>
+                            </p:childTnLst>
+                          </p:cTn>
+                        </p:par>
+                      </p:childTnLst>
+                    </p:cTn>
+                  </p:par>
+                  <p:par>
+                    <p:cTn id="9" fill="hold">
+                      <p:stCondLst>
+                        <p:cond delay="indefinite"/>
+                      </p:stCondLst>
+                      <p:childTnLst>
+                        <p:par>
+                          <p:cTn id="10" fill="hold">
+                            <p:stCondLst>
+                              <p:cond delay="0"/>
+                            </p:stCondLst>
+                            <p:childTnLst>
+                              <p:par>
+                                <p:cTn id="11" presetID="2" presetClass="entr" presetSubtype="4" fill="hold" nodeType="clickEffect">
+                                  <p:stCondLst>
+                                    <p:cond delay="0"/>
+                                  </p:stCondLst>
+                                  <p:childTnLst>
+                                    <p:set>
+                                      <p:cBhvr>
+                                        <p:cTn id="12" dur="1" fill="hold">
+                                          <p:stCondLst>
+                                            <p:cond delay="0"/>
+                                          </p:stCondLst>
+                                        </p:cTn>
+                                        <p:tgtEl>
+                                          <p:spTgt spid="12"/>
+                                        </p:tgtEl>
+                                        <p:attrNameLst>
+                                          <p:attrName>style.visibility</p:attrName>
+                                        </p:attrNameLst>
+                                      </p:cBhvr>
+                                      <p:to>
+                                        <p:strVal val="visible"/>
+                                      </p:to>
+                                    </p:set>
+                                    <p:anim calcmode="lin" valueType="num">
+                                      <p:cBhvr additive="base">
+                                        <p:cTn id="13" dur="500" fill="hold"/>
+                                        <p:tgtEl>
+                                          <p:spTgt spid="12"/>
+                                        </p:tgtEl>
+                                        <p:attrNameLst>
+                                          <p:attrName>ppt_x</p:attrName>
+                                        </p:attrNameLst>
+                                      </p:cBhvr>
+                                      <p:tavLst>
+                                        <p:tav tm="0">
+                                          <p:val>
+                                            <p:strVal val="#ppt_x"/>
+                                          </p:val>
+                                        </p:tav>
+                                        <p:tav tm="100000">
+                                          <p:val>
+                                            <p:strVal val="#ppt_x"/>
+                                          </p:val>
+                                        </p:tav>
+                                      </p:tavLst>
+                                    </p:anim>
+                                    <p:anim calcmode="lin" valueType="num">
+                                      <p:cBhvr additive="base">
+                                        <p:cTn id="14" dur="500" fill="hold"/>
+                                        <p:tgtEl>
+                                          <p:spTgt spid="12"/>
+                                        </p:tgtEl>
+                                        <p:attrNameLst>
+                                          <p:attrName>ppt_y</p:attrName>
+                                        </p:attrNameLst>
+                                      </p:cBhvr>
+                                      <p:tavLst>
+                                        <p:tav tm="0">
+                                          <p:val>
+                                            <p:strVal val="1+#ppt_h/2"/>
+                                          </p:val>
+                                        </p:tav>
+                                        <p:tav tm="100000">
+                                          <p:val>
+                                            <p:strVal val="#ppt_y"/>
+                                          </p:val>
+                                        </p:tav>
+                                      </p:tavLst>
+                                    </p:anim>
+                                  </p:childTnLst>
+                                </p:cTn>
+                              </p:par>
+                            </p:childTnLst>
+                          </p:cTn>
+                        </p:par>
+                      </p:childTnLst>
+                    </p:cTn>
+                  </p:par>
+                  <p:par>
+                    <p:cTn id="15" fill="hold">
+                      <p:stCondLst>
+                        <p:cond delay="indefinite"/>
+                      </p:stCondLst>
+                      <p:childTnLst>
+                        <p:par>
+                          <p:cTn id="16" fill="hold">
+                            <p:stCondLst>
+                              <p:cond delay="0"/>
+                            </p:stCondLst>
+                            <p:childTnLst>
+                              <p:par>
+                                <p:cTn id="17" presetID="2" presetClass="entr" presetSubtype="4" fill="hold" nodeType="clickEffect">
+                                  <p:stCondLst>
+                                    <p:cond delay="0"/>
+                                  </p:stCondLst>
+                                  <p:childTnLst>
+                                    <p:set>
+                                      <p:cBhvr>
+                                        <p:cTn id="18" dur="1" fill="hold">
+                                          <p:stCondLst>
+                                            <p:cond delay="0"/>
+                                          </p:stCondLst>
+                                        </p:cTn>
+                                        <p:tgtEl>
+                                          <p:spTgt spid="14"/>
+                                        </p:tgtEl>
+                                        <p:attrNameLst>
+                                          <p:attrName>style.visibility</p:attrName>
+                                        </p:attrNameLst>
+                                      </p:cBhvr>
+                                      <p:to>
+                                        <p:strVal val="visible"/>
+                                      </p:to>
+                                    </p:set>
+                                    <p:anim calcmode="lin" valueType="num">
+                                      <p:cBhvr additive="base">
+                                        <p:cTn id="19" dur="500" fill="hold"/>
+                                        <p:tgtEl>
+                                          <p:spTgt spid="14"/>
+                                        </p:tgtEl>
+                                        <p:attrNameLst>
+                                          <p:attrName>ppt_x</p:attrName>
+                                        </p:attrNameLst>
+                                      </p:cBhvr>
+                                      <p:tavLst>
+                                        <p:tav tm="0">
+                                          <p:val>
+                                            <p:strVal val="#ppt_x"/>
+                                          </p:val>
+                                        </p:tav>
+                                        <p:tav tm="100000">
+                                          <p:val>
+                                            <p:strVal val="#ppt_x"/>
+                                          </p:val>
+                                        </p:tav>
+                                      </p:tavLst>
+                                    </p:anim>
+                                    <p:anim calcmode="lin" valueType="num">
+                                      <p:cBhvr additive="base">
+                                        <p:cTn id="20" dur="500" fill="hold"/>
+                                        <p:tgtEl>
+                                          <p:spTgt spid="14"/>
+                                        </p:tgtEl>
+                                        <p:attrNameLst>
+                                          <p:attrName>ppt_y</p:attrName>
+                                        </p:attrNameLst>
+                                      </p:cBhvr>
+                                      <p:tavLst>
+                                        <p:tav tm="0">
+                                          <p:val>
+                                            <p:strVal val="1+#ppt_h/2"/>
+                                          </p:val>
+                                        </p:tav>
+                                        <p:tav tm="100000">
+                                          <p:val>
+                                            <p:strVal val="#ppt_y"/>
+                                          </p:val>
+                                        </p:tav>
+                                      </p:tavLst>
+                                    </p:anim>
+                                  </p:childTnLst>
+                                </p:cTn>
+                              </p:par>
+                            </p:childTnLst>
+                          </p:cTn>
+                        </p:par>
+                      </p:childTnLst>
+                    </p:cTn>
+                  </p:par>
+                  <p:par>
+                    <p:cTn id="21" fill="hold">
+                      <p:stCondLst>
+                        <p:cond delay="indefinite"/>
+                      </p:stCondLst>
+                      <p:childTnLst>
+                        <p:par>
+                          <p:cTn id="22" fill="hold">
+                            <p:stCondLst>
+                              <p:cond delay="0"/>
+                            </p:stCondLst>
+                            <p:childTnLst>
+                              <p:par>
+                                <p:cTn id="23" presetID="2" presetClass="entr" presetSubtype="4" fill="hold" nodeType="clickEffect">
+                                  <p:stCondLst>
+                                    <p:cond delay="0"/>
+                                  </p:stCondLst>
+                                  <p:childTnLst>
+                                    <p:set>
+                                      <p:cBhvr>
+                                        <p:cTn id="24" dur="1" fill="hold">
+                                          <p:stCondLst>
+                                            <p:cond delay="0"/>
+                                          </p:stCondLst>
+                                        </p:cTn>
+                                        <p:tgtEl>
+                                          <p:spTgt spid="22"/>
+                                        </p:tgtEl>
+                                        <p:attrNameLst>
+                                          <p:attrName>style.visibility</p:attrName>
+                                        </p:attrNameLst>
+                                      </p:cBhvr>
+                                      <p:to>
+                                        <p:strVal val="visible"/>
+                                      </p:to>
+                                    </p:set>
+                                    <p:anim calcmode="lin" valueType="num">
+                                      <p:cBhvr additive="base">
+                                        <p:cTn id="25" dur="500" fill="hold"/>
+                                        <p:tgtEl>
+                                          <p:spTgt spid="22"/>
+                                        </p:tgtEl>
+                                        <p:attrNameLst>
+                                          <p:attrName>ppt_x</p:attrName>
+                                        </p:attrNameLst>
+                                      </p:cBhvr>
+                                      <p:tavLst>
+                                        <p:tav tm="0">
+                                          <p:val>
+                                            <p:strVal val="#ppt_x"/>
+                                          </p:val>
+                                        </p:tav>
+                                        <p:tav tm="100000">
+                                          <p:val>
+                                            <p:strVal val="#ppt_x"/>
+                                          </p:val>
+                                        </p:tav>
+                                      </p:tavLst>
+                                    </p:anim>
+                                    <p:anim calcmode="lin" valueType="num">
+                                      <p:cBhvr additive="base">
+                                        <p:cTn id="26" dur="500" fill="hold"/>
+                                        <p:tgtEl>
+                                          <p:spTgt spid="22"/>
+                                        </p:tgtEl>
+                                        <p:attrNameLst>
+                                          <p:attrName>ppt_y</p:attrName>
+                                        </p:attrNameLst>
+                                      </p:cBhvr>
+                                      <p:tavLst>
+                                        <p:tav tm="0">
+                                          <p:val>
+                                            <p:strVal val="1+#ppt_h/2"/>
+                                          </p:val>
+                                        </p:tav>
+                                        <p:tav tm="100000">
+                                          <p:val>
+                                            <p:strVal val="#ppt_y"/>
+                                          </p:val>
+                                        </p:tav>
+                                      </p:tavLst>
+                                    </p:anim>
+                                  </p:childTnLst>
+                                </p:cTn>
+                              </p:par>
+                            </p:childTnLst>
+                          </p:cTn>
+                        </p:par>
+                      </p:childTnLst>
+                    </p:cTn>
+                  </p:par>
+                  <p:par>
+                    <p:cTn id="27" fill="hold">
+                      <p:stCondLst>
+                        <p:cond delay="indefinite"/>
+                      </p:stCondLst>
+                      <p:childTnLst>
+                        <p:par>
+                          <p:cTn id="28" fill="hold">
+                            <p:stCondLst>
+                              <p:cond delay="0"/>
+                            </p:stCondLst>
+                            <p:childTnLst>
+                              <p:par>
+                                <p:cTn id="29" presetID="2" presetClass="entr" presetSubtype="4" fill="hold" nodeType="clickEffect">
+                                  <p:stCondLst>
+                                    <p:cond delay="0"/>
+                                  </p:stCondLst>
+                                  <p:childTnLst>
+                                    <p:set>
+                                      <p:cBhvr>
+                                        <p:cTn id="30" dur="1" fill="hold">
+                                          <p:stCondLst>
+                                            <p:cond delay="0"/>
+                                          </p:stCondLst>
+                                        </p:cTn>
+                                        <p:tgtEl>
+                                          <p:spTgt spid="7"/>
+                                        </p:tgtEl>
+                                        <p:attrNameLst>
+                                          <p:attrName>style.visibility</p:attrName>
+                                        </p:attrNameLst>
+                                      </p:cBhvr>
+                                      <p:to>
+                                        <p:strVal val="visible"/>
+                                      </p:to>
+                                    </p:set>
+                                    <p:anim calcmode="lin" valueType="num">
+                                      <p:cBhvr additive="base">
+                                        <p:cTn id="31" dur="500" fill="hold"/>
+                                        <p:tgtEl>
+                                          <p:spTgt spid="7"/>
+                                        </p:tgtEl>
+                                        <p:attrNameLst>
+                                          <p:attrName>ppt_x</p:attrName>
+                                        </p:attrNameLst>
+                                      </p:cBhvr>
+                                      <p:tavLst>
+                                        <p:tav tm="0">
+                                          <p:val>
+                                            <p:strVal val="#ppt_x"/>
+                                          </p:val>
+                                        </p:tav>
+                                        <p:tav tm="100000">
+                                          <p:val>
+                                            <p:strVal val="#ppt_x"/>
+                                          </p:val>
+                                        </p:tav>
+                                      </p:tavLst>
+                                    </p:anim>
+                                    <p:anim calcmode="lin" valueType="num">
+                                      <p:cBhvr additive="base">
+                                        <p:cTn id="32" dur="500" fill="hold"/>
+                                        <p:tgtEl>
+                                          <p:spTgt spid="7"/>
+                                        </p:tgtEl>
+                                        <p:attrNameLst>
+                                          <p:attrName>ppt_y</p:attrName>
+                                        </p:attrNameLst>
+                                      </p:cBhvr>
+                                      <p:tavLst>
+                                        <p:tav tm="0">
+                                          <p:val>
+                                            <p:strVal val="1+#ppt_h/2"/>
+                                          </p:val>
+                                        </p:tav>
+                                        <p:tav tm="100000">
+                                          <p:val>
+                                            <p:strVal val="#ppt_y"/>
+                                          </p:val>
+                                        </p:tav>
+                                      </p:tavLst>
+                                    </p:anim>
+                                  </p:childTnLst>
+                                </p:cTn>
+                              </p:par>
+                            </p:childTnLst>
+                          </p:cTn>
+                        </p:par>
+                      </p:childTnLst>
+                    </p:cTn>
+                  </p:par>
+                </p:childTnLst>
+              </p:cTn>
+              <p:prevCondLst>
+                <p:cond evt="onPrev" delay="0">
+                  <p:tgtEl>
+                    <p:sldTgt/>
+                  </p:tgtEl>
+                </p:cond>
+              </p:prevCondLst>
+              <p:nextCondLst>
+                <p:cond evt="onNext" delay="0">
+                  <p:tgtEl>
+                    <p:sldTgt/>
+                  </p:tgtEl>
+                </p:cond>
+              </p:nextCondLst>
+            </p:seq>
+          </p:childTnLst>
+        </p:cTn>
+      </p:par>
+    </p:tnLst>
+  </p:timing>
+</p:sld>
+</file>
+
+<file path=ppt/slides/slide7.xml><?xml version="1.0" encoding="utf-8"?>
 <p:sld xmlns:a="http://schemas.openxmlformats.org/drawingml/2006/main" xmlns:r="http://schemas.openxmlformats.org/officeDocument/2006/relationships" xmlns:p="http://schemas.openxmlformats.org/presentationml/2006/main">
   <p:cSld>
     <p:spTree>
@@ -8531,7 +12630,7 @@
 </p:sld>
 </file>
 
-<file path=ppt/slides/slide6.xml><?xml version="1.0" encoding="utf-8"?>
+<file path=ppt/slides/slide8.xml><?xml version="1.0" encoding="utf-8"?>
 <p:sld xmlns:a="http://schemas.openxmlformats.org/drawingml/2006/main" xmlns:r="http://schemas.openxmlformats.org/officeDocument/2006/relationships" xmlns:p="http://schemas.openxmlformats.org/presentationml/2006/main">
   <p:cSld>
     <p:spTree>
@@ -9629,6 +13728,52 @@
           </a:graphic>
         </p:graphicFrame>
       </p:grpSp>
+      <p:sp>
+        <p:nvSpPr>
+          <p:cNvPr id="5" name="Arrow: Down 4">
+            <a:extLst>
+              <a:ext uri="{FF2B5EF4-FFF2-40B4-BE49-F238E27FC236}">
+                <a16:creationId xmlns:a16="http://schemas.microsoft.com/office/drawing/2014/main" id="{98FF5AB6-A8E8-85F0-EFF0-89C6FCBBF945}"/>
+              </a:ext>
+            </a:extLst>
+          </p:cNvPr>
+          <p:cNvSpPr/>
+          <p:nvPr/>
+        </p:nvSpPr>
+        <p:spPr>
+          <a:xfrm rot="19659679">
+            <a:off x="6964875" y="867870"/>
+            <a:ext cx="484632" cy="4600489"/>
+          </a:xfrm>
+          <a:prstGeom prst="downArrow">
+            <a:avLst/>
+          </a:prstGeom>
+        </p:spPr>
+        <p:style>
+          <a:lnRef idx="2">
+            <a:schemeClr val="accent1">
+              <a:shade val="50000"/>
+            </a:schemeClr>
+          </a:lnRef>
+          <a:fillRef idx="1">
+            <a:schemeClr val="accent1"/>
+          </a:fillRef>
+          <a:effectRef idx="0">
+            <a:schemeClr val="accent1"/>
+          </a:effectRef>
+          <a:fontRef idx="minor">
+            <a:schemeClr val="lt1"/>
+          </a:fontRef>
+        </p:style>
+        <p:txBody>
+          <a:bodyPr rtlCol="0" anchor="ctr"/>
+          <a:lstStyle/>
+          <a:p>
+            <a:pPr algn="ctr"/>
+            <a:endParaRPr lang="en-SG"/>
+          </a:p>
+        </p:txBody>
+      </p:sp>
       <p:grpSp>
         <p:nvGrpSpPr>
           <p:cNvPr id="20" name="Group 19">
@@ -10272,7 +14417,7 @@
                                           </p:stCondLst>
                                         </p:cTn>
                                         <p:tgtEl>
-                                          <p:spTgt spid="7"/>
+                                          <p:spTgt spid="5"/>
                                         </p:tgtEl>
                                         <p:attrNameLst>
                                           <p:attrName>style.visibility</p:attrName>
@@ -10286,7 +14431,7 @@
                                       <p:cBhvr additive="base">
                                         <p:cTn id="37" dur="500" fill="hold"/>
                                         <p:tgtEl>
-                                          <p:spTgt spid="7"/>
+                                          <p:spTgt spid="5"/>
                                         </p:tgtEl>
                                         <p:attrNameLst>
                                           <p:attrName>ppt_x</p:attrName>
@@ -10309,7 +14454,7 @@
                                       <p:cBhvr additive="base">
                                         <p:cTn id="38" dur="500" fill="hold"/>
                                         <p:tgtEl>
-                                          <p:spTgt spid="7"/>
+                                          <p:spTgt spid="5"/>
                                         </p:tgtEl>
                                         <p:attrNameLst>
                                           <p:attrName>ppt_y</p:attrName>
@@ -10350,7 +14495,7 @@
                             </p:stCondLst>
                             <p:childTnLst>
                               <p:par>
-                                <p:cTn id="41" presetID="2" presetClass="entr" presetSubtype="4" fill="hold" nodeType="clickEffect">
+                                <p:cTn id="41" presetID="2" presetClass="entr" presetSubtype="4" fill="hold" grpId="0" nodeType="clickEffect">
                                   <p:stCondLst>
                                     <p:cond delay="0"/>
                                   </p:stCondLst>
@@ -10363,7 +14508,7 @@
                                           </p:stCondLst>
                                         </p:cTn>
                                         <p:tgtEl>
-                                          <p:spTgt spid="20"/>
+                                          <p:spTgt spid="7"/>
                                         </p:tgtEl>
                                         <p:attrNameLst>
                                           <p:attrName>style.visibility</p:attrName>
@@ -10377,7 +14522,7 @@
                                       <p:cBhvr additive="base">
                                         <p:cTn id="43" dur="500" fill="hold"/>
                                         <p:tgtEl>
-                                          <p:spTgt spid="20"/>
+                                          <p:spTgt spid="7"/>
                                         </p:tgtEl>
                                         <p:attrNameLst>
                                           <p:attrName>ppt_x</p:attrName>
@@ -10400,7 +14545,7 @@
                                       <p:cBhvr additive="base">
                                         <p:cTn id="44" dur="500" fill="hold"/>
                                         <p:tgtEl>
-                                          <p:spTgt spid="20"/>
+                                          <p:spTgt spid="7"/>
                                         </p:tgtEl>
                                         <p:attrNameLst>
                                           <p:attrName>ppt_y</p:attrName>
@@ -10441,7 +14586,7 @@
                             </p:stCondLst>
                             <p:childTnLst>
                               <p:par>
-                                <p:cTn id="47" presetID="2" presetClass="entr" presetSubtype="4" fill="hold" grpId="0" nodeType="clickEffect">
+                                <p:cTn id="47" presetID="2" presetClass="entr" presetSubtype="4" fill="hold" nodeType="clickEffect">
                                   <p:stCondLst>
                                     <p:cond delay="0"/>
                                   </p:stCondLst>
@@ -10454,7 +14599,7 @@
                                           </p:stCondLst>
                                         </p:cTn>
                                         <p:tgtEl>
-                                          <p:spTgt spid="12"/>
+                                          <p:spTgt spid="20"/>
                                         </p:tgtEl>
                                         <p:attrNameLst>
                                           <p:attrName>style.visibility</p:attrName>
@@ -10468,7 +14613,7 @@
                                       <p:cBhvr additive="base">
                                         <p:cTn id="49" dur="500" fill="hold"/>
                                         <p:tgtEl>
-                                          <p:spTgt spid="12"/>
+                                          <p:spTgt spid="20"/>
                                         </p:tgtEl>
                                         <p:attrNameLst>
                                           <p:attrName>ppt_x</p:attrName>
@@ -10491,7 +14636,7 @@
                                       <p:cBhvr additive="base">
                                         <p:cTn id="50" dur="500" fill="hold"/>
                                         <p:tgtEl>
-                                          <p:spTgt spid="12"/>
+                                          <p:spTgt spid="20"/>
                                         </p:tgtEl>
                                         <p:attrNameLst>
                                           <p:attrName>ppt_y</p:attrName>
@@ -10532,7 +14677,7 @@
                             </p:stCondLst>
                             <p:childTnLst>
                               <p:par>
-                                <p:cTn id="53" presetID="2" presetClass="entr" presetSubtype="4" fill="hold" nodeType="clickEffect">
+                                <p:cTn id="53" presetID="2" presetClass="entr" presetSubtype="4" fill="hold" grpId="0" nodeType="clickEffect">
                                   <p:stCondLst>
                                     <p:cond delay="0"/>
                                   </p:stCondLst>
@@ -10545,7 +14690,7 @@
                                           </p:stCondLst>
                                         </p:cTn>
                                         <p:tgtEl>
-                                          <p:spTgt spid="21"/>
+                                          <p:spTgt spid="12"/>
                                         </p:tgtEl>
                                         <p:attrNameLst>
                                           <p:attrName>style.visibility</p:attrName>
@@ -10559,7 +14704,7 @@
                                       <p:cBhvr additive="base">
                                         <p:cTn id="55" dur="500" fill="hold"/>
                                         <p:tgtEl>
-                                          <p:spTgt spid="21"/>
+                                          <p:spTgt spid="12"/>
                                         </p:tgtEl>
                                         <p:attrNameLst>
                                           <p:attrName>ppt_x</p:attrName>
@@ -10582,7 +14727,7 @@
                                       <p:cBhvr additive="base">
                                         <p:cTn id="56" dur="500" fill="hold"/>
                                         <p:tgtEl>
-                                          <p:spTgt spid="21"/>
+                                          <p:spTgt spid="12"/>
                                         </p:tgtEl>
                                         <p:attrNameLst>
                                           <p:attrName>ppt_y</p:attrName>
@@ -10636,7 +14781,7 @@
                                           </p:stCondLst>
                                         </p:cTn>
                                         <p:tgtEl>
-                                          <p:spTgt spid="24"/>
+                                          <p:spTgt spid="21"/>
                                         </p:tgtEl>
                                         <p:attrNameLst>
                                           <p:attrName>style.visibility</p:attrName>
@@ -10650,6 +14795,97 @@
                                       <p:cBhvr additive="base">
                                         <p:cTn id="61" dur="500" fill="hold"/>
                                         <p:tgtEl>
+                                          <p:spTgt spid="21"/>
+                                        </p:tgtEl>
+                                        <p:attrNameLst>
+                                          <p:attrName>ppt_x</p:attrName>
+                                        </p:attrNameLst>
+                                      </p:cBhvr>
+                                      <p:tavLst>
+                                        <p:tav tm="0">
+                                          <p:val>
+                                            <p:strVal val="#ppt_x"/>
+                                          </p:val>
+                                        </p:tav>
+                                        <p:tav tm="100000">
+                                          <p:val>
+                                            <p:strVal val="#ppt_x"/>
+                                          </p:val>
+                                        </p:tav>
+                                      </p:tavLst>
+                                    </p:anim>
+                                    <p:anim calcmode="lin" valueType="num">
+                                      <p:cBhvr additive="base">
+                                        <p:cTn id="62" dur="500" fill="hold"/>
+                                        <p:tgtEl>
+                                          <p:spTgt spid="21"/>
+                                        </p:tgtEl>
+                                        <p:attrNameLst>
+                                          <p:attrName>ppt_y</p:attrName>
+                                        </p:attrNameLst>
+                                      </p:cBhvr>
+                                      <p:tavLst>
+                                        <p:tav tm="0">
+                                          <p:val>
+                                            <p:strVal val="1+#ppt_h/2"/>
+                                          </p:val>
+                                        </p:tav>
+                                        <p:tav tm="100000">
+                                          <p:val>
+                                            <p:strVal val="#ppt_y"/>
+                                          </p:val>
+                                        </p:tav>
+                                      </p:tavLst>
+                                    </p:anim>
+                                  </p:childTnLst>
+                                </p:cTn>
+                              </p:par>
+                            </p:childTnLst>
+                          </p:cTn>
+                        </p:par>
+                      </p:childTnLst>
+                    </p:cTn>
+                  </p:par>
+                  <p:par>
+                    <p:cTn id="63" fill="hold">
+                      <p:stCondLst>
+                        <p:cond delay="indefinite"/>
+                      </p:stCondLst>
+                      <p:childTnLst>
+                        <p:par>
+                          <p:cTn id="64" fill="hold">
+                            <p:stCondLst>
+                              <p:cond delay="0"/>
+                            </p:stCondLst>
+                            <p:childTnLst>
+                              <p:par>
+                                <p:cTn id="65" presetID="2" presetClass="entr" presetSubtype="4" fill="hold" nodeType="clickEffect">
+                                  <p:stCondLst>
+                                    <p:cond delay="0"/>
+                                  </p:stCondLst>
+                                  <p:childTnLst>
+                                    <p:set>
+                                      <p:cBhvr>
+                                        <p:cTn id="66" dur="1" fill="hold">
+                                          <p:stCondLst>
+                                            <p:cond delay="0"/>
+                                          </p:stCondLst>
+                                        </p:cTn>
+                                        <p:tgtEl>
+                                          <p:spTgt spid="24"/>
+                                        </p:tgtEl>
+                                        <p:attrNameLst>
+                                          <p:attrName>style.visibility</p:attrName>
+                                        </p:attrNameLst>
+                                      </p:cBhvr>
+                                      <p:to>
+                                        <p:strVal val="visible"/>
+                                      </p:to>
+                                    </p:set>
+                                    <p:anim calcmode="lin" valueType="num">
+                                      <p:cBhvr additive="base">
+                                        <p:cTn id="67" dur="500" fill="hold"/>
+                                        <p:tgtEl>
                                           <p:spTgt spid="24"/>
                                         </p:tgtEl>
                                         <p:attrNameLst>
@@ -10671,7 +14907,7 @@
                                     </p:anim>
                                     <p:anim calcmode="lin" valueType="num">
                                       <p:cBhvr additive="base">
-                                        <p:cTn id="62" dur="500" fill="hold"/>
+                                        <p:cTn id="68" dur="500" fill="hold"/>
                                         <p:tgtEl>
                                           <p:spTgt spid="24"/>
                                         </p:tgtEl>
@@ -10729,1656 +14965,13 @@
       <p:bldP spid="27" grpId="0"/>
       <p:bldP spid="28" grpId="0"/>
       <p:bldP spid="29" grpId="0"/>
+      <p:bldP spid="5" grpId="0" animBg="1"/>
     </p:bldLst>
   </p:timing>
 </p:sld>
 </file>
 
-<file path=ppt/slides/slide7.xml><?xml version="1.0" encoding="utf-8"?>
-<p:sld xmlns:a="http://schemas.openxmlformats.org/drawingml/2006/main" xmlns:r="http://schemas.openxmlformats.org/officeDocument/2006/relationships" xmlns:p="http://schemas.openxmlformats.org/presentationml/2006/main">
-  <p:cSld>
-    <p:spTree>
-      <p:nvGrpSpPr>
-        <p:cNvPr id="1" name=""/>
-        <p:cNvGrpSpPr/>
-        <p:nvPr/>
-      </p:nvGrpSpPr>
-      <p:grpSpPr>
-        <a:xfrm>
-          <a:off x="0" y="0"/>
-          <a:ext cx="0" cy="0"/>
-          <a:chOff x="0" y="0"/>
-          <a:chExt cx="0" cy="0"/>
-        </a:xfrm>
-      </p:grpSpPr>
-      <p:sp>
-        <p:nvSpPr>
-          <p:cNvPr id="2" name="TextBox 1">
-            <a:extLst>
-              <a:ext uri="{FF2B5EF4-FFF2-40B4-BE49-F238E27FC236}">
-                <a16:creationId xmlns:a16="http://schemas.microsoft.com/office/drawing/2014/main" id="{A01891D0-88F4-680E-80C7-10A5BCFF7AAB}"/>
-              </a:ext>
-            </a:extLst>
-          </p:cNvPr>
-          <p:cNvSpPr txBox="1"/>
-          <p:nvPr/>
-        </p:nvSpPr>
-        <p:spPr>
-          <a:xfrm>
-            <a:off x="1231640" y="802433"/>
-            <a:ext cx="4739952" cy="369332"/>
-          </a:xfrm>
-          <a:prstGeom prst="rect">
-            <a:avLst/>
-          </a:prstGeom>
-          <a:noFill/>
-        </p:spPr>
-        <p:txBody>
-          <a:bodyPr wrap="square" rtlCol="0">
-            <a:spAutoFit/>
-          </a:bodyPr>
-          <a:lstStyle/>
-          <a:p>
-            <a:r>
-              <a:rPr lang="en-SG" dirty="0"/>
-              <a:t>The 7 Segment Display Accepts Data as a </a:t>
-            </a:r>
-            <a:r>
-              <a:rPr lang="en-SG" b="1" dirty="0">
-                <a:solidFill>
-                  <a:srgbClr val="FF0000"/>
-                </a:solidFill>
-              </a:rPr>
-              <a:t>List</a:t>
-            </a:r>
-          </a:p>
-        </p:txBody>
-      </p:sp>
-      <p:sp>
-        <p:nvSpPr>
-          <p:cNvPr id="4" name="TextBox 3">
-            <a:extLst>
-              <a:ext uri="{FF2B5EF4-FFF2-40B4-BE49-F238E27FC236}">
-                <a16:creationId xmlns:a16="http://schemas.microsoft.com/office/drawing/2014/main" id="{C1804066-C215-B3AC-2C05-1CCB9A33EBD9}"/>
-              </a:ext>
-            </a:extLst>
-          </p:cNvPr>
-          <p:cNvSpPr txBox="1"/>
-          <p:nvPr/>
-        </p:nvSpPr>
-        <p:spPr>
-          <a:xfrm>
-            <a:off x="1231638" y="2333015"/>
-            <a:ext cx="5589040" cy="369332"/>
-          </a:xfrm>
-          <a:prstGeom prst="rect">
-            <a:avLst/>
-          </a:prstGeom>
-          <a:noFill/>
-        </p:spPr>
-        <p:txBody>
-          <a:bodyPr wrap="square" rtlCol="0">
-            <a:spAutoFit/>
-          </a:bodyPr>
-          <a:lstStyle/>
-          <a:p>
-            <a:r>
-              <a:rPr lang="en-SG" b="1" dirty="0">
-                <a:solidFill>
-                  <a:srgbClr val="FF0000"/>
-                </a:solidFill>
-              </a:rPr>
-              <a:t>&gt;&gt;&gt;</a:t>
-            </a:r>
-            <a:r>
-              <a:rPr lang="en-SG" dirty="0">
-                <a:solidFill>
-                  <a:srgbClr val="0070C0"/>
-                </a:solidFill>
-              </a:rPr>
-              <a:t> </a:t>
-            </a:r>
-            <a:r>
-              <a:rPr lang="en-SG" dirty="0" err="1">
-                <a:solidFill>
-                  <a:srgbClr val="0070C0"/>
-                </a:solidFill>
-              </a:rPr>
-              <a:t>FruitBasket</a:t>
-            </a:r>
-            <a:r>
-              <a:rPr lang="en-SG" dirty="0"/>
-              <a:t>= </a:t>
-            </a:r>
-            <a:r>
-              <a:rPr lang="en-SG" dirty="0">
-                <a:solidFill>
-                  <a:srgbClr val="FF0000"/>
-                </a:solidFill>
-              </a:rPr>
-              <a:t>[</a:t>
-            </a:r>
-            <a:r>
-              <a:rPr lang="en-SG" dirty="0"/>
-              <a:t>‘</a:t>
-            </a:r>
-            <a:r>
-              <a:rPr lang="en-SG" dirty="0" err="1"/>
-              <a:t>Apple’,’Orange’,’Raspberry’,’Banana</a:t>
-            </a:r>
-            <a:r>
-              <a:rPr lang="en-SG" dirty="0"/>
-              <a:t>’</a:t>
-            </a:r>
-            <a:r>
-              <a:rPr lang="en-SG" dirty="0">
-                <a:solidFill>
-                  <a:srgbClr val="FF0000"/>
-                </a:solidFill>
-              </a:rPr>
-              <a:t>]</a:t>
-            </a:r>
-          </a:p>
-        </p:txBody>
-      </p:sp>
-      <p:sp>
-        <p:nvSpPr>
-          <p:cNvPr id="5" name="TextBox 4">
-            <a:extLst>
-              <a:ext uri="{FF2B5EF4-FFF2-40B4-BE49-F238E27FC236}">
-                <a16:creationId xmlns:a16="http://schemas.microsoft.com/office/drawing/2014/main" id="{09AC3E88-1F0B-6AF0-6314-5FE001551415}"/>
-              </a:ext>
-            </a:extLst>
-          </p:cNvPr>
-          <p:cNvSpPr txBox="1"/>
-          <p:nvPr/>
-        </p:nvSpPr>
-        <p:spPr>
-          <a:xfrm>
-            <a:off x="1231638" y="3429000"/>
-            <a:ext cx="5589040" cy="369332"/>
-          </a:xfrm>
-          <a:prstGeom prst="rect">
-            <a:avLst/>
-          </a:prstGeom>
-          <a:noFill/>
-        </p:spPr>
-        <p:txBody>
-          <a:bodyPr wrap="square" rtlCol="0">
-            <a:spAutoFit/>
-          </a:bodyPr>
-          <a:lstStyle/>
-          <a:p>
-            <a:r>
-              <a:rPr lang="en-SG" dirty="0"/>
-              <a:t>Each item in the List has an index position, starting from 0</a:t>
-            </a:r>
-          </a:p>
-        </p:txBody>
-      </p:sp>
-      <p:sp>
-        <p:nvSpPr>
-          <p:cNvPr id="6" name="TextBox 5">
-            <a:extLst>
-              <a:ext uri="{FF2B5EF4-FFF2-40B4-BE49-F238E27FC236}">
-                <a16:creationId xmlns:a16="http://schemas.microsoft.com/office/drawing/2014/main" id="{2C7F2067-F34F-923E-B947-C31DDAF88923}"/>
-              </a:ext>
-            </a:extLst>
-          </p:cNvPr>
-          <p:cNvSpPr txBox="1"/>
-          <p:nvPr/>
-        </p:nvSpPr>
-        <p:spPr>
-          <a:xfrm>
-            <a:off x="1231638" y="4004759"/>
-            <a:ext cx="3060444" cy="369332"/>
-          </a:xfrm>
-          <a:prstGeom prst="rect">
-            <a:avLst/>
-          </a:prstGeom>
-          <a:noFill/>
-        </p:spPr>
-        <p:txBody>
-          <a:bodyPr wrap="square" rtlCol="0">
-            <a:spAutoFit/>
-          </a:bodyPr>
-          <a:lstStyle/>
-          <a:p>
-            <a:r>
-              <a:rPr lang="en-SG" b="1" dirty="0">
-                <a:solidFill>
-                  <a:srgbClr val="FF0000"/>
-                </a:solidFill>
-              </a:rPr>
-              <a:t>&gt;&gt;&gt;</a:t>
-            </a:r>
-            <a:r>
-              <a:rPr lang="en-SG" dirty="0">
-                <a:solidFill>
-                  <a:srgbClr val="0070C0"/>
-                </a:solidFill>
-              </a:rPr>
-              <a:t> print</a:t>
-            </a:r>
-            <a:r>
-              <a:rPr lang="en-SG" dirty="0">
-                <a:solidFill>
-                  <a:srgbClr val="FF0000"/>
-                </a:solidFill>
-              </a:rPr>
-              <a:t>(</a:t>
-            </a:r>
-            <a:r>
-              <a:rPr lang="en-SG" dirty="0" err="1"/>
-              <a:t>FruitBasket</a:t>
-            </a:r>
-            <a:r>
-              <a:rPr lang="en-SG" dirty="0">
-                <a:solidFill>
-                  <a:srgbClr val="0070C0"/>
-                </a:solidFill>
-              </a:rPr>
-              <a:t>[0] </a:t>
-            </a:r>
-            <a:r>
-              <a:rPr lang="en-SG" dirty="0">
-                <a:solidFill>
-                  <a:srgbClr val="FF0000"/>
-                </a:solidFill>
-              </a:rPr>
-              <a:t>)</a:t>
-            </a:r>
-          </a:p>
-        </p:txBody>
-      </p:sp>
-      <p:sp>
-        <p:nvSpPr>
-          <p:cNvPr id="7" name="TextBox 6">
-            <a:extLst>
-              <a:ext uri="{FF2B5EF4-FFF2-40B4-BE49-F238E27FC236}">
-                <a16:creationId xmlns:a16="http://schemas.microsoft.com/office/drawing/2014/main" id="{D4294D3B-F986-5966-B093-CB2BD42BB35A}"/>
-              </a:ext>
-            </a:extLst>
-          </p:cNvPr>
-          <p:cNvSpPr txBox="1"/>
-          <p:nvPr/>
-        </p:nvSpPr>
-        <p:spPr>
-          <a:xfrm>
-            <a:off x="1231638" y="4579705"/>
-            <a:ext cx="5589040" cy="646331"/>
-          </a:xfrm>
-          <a:prstGeom prst="rect">
-            <a:avLst/>
-          </a:prstGeom>
-          <a:noFill/>
-        </p:spPr>
-        <p:txBody>
-          <a:bodyPr wrap="square" rtlCol="0">
-            <a:spAutoFit/>
-          </a:bodyPr>
-          <a:lstStyle/>
-          <a:p>
-            <a:r>
-              <a:rPr lang="en-SG" dirty="0"/>
-              <a:t>We can change the ‘value’ of an item in the List</a:t>
-            </a:r>
-          </a:p>
-          <a:p>
-            <a:r>
-              <a:rPr lang="en-SG" dirty="0"/>
-              <a:t>e.g. we want to replace ‘Orange’ with ‘Grapes’</a:t>
-            </a:r>
-          </a:p>
-        </p:txBody>
-      </p:sp>
-      <p:sp>
-        <p:nvSpPr>
-          <p:cNvPr id="8" name="TextBox 7">
-            <a:extLst>
-              <a:ext uri="{FF2B5EF4-FFF2-40B4-BE49-F238E27FC236}">
-                <a16:creationId xmlns:a16="http://schemas.microsoft.com/office/drawing/2014/main" id="{8DEA3A8B-4BBE-53E5-67D4-766CFABB370C}"/>
-              </a:ext>
-            </a:extLst>
-          </p:cNvPr>
-          <p:cNvSpPr txBox="1"/>
-          <p:nvPr/>
-        </p:nvSpPr>
-        <p:spPr>
-          <a:xfrm>
-            <a:off x="1231638" y="5363547"/>
-            <a:ext cx="5589040" cy="646331"/>
-          </a:xfrm>
-          <a:prstGeom prst="rect">
-            <a:avLst/>
-          </a:prstGeom>
-          <a:noFill/>
-        </p:spPr>
-        <p:txBody>
-          <a:bodyPr wrap="square" rtlCol="0">
-            <a:spAutoFit/>
-          </a:bodyPr>
-          <a:lstStyle/>
-          <a:p>
-            <a:r>
-              <a:rPr lang="en-SG" b="1" dirty="0">
-                <a:solidFill>
-                  <a:srgbClr val="FF0000"/>
-                </a:solidFill>
-              </a:rPr>
-              <a:t>&gt;&gt;&gt; </a:t>
-            </a:r>
-            <a:r>
-              <a:rPr lang="en-SG" dirty="0" err="1"/>
-              <a:t>FruitBasket</a:t>
-            </a:r>
-            <a:r>
-              <a:rPr lang="en-SG" dirty="0"/>
-              <a:t>[1]=‘Grapes’</a:t>
-            </a:r>
-          </a:p>
-          <a:p>
-            <a:r>
-              <a:rPr lang="en-SG" b="1" dirty="0">
-                <a:solidFill>
-                  <a:srgbClr val="FF0000"/>
-                </a:solidFill>
-              </a:rPr>
-              <a:t>&gt;&gt;&gt; </a:t>
-            </a:r>
-            <a:r>
-              <a:rPr lang="en-SG" dirty="0"/>
-              <a:t>print(</a:t>
-            </a:r>
-            <a:r>
-              <a:rPr lang="en-SG" dirty="0" err="1"/>
-              <a:t>FruitBasket</a:t>
-            </a:r>
-            <a:r>
-              <a:rPr lang="en-SG" dirty="0"/>
-              <a:t>)</a:t>
-            </a:r>
-          </a:p>
-        </p:txBody>
-      </p:sp>
-      <p:grpSp>
-        <p:nvGrpSpPr>
-          <p:cNvPr id="12" name="Group 11">
-            <a:extLst>
-              <a:ext uri="{FF2B5EF4-FFF2-40B4-BE49-F238E27FC236}">
-                <a16:creationId xmlns:a16="http://schemas.microsoft.com/office/drawing/2014/main" id="{2EF12501-5E74-428A-416D-65B3DCBF02E1}"/>
-              </a:ext>
-            </a:extLst>
-          </p:cNvPr>
-          <p:cNvGrpSpPr/>
-          <p:nvPr/>
-        </p:nvGrpSpPr>
-        <p:grpSpPr>
-          <a:xfrm>
-            <a:off x="5638800" y="664922"/>
-            <a:ext cx="6250732" cy="650693"/>
-            <a:chOff x="5638800" y="664922"/>
-            <a:chExt cx="6250732" cy="650693"/>
-          </a:xfrm>
-        </p:grpSpPr>
-        <p:sp>
-          <p:nvSpPr>
-            <p:cNvPr id="10" name="TextBox 9">
-              <a:extLst>
-                <a:ext uri="{FF2B5EF4-FFF2-40B4-BE49-F238E27FC236}">
-                  <a16:creationId xmlns:a16="http://schemas.microsoft.com/office/drawing/2014/main" id="{0B5660B7-018C-F606-BE35-01AA1B4E2AC8}"/>
-                </a:ext>
-              </a:extLst>
-            </p:cNvPr>
-            <p:cNvSpPr txBox="1"/>
-            <p:nvPr/>
-          </p:nvSpPr>
-          <p:spPr>
-            <a:xfrm>
-              <a:off x="5791978" y="794668"/>
-              <a:ext cx="6097554" cy="369332"/>
-            </a:xfrm>
-            <a:prstGeom prst="rect">
-              <a:avLst/>
-            </a:prstGeom>
-            <a:noFill/>
-          </p:spPr>
-          <p:txBody>
-            <a:bodyPr wrap="square">
-              <a:spAutoFit/>
-            </a:bodyPr>
-            <a:lstStyle/>
-            <a:p>
-              <a:r>
-                <a:rPr lang="en-US" sz="1800" dirty="0" err="1">
-                  <a:effectLst/>
-                  <a:latin typeface="Calibri" panose="020F0502020204030204" pitchFamily="34" charset="0"/>
-                  <a:ea typeface="SimSun" panose="02010600030101010101" pitchFamily="2" charset="-122"/>
-                  <a:cs typeface="Times New Roman" panose="02020603050405020304" pitchFamily="18" charset="0"/>
-                </a:rPr>
-                <a:t>display.set_values</a:t>
-              </a:r>
-              <a:r>
-                <a:rPr lang="en-US" sz="1800" dirty="0">
-                  <a:effectLst/>
-                  <a:latin typeface="Calibri" panose="020F0502020204030204" pitchFamily="34" charset="0"/>
-                  <a:ea typeface="SimSun" panose="02010600030101010101" pitchFamily="2" charset="-122"/>
-                  <a:cs typeface="Times New Roman" panose="02020603050405020304" pitchFamily="18" charset="0"/>
-                </a:rPr>
-                <a:t>([' ', ' ', '8 ', '7'])</a:t>
-              </a:r>
-              <a:endParaRPr lang="en-SG" dirty="0"/>
-            </a:p>
-          </p:txBody>
-        </p:sp>
-        <p:sp>
-          <p:nvSpPr>
-            <p:cNvPr id="11" name="Oval 10">
-              <a:extLst>
-                <a:ext uri="{FF2B5EF4-FFF2-40B4-BE49-F238E27FC236}">
-                  <a16:creationId xmlns:a16="http://schemas.microsoft.com/office/drawing/2014/main" id="{916700D3-A65D-0C8A-0604-79D55E1794E7}"/>
-                </a:ext>
-              </a:extLst>
-            </p:cNvPr>
-            <p:cNvSpPr/>
-            <p:nvPr/>
-          </p:nvSpPr>
-          <p:spPr>
-            <a:xfrm>
-              <a:off x="5638800" y="664922"/>
-              <a:ext cx="3570514" cy="650693"/>
-            </a:xfrm>
-            <a:prstGeom prst="ellipse">
-              <a:avLst/>
-            </a:prstGeom>
-            <a:noFill/>
-            <a:ln w="69850">
-              <a:solidFill>
-                <a:srgbClr val="FF0000"/>
-              </a:solidFill>
-            </a:ln>
-          </p:spPr>
-          <p:style>
-            <a:lnRef idx="2">
-              <a:schemeClr val="accent1">
-                <a:shade val="50000"/>
-              </a:schemeClr>
-            </a:lnRef>
-            <a:fillRef idx="1">
-              <a:schemeClr val="accent1"/>
-            </a:fillRef>
-            <a:effectRef idx="0">
-              <a:schemeClr val="accent1"/>
-            </a:effectRef>
-            <a:fontRef idx="minor">
-              <a:schemeClr val="lt1"/>
-            </a:fontRef>
-          </p:style>
-          <p:txBody>
-            <a:bodyPr rtlCol="0" anchor="ctr"/>
-            <a:lstStyle/>
-            <a:p>
-              <a:pPr algn="ctr"/>
-              <a:endParaRPr lang="en-SG"/>
-            </a:p>
-          </p:txBody>
-        </p:sp>
-      </p:grpSp>
-      <p:sp>
-        <p:nvSpPr>
-          <p:cNvPr id="13" name="TextBox 12">
-            <a:extLst>
-              <a:ext uri="{FF2B5EF4-FFF2-40B4-BE49-F238E27FC236}">
-                <a16:creationId xmlns:a16="http://schemas.microsoft.com/office/drawing/2014/main" id="{8DE53F88-9893-3A65-A0CA-7B0EF1EE3093}"/>
-              </a:ext>
-            </a:extLst>
-          </p:cNvPr>
-          <p:cNvSpPr txBox="1"/>
-          <p:nvPr/>
-        </p:nvSpPr>
-        <p:spPr>
-          <a:xfrm>
-            <a:off x="1231638" y="1216110"/>
-            <a:ext cx="4739952" cy="923330"/>
-          </a:xfrm>
-          <a:prstGeom prst="rect">
-            <a:avLst/>
-          </a:prstGeom>
-          <a:noFill/>
-        </p:spPr>
-        <p:txBody>
-          <a:bodyPr wrap="square" rtlCol="0">
-            <a:spAutoFit/>
-          </a:bodyPr>
-          <a:lstStyle/>
-          <a:p>
-            <a:r>
-              <a:rPr lang="en-SG" dirty="0"/>
-              <a:t>A </a:t>
-            </a:r>
-            <a:r>
-              <a:rPr lang="en-SG" b="1" dirty="0">
-                <a:solidFill>
-                  <a:srgbClr val="FF0000"/>
-                </a:solidFill>
-              </a:rPr>
-              <a:t>List</a:t>
-            </a:r>
-            <a:r>
-              <a:rPr lang="en-SG" dirty="0"/>
-              <a:t> is a collection of Data</a:t>
-            </a:r>
-          </a:p>
-          <a:p>
-            <a:r>
-              <a:rPr lang="en-SG" dirty="0"/>
-              <a:t>Like this -&gt; </a:t>
-            </a:r>
-            <a:r>
-              <a:rPr lang="en-SG" dirty="0">
-                <a:solidFill>
-                  <a:srgbClr val="FF0000"/>
-                </a:solidFill>
-              </a:rPr>
-              <a:t>[</a:t>
-            </a:r>
-            <a:r>
-              <a:rPr lang="en-SG" dirty="0"/>
-              <a:t>‘</a:t>
-            </a:r>
-            <a:r>
-              <a:rPr lang="en-SG" dirty="0" err="1"/>
-              <a:t>Apple’,’Orange’,’Raspberry’,’Banana</a:t>
-            </a:r>
-            <a:r>
-              <a:rPr lang="en-SG" dirty="0"/>
-              <a:t>’</a:t>
-            </a:r>
-            <a:r>
-              <a:rPr lang="en-SG" dirty="0">
-                <a:solidFill>
-                  <a:srgbClr val="FF0000"/>
-                </a:solidFill>
-              </a:rPr>
-              <a:t>]</a:t>
-            </a:r>
-          </a:p>
-          <a:p>
-            <a:r>
-              <a:rPr lang="en-US" dirty="0"/>
-              <a:t>We can assign as variable name to it</a:t>
-            </a:r>
-          </a:p>
-        </p:txBody>
-      </p:sp>
-      <p:grpSp>
-        <p:nvGrpSpPr>
-          <p:cNvPr id="14" name="Group 13">
-            <a:extLst>
-              <a:ext uri="{FF2B5EF4-FFF2-40B4-BE49-F238E27FC236}">
-                <a16:creationId xmlns:a16="http://schemas.microsoft.com/office/drawing/2014/main" id="{CB29F802-9507-3993-B218-9C91DE35046F}"/>
-              </a:ext>
-            </a:extLst>
-          </p:cNvPr>
-          <p:cNvGrpSpPr/>
-          <p:nvPr/>
-        </p:nvGrpSpPr>
-        <p:grpSpPr>
-          <a:xfrm>
-            <a:off x="9362492" y="565417"/>
-            <a:ext cx="2045967" cy="650693"/>
-            <a:chOff x="4158891" y="2807934"/>
-            <a:chExt cx="2513506" cy="765468"/>
-          </a:xfrm>
-        </p:grpSpPr>
-        <p:sp>
-          <p:nvSpPr>
-            <p:cNvPr id="15" name="Arrow: Right 14">
-              <a:extLst>
-                <a:ext uri="{FF2B5EF4-FFF2-40B4-BE49-F238E27FC236}">
-                  <a16:creationId xmlns:a16="http://schemas.microsoft.com/office/drawing/2014/main" id="{79C998C4-EA96-3B18-3422-77DB41A70565}"/>
-                </a:ext>
-              </a:extLst>
-            </p:cNvPr>
-            <p:cNvSpPr/>
-            <p:nvPr/>
-          </p:nvSpPr>
-          <p:spPr>
-            <a:xfrm>
-              <a:off x="4158891" y="3063655"/>
-              <a:ext cx="723502" cy="352668"/>
-            </a:xfrm>
-            <a:prstGeom prst="rightArrow">
-              <a:avLst/>
-            </a:prstGeom>
-            <a:solidFill>
-              <a:srgbClr val="4F81BD"/>
-            </a:solidFill>
-            <a:ln w="25400" cap="flat" cmpd="sng" algn="ctr">
-              <a:solidFill>
-                <a:srgbClr val="4F81BD">
-                  <a:shade val="50000"/>
-                </a:srgbClr>
-              </a:solidFill>
-              <a:prstDash val="solid"/>
-            </a:ln>
-            <a:effectLst/>
-          </p:spPr>
-          <p:txBody>
-            <a:bodyPr rot="0" spcFirstLastPara="0" vert="horz" wrap="square" lIns="91440" tIns="45720" rIns="91440" bIns="45720" numCol="1" spcCol="0" rtlCol="0" fromWordArt="0" anchor="ctr" anchorCtr="0" forceAA="0" compatLnSpc="1">
-              <a:prstTxWarp prst="textNoShape">
-                <a:avLst/>
-              </a:prstTxWarp>
-              <a:noAutofit/>
-            </a:bodyPr>
-            <a:lstStyle/>
-            <a:p>
-              <a:endParaRPr lang="en-US"/>
-            </a:p>
-          </p:txBody>
-        </p:sp>
-        <p:graphicFrame>
-          <p:nvGraphicFramePr>
-            <p:cNvPr id="16" name="Object 15">
-              <a:extLst>
-                <a:ext uri="{FF2B5EF4-FFF2-40B4-BE49-F238E27FC236}">
-                  <a16:creationId xmlns:a16="http://schemas.microsoft.com/office/drawing/2014/main" id="{C639781E-8E25-6834-5978-9C6EC8864F90}"/>
-                </a:ext>
-              </a:extLst>
-            </p:cNvPr>
-            <p:cNvGraphicFramePr>
-              <a:graphicFrameLocks noChangeAspect="1"/>
-            </p:cNvGraphicFramePr>
-            <p:nvPr>
-              <p:extLst>
-                <p:ext uri="{D42A27DB-BD31-4B8C-83A1-F6EECF244321}">
-                  <p14:modId xmlns:p14="http://schemas.microsoft.com/office/powerpoint/2010/main" val="4238664095"/>
-                </p:ext>
-              </p:extLst>
-            </p:nvPr>
-          </p:nvGraphicFramePr>
-          <p:xfrm>
-            <a:off x="5288212" y="2807934"/>
-            <a:ext cx="1384185" cy="765468"/>
-          </p:xfrm>
-          <a:graphic>
-            <a:graphicData uri="http://schemas.openxmlformats.org/presentationml/2006/ole">
-              <mc:AlternateContent xmlns:mc="http://schemas.openxmlformats.org/markup-compatibility/2006">
-                <mc:Choice xmlns:v="urn:schemas-microsoft-com:vml" Requires="v">
-                  <p:oleObj name="Bitmap Image" r:id="rId2" imgW="3067478" imgH="1857143" progId="Paint.Picture">
-                    <p:embed/>
-                  </p:oleObj>
-                </mc:Choice>
-                <mc:Fallback>
-                  <p:oleObj name="Bitmap Image" r:id="rId2" imgW="3067478" imgH="1857143" progId="Paint.Picture">
-                    <p:embed/>
-                    <p:pic>
-                      <p:nvPicPr>
-                        <p:cNvPr id="15" name="Object 14">
-                          <a:extLst>
-                            <a:ext uri="{FF2B5EF4-FFF2-40B4-BE49-F238E27FC236}">
-                              <a16:creationId xmlns:a16="http://schemas.microsoft.com/office/drawing/2014/main" id="{8C2F5E2B-5E1D-CA30-4380-A72A16490844}"/>
-                            </a:ext>
-                          </a:extLst>
-                        </p:cNvPr>
-                        <p:cNvPicPr>
-                          <a:picLocks noChangeAspect="1" noChangeArrowheads="1"/>
-                        </p:cNvPicPr>
-                        <p:nvPr/>
-                      </p:nvPicPr>
-                      <p:blipFill>
-                        <a:blip r:embed="rId3">
-                          <a:extLst>
-                            <a:ext uri="{28A0092B-C50C-407E-A947-70E740481C1C}">
-                              <a14:useLocalDpi xmlns:a14="http://schemas.microsoft.com/office/drawing/2010/main" val="0"/>
-                            </a:ext>
-                          </a:extLst>
-                        </a:blip>
-                        <a:srcRect/>
-                        <a:stretch>
-                          <a:fillRect/>
-                        </a:stretch>
-                      </p:blipFill>
-                      <p:spPr bwMode="auto">
-                        <a:xfrm>
-                          <a:off x="5288212" y="2807934"/>
-                          <a:ext cx="1384185" cy="765468"/>
-                        </a:xfrm>
-                        <a:prstGeom prst="rect">
-                          <a:avLst/>
-                        </a:prstGeom>
-                        <a:noFill/>
-                      </p:spPr>
-                    </p:pic>
-                  </p:oleObj>
-                </mc:Fallback>
-              </mc:AlternateContent>
-            </a:graphicData>
-          </a:graphic>
-        </p:graphicFrame>
-      </p:grpSp>
-      <p:sp>
-        <p:nvSpPr>
-          <p:cNvPr id="17" name="TextBox 16">
-            <a:extLst>
-              <a:ext uri="{FF2B5EF4-FFF2-40B4-BE49-F238E27FC236}">
-                <a16:creationId xmlns:a16="http://schemas.microsoft.com/office/drawing/2014/main" id="{355A9D46-DF4C-0008-B2EE-0740B249F53C}"/>
-              </a:ext>
-            </a:extLst>
-          </p:cNvPr>
-          <p:cNvSpPr txBox="1"/>
-          <p:nvPr/>
-        </p:nvSpPr>
-        <p:spPr>
-          <a:xfrm>
-            <a:off x="2333982" y="2723295"/>
-            <a:ext cx="3916200" cy="369332"/>
-          </a:xfrm>
-          <a:prstGeom prst="rect">
-            <a:avLst/>
-          </a:prstGeom>
-          <a:solidFill>
-            <a:srgbClr val="FFFF00"/>
-          </a:solidFill>
-        </p:spPr>
-        <p:txBody>
-          <a:bodyPr wrap="none" rtlCol="0">
-            <a:spAutoFit/>
-          </a:bodyPr>
-          <a:lstStyle/>
-          <a:p>
-            <a:r>
-              <a:rPr lang="en-US" dirty="0"/>
-              <a:t>Index      </a:t>
-            </a:r>
-            <a:r>
-              <a:rPr lang="en-US" b="1" dirty="0">
-                <a:solidFill>
-                  <a:srgbClr val="FF0000"/>
-                </a:solidFill>
-              </a:rPr>
-              <a:t>0               1               2                3</a:t>
-            </a:r>
-            <a:endParaRPr lang="en-SG" b="1" dirty="0">
-              <a:solidFill>
-                <a:srgbClr val="FF0000"/>
-              </a:solidFill>
-            </a:endParaRPr>
-          </a:p>
-        </p:txBody>
-      </p:sp>
-    </p:spTree>
-    <p:extLst>
-      <p:ext uri="{BB962C8B-B14F-4D97-AF65-F5344CB8AC3E}">
-        <p14:creationId xmlns:p14="http://schemas.microsoft.com/office/powerpoint/2010/main" val="1557828940"/>
-      </p:ext>
-    </p:extLst>
-  </p:cSld>
-  <p:clrMapOvr>
-    <a:masterClrMapping/>
-  </p:clrMapOvr>
-  <p:timing>
-    <p:tnLst>
-      <p:par>
-        <p:cTn id="1" dur="indefinite" restart="never" nodeType="tmRoot">
-          <p:childTnLst>
-            <p:seq concurrent="1" nextAc="seek">
-              <p:cTn id="2" dur="indefinite" nodeType="mainSeq">
-                <p:childTnLst>
-                  <p:par>
-                    <p:cTn id="3" fill="hold">
-                      <p:stCondLst>
-                        <p:cond delay="indefinite"/>
-                      </p:stCondLst>
-                      <p:childTnLst>
-                        <p:par>
-                          <p:cTn id="4" fill="hold">
-                            <p:stCondLst>
-                              <p:cond delay="0"/>
-                            </p:stCondLst>
-                            <p:childTnLst>
-                              <p:par>
-                                <p:cTn id="5" presetID="2" presetClass="entr" presetSubtype="4" fill="hold" nodeType="clickEffect">
-                                  <p:stCondLst>
-                                    <p:cond delay="0"/>
-                                  </p:stCondLst>
-                                  <p:childTnLst>
-                                    <p:set>
-                                      <p:cBhvr>
-                                        <p:cTn id="6" dur="1" fill="hold">
-                                          <p:stCondLst>
-                                            <p:cond delay="0"/>
-                                          </p:stCondLst>
-                                        </p:cTn>
-                                        <p:tgtEl>
-                                          <p:spTgt spid="12"/>
-                                        </p:tgtEl>
-                                        <p:attrNameLst>
-                                          <p:attrName>style.visibility</p:attrName>
-                                        </p:attrNameLst>
-                                      </p:cBhvr>
-                                      <p:to>
-                                        <p:strVal val="visible"/>
-                                      </p:to>
-                                    </p:set>
-                                    <p:anim calcmode="lin" valueType="num">
-                                      <p:cBhvr additive="base">
-                                        <p:cTn id="7" dur="500" fill="hold"/>
-                                        <p:tgtEl>
-                                          <p:spTgt spid="12"/>
-                                        </p:tgtEl>
-                                        <p:attrNameLst>
-                                          <p:attrName>ppt_x</p:attrName>
-                                        </p:attrNameLst>
-                                      </p:cBhvr>
-                                      <p:tavLst>
-                                        <p:tav tm="0">
-                                          <p:val>
-                                            <p:strVal val="#ppt_x"/>
-                                          </p:val>
-                                        </p:tav>
-                                        <p:tav tm="100000">
-                                          <p:val>
-                                            <p:strVal val="#ppt_x"/>
-                                          </p:val>
-                                        </p:tav>
-                                      </p:tavLst>
-                                    </p:anim>
-                                    <p:anim calcmode="lin" valueType="num">
-                                      <p:cBhvr additive="base">
-                                        <p:cTn id="8" dur="500" fill="hold"/>
-                                        <p:tgtEl>
-                                          <p:spTgt spid="12"/>
-                                        </p:tgtEl>
-                                        <p:attrNameLst>
-                                          <p:attrName>ppt_y</p:attrName>
-                                        </p:attrNameLst>
-                                      </p:cBhvr>
-                                      <p:tavLst>
-                                        <p:tav tm="0">
-                                          <p:val>
-                                            <p:strVal val="1+#ppt_h/2"/>
-                                          </p:val>
-                                        </p:tav>
-                                        <p:tav tm="100000">
-                                          <p:val>
-                                            <p:strVal val="#ppt_y"/>
-                                          </p:val>
-                                        </p:tav>
-                                      </p:tavLst>
-                                    </p:anim>
-                                  </p:childTnLst>
-                                </p:cTn>
-                              </p:par>
-                            </p:childTnLst>
-                          </p:cTn>
-                        </p:par>
-                      </p:childTnLst>
-                    </p:cTn>
-                  </p:par>
-                  <p:par>
-                    <p:cTn id="9" fill="hold">
-                      <p:stCondLst>
-                        <p:cond delay="indefinite"/>
-                      </p:stCondLst>
-                      <p:childTnLst>
-                        <p:par>
-                          <p:cTn id="10" fill="hold">
-                            <p:stCondLst>
-                              <p:cond delay="0"/>
-                            </p:stCondLst>
-                            <p:childTnLst>
-                              <p:par>
-                                <p:cTn id="11" presetID="2" presetClass="entr" presetSubtype="4" fill="hold" nodeType="clickEffect">
-                                  <p:stCondLst>
-                                    <p:cond delay="0"/>
-                                  </p:stCondLst>
-                                  <p:childTnLst>
-                                    <p:set>
-                                      <p:cBhvr>
-                                        <p:cTn id="12" dur="1" fill="hold">
-                                          <p:stCondLst>
-                                            <p:cond delay="0"/>
-                                          </p:stCondLst>
-                                        </p:cTn>
-                                        <p:tgtEl>
-                                          <p:spTgt spid="14"/>
-                                        </p:tgtEl>
-                                        <p:attrNameLst>
-                                          <p:attrName>style.visibility</p:attrName>
-                                        </p:attrNameLst>
-                                      </p:cBhvr>
-                                      <p:to>
-                                        <p:strVal val="visible"/>
-                                      </p:to>
-                                    </p:set>
-                                    <p:anim calcmode="lin" valueType="num">
-                                      <p:cBhvr additive="base">
-                                        <p:cTn id="13" dur="500" fill="hold"/>
-                                        <p:tgtEl>
-                                          <p:spTgt spid="14"/>
-                                        </p:tgtEl>
-                                        <p:attrNameLst>
-                                          <p:attrName>ppt_x</p:attrName>
-                                        </p:attrNameLst>
-                                      </p:cBhvr>
-                                      <p:tavLst>
-                                        <p:tav tm="0">
-                                          <p:val>
-                                            <p:strVal val="#ppt_x"/>
-                                          </p:val>
-                                        </p:tav>
-                                        <p:tav tm="100000">
-                                          <p:val>
-                                            <p:strVal val="#ppt_x"/>
-                                          </p:val>
-                                        </p:tav>
-                                      </p:tavLst>
-                                    </p:anim>
-                                    <p:anim calcmode="lin" valueType="num">
-                                      <p:cBhvr additive="base">
-                                        <p:cTn id="14" dur="500" fill="hold"/>
-                                        <p:tgtEl>
-                                          <p:spTgt spid="14"/>
-                                        </p:tgtEl>
-                                        <p:attrNameLst>
-                                          <p:attrName>ppt_y</p:attrName>
-                                        </p:attrNameLst>
-                                      </p:cBhvr>
-                                      <p:tavLst>
-                                        <p:tav tm="0">
-                                          <p:val>
-                                            <p:strVal val="1+#ppt_h/2"/>
-                                          </p:val>
-                                        </p:tav>
-                                        <p:tav tm="100000">
-                                          <p:val>
-                                            <p:strVal val="#ppt_y"/>
-                                          </p:val>
-                                        </p:tav>
-                                      </p:tavLst>
-                                    </p:anim>
-                                  </p:childTnLst>
-                                </p:cTn>
-                              </p:par>
-                            </p:childTnLst>
-                          </p:cTn>
-                        </p:par>
-                      </p:childTnLst>
-                    </p:cTn>
-                  </p:par>
-                  <p:par>
-                    <p:cTn id="15" fill="hold">
-                      <p:stCondLst>
-                        <p:cond delay="indefinite"/>
-                      </p:stCondLst>
-                      <p:childTnLst>
-                        <p:par>
-                          <p:cTn id="16" fill="hold">
-                            <p:stCondLst>
-                              <p:cond delay="0"/>
-                            </p:stCondLst>
-                            <p:childTnLst>
-                              <p:par>
-                                <p:cTn id="17" presetID="2" presetClass="entr" presetSubtype="4" fill="hold" grpId="0" nodeType="clickEffect">
-                                  <p:stCondLst>
-                                    <p:cond delay="0"/>
-                                  </p:stCondLst>
-                                  <p:childTnLst>
-                                    <p:set>
-                                      <p:cBhvr>
-                                        <p:cTn id="18" dur="1" fill="hold">
-                                          <p:stCondLst>
-                                            <p:cond delay="0"/>
-                                          </p:stCondLst>
-                                        </p:cTn>
-                                        <p:tgtEl>
-                                          <p:spTgt spid="13"/>
-                                        </p:tgtEl>
-                                        <p:attrNameLst>
-                                          <p:attrName>style.visibility</p:attrName>
-                                        </p:attrNameLst>
-                                      </p:cBhvr>
-                                      <p:to>
-                                        <p:strVal val="visible"/>
-                                      </p:to>
-                                    </p:set>
-                                    <p:anim calcmode="lin" valueType="num">
-                                      <p:cBhvr additive="base">
-                                        <p:cTn id="19" dur="500" fill="hold"/>
-                                        <p:tgtEl>
-                                          <p:spTgt spid="13"/>
-                                        </p:tgtEl>
-                                        <p:attrNameLst>
-                                          <p:attrName>ppt_x</p:attrName>
-                                        </p:attrNameLst>
-                                      </p:cBhvr>
-                                      <p:tavLst>
-                                        <p:tav tm="0">
-                                          <p:val>
-                                            <p:strVal val="#ppt_x"/>
-                                          </p:val>
-                                        </p:tav>
-                                        <p:tav tm="100000">
-                                          <p:val>
-                                            <p:strVal val="#ppt_x"/>
-                                          </p:val>
-                                        </p:tav>
-                                      </p:tavLst>
-                                    </p:anim>
-                                    <p:anim calcmode="lin" valueType="num">
-                                      <p:cBhvr additive="base">
-                                        <p:cTn id="20" dur="500" fill="hold"/>
-                                        <p:tgtEl>
-                                          <p:spTgt spid="13"/>
-                                        </p:tgtEl>
-                                        <p:attrNameLst>
-                                          <p:attrName>ppt_y</p:attrName>
-                                        </p:attrNameLst>
-                                      </p:cBhvr>
-                                      <p:tavLst>
-                                        <p:tav tm="0">
-                                          <p:val>
-                                            <p:strVal val="1+#ppt_h/2"/>
-                                          </p:val>
-                                        </p:tav>
-                                        <p:tav tm="100000">
-                                          <p:val>
-                                            <p:strVal val="#ppt_y"/>
-                                          </p:val>
-                                        </p:tav>
-                                      </p:tavLst>
-                                    </p:anim>
-                                  </p:childTnLst>
-                                </p:cTn>
-                              </p:par>
-                            </p:childTnLst>
-                          </p:cTn>
-                        </p:par>
-                      </p:childTnLst>
-                    </p:cTn>
-                  </p:par>
-                  <p:par>
-                    <p:cTn id="21" fill="hold">
-                      <p:stCondLst>
-                        <p:cond delay="indefinite"/>
-                      </p:stCondLst>
-                      <p:childTnLst>
-                        <p:par>
-                          <p:cTn id="22" fill="hold">
-                            <p:stCondLst>
-                              <p:cond delay="0"/>
-                            </p:stCondLst>
-                            <p:childTnLst>
-                              <p:par>
-                                <p:cTn id="23" presetID="2" presetClass="entr" presetSubtype="4" fill="hold" grpId="0" nodeType="clickEffect">
-                                  <p:stCondLst>
-                                    <p:cond delay="0"/>
-                                  </p:stCondLst>
-                                  <p:childTnLst>
-                                    <p:set>
-                                      <p:cBhvr>
-                                        <p:cTn id="24" dur="1" fill="hold">
-                                          <p:stCondLst>
-                                            <p:cond delay="0"/>
-                                          </p:stCondLst>
-                                        </p:cTn>
-                                        <p:tgtEl>
-                                          <p:spTgt spid="4"/>
-                                        </p:tgtEl>
-                                        <p:attrNameLst>
-                                          <p:attrName>style.visibility</p:attrName>
-                                        </p:attrNameLst>
-                                      </p:cBhvr>
-                                      <p:to>
-                                        <p:strVal val="visible"/>
-                                      </p:to>
-                                    </p:set>
-                                    <p:anim calcmode="lin" valueType="num">
-                                      <p:cBhvr additive="base">
-                                        <p:cTn id="25" dur="500" fill="hold"/>
-                                        <p:tgtEl>
-                                          <p:spTgt spid="4"/>
-                                        </p:tgtEl>
-                                        <p:attrNameLst>
-                                          <p:attrName>ppt_x</p:attrName>
-                                        </p:attrNameLst>
-                                      </p:cBhvr>
-                                      <p:tavLst>
-                                        <p:tav tm="0">
-                                          <p:val>
-                                            <p:strVal val="#ppt_x"/>
-                                          </p:val>
-                                        </p:tav>
-                                        <p:tav tm="100000">
-                                          <p:val>
-                                            <p:strVal val="#ppt_x"/>
-                                          </p:val>
-                                        </p:tav>
-                                      </p:tavLst>
-                                    </p:anim>
-                                    <p:anim calcmode="lin" valueType="num">
-                                      <p:cBhvr additive="base">
-                                        <p:cTn id="26" dur="500" fill="hold"/>
-                                        <p:tgtEl>
-                                          <p:spTgt spid="4"/>
-                                        </p:tgtEl>
-                                        <p:attrNameLst>
-                                          <p:attrName>ppt_y</p:attrName>
-                                        </p:attrNameLst>
-                                      </p:cBhvr>
-                                      <p:tavLst>
-                                        <p:tav tm="0">
-                                          <p:val>
-                                            <p:strVal val="1+#ppt_h/2"/>
-                                          </p:val>
-                                        </p:tav>
-                                        <p:tav tm="100000">
-                                          <p:val>
-                                            <p:strVal val="#ppt_y"/>
-                                          </p:val>
-                                        </p:tav>
-                                      </p:tavLst>
-                                    </p:anim>
-                                  </p:childTnLst>
-                                </p:cTn>
-                              </p:par>
-                            </p:childTnLst>
-                          </p:cTn>
-                        </p:par>
-                      </p:childTnLst>
-                    </p:cTn>
-                  </p:par>
-                  <p:par>
-                    <p:cTn id="27" fill="hold">
-                      <p:stCondLst>
-                        <p:cond delay="indefinite"/>
-                      </p:stCondLst>
-                      <p:childTnLst>
-                        <p:par>
-                          <p:cTn id="28" fill="hold">
-                            <p:stCondLst>
-                              <p:cond delay="0"/>
-                            </p:stCondLst>
-                            <p:childTnLst>
-                              <p:par>
-                                <p:cTn id="29" presetID="2" presetClass="entr" presetSubtype="4" fill="hold" grpId="0" nodeType="clickEffect">
-                                  <p:stCondLst>
-                                    <p:cond delay="0"/>
-                                  </p:stCondLst>
-                                  <p:childTnLst>
-                                    <p:set>
-                                      <p:cBhvr>
-                                        <p:cTn id="30" dur="1" fill="hold">
-                                          <p:stCondLst>
-                                            <p:cond delay="0"/>
-                                          </p:stCondLst>
-                                        </p:cTn>
-                                        <p:tgtEl>
-                                          <p:spTgt spid="5"/>
-                                        </p:tgtEl>
-                                        <p:attrNameLst>
-                                          <p:attrName>style.visibility</p:attrName>
-                                        </p:attrNameLst>
-                                      </p:cBhvr>
-                                      <p:to>
-                                        <p:strVal val="visible"/>
-                                      </p:to>
-                                    </p:set>
-                                    <p:anim calcmode="lin" valueType="num">
-                                      <p:cBhvr additive="base">
-                                        <p:cTn id="31" dur="500" fill="hold"/>
-                                        <p:tgtEl>
-                                          <p:spTgt spid="5"/>
-                                        </p:tgtEl>
-                                        <p:attrNameLst>
-                                          <p:attrName>ppt_x</p:attrName>
-                                        </p:attrNameLst>
-                                      </p:cBhvr>
-                                      <p:tavLst>
-                                        <p:tav tm="0">
-                                          <p:val>
-                                            <p:strVal val="#ppt_x"/>
-                                          </p:val>
-                                        </p:tav>
-                                        <p:tav tm="100000">
-                                          <p:val>
-                                            <p:strVal val="#ppt_x"/>
-                                          </p:val>
-                                        </p:tav>
-                                      </p:tavLst>
-                                    </p:anim>
-                                    <p:anim calcmode="lin" valueType="num">
-                                      <p:cBhvr additive="base">
-                                        <p:cTn id="32" dur="500" fill="hold"/>
-                                        <p:tgtEl>
-                                          <p:spTgt spid="5"/>
-                                        </p:tgtEl>
-                                        <p:attrNameLst>
-                                          <p:attrName>ppt_y</p:attrName>
-                                        </p:attrNameLst>
-                                      </p:cBhvr>
-                                      <p:tavLst>
-                                        <p:tav tm="0">
-                                          <p:val>
-                                            <p:strVal val="1+#ppt_h/2"/>
-                                          </p:val>
-                                        </p:tav>
-                                        <p:tav tm="100000">
-                                          <p:val>
-                                            <p:strVal val="#ppt_y"/>
-                                          </p:val>
-                                        </p:tav>
-                                      </p:tavLst>
-                                    </p:anim>
-                                  </p:childTnLst>
-                                </p:cTn>
-                              </p:par>
-                            </p:childTnLst>
-                          </p:cTn>
-                        </p:par>
-                      </p:childTnLst>
-                    </p:cTn>
-                  </p:par>
-                  <p:par>
-                    <p:cTn id="33" fill="hold">
-                      <p:stCondLst>
-                        <p:cond delay="indefinite"/>
-                      </p:stCondLst>
-                      <p:childTnLst>
-                        <p:par>
-                          <p:cTn id="34" fill="hold">
-                            <p:stCondLst>
-                              <p:cond delay="0"/>
-                            </p:stCondLst>
-                            <p:childTnLst>
-                              <p:par>
-                                <p:cTn id="35" presetID="2" presetClass="entr" presetSubtype="4" fill="hold" grpId="0" nodeType="clickEffect">
-                                  <p:stCondLst>
-                                    <p:cond delay="0"/>
-                                  </p:stCondLst>
-                                  <p:childTnLst>
-                                    <p:set>
-                                      <p:cBhvr>
-                                        <p:cTn id="36" dur="1" fill="hold">
-                                          <p:stCondLst>
-                                            <p:cond delay="0"/>
-                                          </p:stCondLst>
-                                        </p:cTn>
-                                        <p:tgtEl>
-                                          <p:spTgt spid="17"/>
-                                        </p:tgtEl>
-                                        <p:attrNameLst>
-                                          <p:attrName>style.visibility</p:attrName>
-                                        </p:attrNameLst>
-                                      </p:cBhvr>
-                                      <p:to>
-                                        <p:strVal val="visible"/>
-                                      </p:to>
-                                    </p:set>
-                                    <p:anim calcmode="lin" valueType="num">
-                                      <p:cBhvr additive="base">
-                                        <p:cTn id="37" dur="500" fill="hold"/>
-                                        <p:tgtEl>
-                                          <p:spTgt spid="17"/>
-                                        </p:tgtEl>
-                                        <p:attrNameLst>
-                                          <p:attrName>ppt_x</p:attrName>
-                                        </p:attrNameLst>
-                                      </p:cBhvr>
-                                      <p:tavLst>
-                                        <p:tav tm="0">
-                                          <p:val>
-                                            <p:strVal val="#ppt_x"/>
-                                          </p:val>
-                                        </p:tav>
-                                        <p:tav tm="100000">
-                                          <p:val>
-                                            <p:strVal val="#ppt_x"/>
-                                          </p:val>
-                                        </p:tav>
-                                      </p:tavLst>
-                                    </p:anim>
-                                    <p:anim calcmode="lin" valueType="num">
-                                      <p:cBhvr additive="base">
-                                        <p:cTn id="38" dur="500" fill="hold"/>
-                                        <p:tgtEl>
-                                          <p:spTgt spid="17"/>
-                                        </p:tgtEl>
-                                        <p:attrNameLst>
-                                          <p:attrName>ppt_y</p:attrName>
-                                        </p:attrNameLst>
-                                      </p:cBhvr>
-                                      <p:tavLst>
-                                        <p:tav tm="0">
-                                          <p:val>
-                                            <p:strVal val="1+#ppt_h/2"/>
-                                          </p:val>
-                                        </p:tav>
-                                        <p:tav tm="100000">
-                                          <p:val>
-                                            <p:strVal val="#ppt_y"/>
-                                          </p:val>
-                                        </p:tav>
-                                      </p:tavLst>
-                                    </p:anim>
-                                  </p:childTnLst>
-                                </p:cTn>
-                              </p:par>
-                            </p:childTnLst>
-                          </p:cTn>
-                        </p:par>
-                      </p:childTnLst>
-                    </p:cTn>
-                  </p:par>
-                  <p:par>
-                    <p:cTn id="39" fill="hold">
-                      <p:stCondLst>
-                        <p:cond delay="indefinite"/>
-                      </p:stCondLst>
-                      <p:childTnLst>
-                        <p:par>
-                          <p:cTn id="40" fill="hold">
-                            <p:stCondLst>
-                              <p:cond delay="0"/>
-                            </p:stCondLst>
-                            <p:childTnLst>
-                              <p:par>
-                                <p:cTn id="41" presetID="2" presetClass="entr" presetSubtype="4" fill="hold" grpId="0" nodeType="clickEffect">
-                                  <p:stCondLst>
-                                    <p:cond delay="0"/>
-                                  </p:stCondLst>
-                                  <p:childTnLst>
-                                    <p:set>
-                                      <p:cBhvr>
-                                        <p:cTn id="42" dur="1" fill="hold">
-                                          <p:stCondLst>
-                                            <p:cond delay="0"/>
-                                          </p:stCondLst>
-                                        </p:cTn>
-                                        <p:tgtEl>
-                                          <p:spTgt spid="6"/>
-                                        </p:tgtEl>
-                                        <p:attrNameLst>
-                                          <p:attrName>style.visibility</p:attrName>
-                                        </p:attrNameLst>
-                                      </p:cBhvr>
-                                      <p:to>
-                                        <p:strVal val="visible"/>
-                                      </p:to>
-                                    </p:set>
-                                    <p:anim calcmode="lin" valueType="num">
-                                      <p:cBhvr additive="base">
-                                        <p:cTn id="43" dur="500" fill="hold"/>
-                                        <p:tgtEl>
-                                          <p:spTgt spid="6"/>
-                                        </p:tgtEl>
-                                        <p:attrNameLst>
-                                          <p:attrName>ppt_x</p:attrName>
-                                        </p:attrNameLst>
-                                      </p:cBhvr>
-                                      <p:tavLst>
-                                        <p:tav tm="0">
-                                          <p:val>
-                                            <p:strVal val="#ppt_x"/>
-                                          </p:val>
-                                        </p:tav>
-                                        <p:tav tm="100000">
-                                          <p:val>
-                                            <p:strVal val="#ppt_x"/>
-                                          </p:val>
-                                        </p:tav>
-                                      </p:tavLst>
-                                    </p:anim>
-                                    <p:anim calcmode="lin" valueType="num">
-                                      <p:cBhvr additive="base">
-                                        <p:cTn id="44" dur="500" fill="hold"/>
-                                        <p:tgtEl>
-                                          <p:spTgt spid="6"/>
-                                        </p:tgtEl>
-                                        <p:attrNameLst>
-                                          <p:attrName>ppt_y</p:attrName>
-                                        </p:attrNameLst>
-                                      </p:cBhvr>
-                                      <p:tavLst>
-                                        <p:tav tm="0">
-                                          <p:val>
-                                            <p:strVal val="1+#ppt_h/2"/>
-                                          </p:val>
-                                        </p:tav>
-                                        <p:tav tm="100000">
-                                          <p:val>
-                                            <p:strVal val="#ppt_y"/>
-                                          </p:val>
-                                        </p:tav>
-                                      </p:tavLst>
-                                    </p:anim>
-                                  </p:childTnLst>
-                                </p:cTn>
-                              </p:par>
-                            </p:childTnLst>
-                          </p:cTn>
-                        </p:par>
-                      </p:childTnLst>
-                    </p:cTn>
-                  </p:par>
-                  <p:par>
-                    <p:cTn id="45" fill="hold">
-                      <p:stCondLst>
-                        <p:cond delay="indefinite"/>
-                      </p:stCondLst>
-                      <p:childTnLst>
-                        <p:par>
-                          <p:cTn id="46" fill="hold">
-                            <p:stCondLst>
-                              <p:cond delay="0"/>
-                            </p:stCondLst>
-                            <p:childTnLst>
-                              <p:par>
-                                <p:cTn id="47" presetID="2" presetClass="entr" presetSubtype="4" fill="hold" grpId="0" nodeType="clickEffect">
-                                  <p:stCondLst>
-                                    <p:cond delay="0"/>
-                                  </p:stCondLst>
-                                  <p:childTnLst>
-                                    <p:set>
-                                      <p:cBhvr>
-                                        <p:cTn id="48" dur="1" fill="hold">
-                                          <p:stCondLst>
-                                            <p:cond delay="0"/>
-                                          </p:stCondLst>
-                                        </p:cTn>
-                                        <p:tgtEl>
-                                          <p:spTgt spid="7"/>
-                                        </p:tgtEl>
-                                        <p:attrNameLst>
-                                          <p:attrName>style.visibility</p:attrName>
-                                        </p:attrNameLst>
-                                      </p:cBhvr>
-                                      <p:to>
-                                        <p:strVal val="visible"/>
-                                      </p:to>
-                                    </p:set>
-                                    <p:anim calcmode="lin" valueType="num">
-                                      <p:cBhvr additive="base">
-                                        <p:cTn id="49" dur="500" fill="hold"/>
-                                        <p:tgtEl>
-                                          <p:spTgt spid="7"/>
-                                        </p:tgtEl>
-                                        <p:attrNameLst>
-                                          <p:attrName>ppt_x</p:attrName>
-                                        </p:attrNameLst>
-                                      </p:cBhvr>
-                                      <p:tavLst>
-                                        <p:tav tm="0">
-                                          <p:val>
-                                            <p:strVal val="#ppt_x"/>
-                                          </p:val>
-                                        </p:tav>
-                                        <p:tav tm="100000">
-                                          <p:val>
-                                            <p:strVal val="#ppt_x"/>
-                                          </p:val>
-                                        </p:tav>
-                                      </p:tavLst>
-                                    </p:anim>
-                                    <p:anim calcmode="lin" valueType="num">
-                                      <p:cBhvr additive="base">
-                                        <p:cTn id="50" dur="500" fill="hold"/>
-                                        <p:tgtEl>
-                                          <p:spTgt spid="7"/>
-                                        </p:tgtEl>
-                                        <p:attrNameLst>
-                                          <p:attrName>ppt_y</p:attrName>
-                                        </p:attrNameLst>
-                                      </p:cBhvr>
-                                      <p:tavLst>
-                                        <p:tav tm="0">
-                                          <p:val>
-                                            <p:strVal val="1+#ppt_h/2"/>
-                                          </p:val>
-                                        </p:tav>
-                                        <p:tav tm="100000">
-                                          <p:val>
-                                            <p:strVal val="#ppt_y"/>
-                                          </p:val>
-                                        </p:tav>
-                                      </p:tavLst>
-                                    </p:anim>
-                                  </p:childTnLst>
-                                </p:cTn>
-                              </p:par>
-                            </p:childTnLst>
-                          </p:cTn>
-                        </p:par>
-                      </p:childTnLst>
-                    </p:cTn>
-                  </p:par>
-                  <p:par>
-                    <p:cTn id="51" fill="hold">
-                      <p:stCondLst>
-                        <p:cond delay="indefinite"/>
-                      </p:stCondLst>
-                      <p:childTnLst>
-                        <p:par>
-                          <p:cTn id="52" fill="hold">
-                            <p:stCondLst>
-                              <p:cond delay="0"/>
-                            </p:stCondLst>
-                            <p:childTnLst>
-                              <p:par>
-                                <p:cTn id="53" presetID="2" presetClass="entr" presetSubtype="4" fill="hold" grpId="0" nodeType="clickEffect">
-                                  <p:stCondLst>
-                                    <p:cond delay="0"/>
-                                  </p:stCondLst>
-                                  <p:childTnLst>
-                                    <p:set>
-                                      <p:cBhvr>
-                                        <p:cTn id="54" dur="1" fill="hold">
-                                          <p:stCondLst>
-                                            <p:cond delay="0"/>
-                                          </p:stCondLst>
-                                        </p:cTn>
-                                        <p:tgtEl>
-                                          <p:spTgt spid="8"/>
-                                        </p:tgtEl>
-                                        <p:attrNameLst>
-                                          <p:attrName>style.visibility</p:attrName>
-                                        </p:attrNameLst>
-                                      </p:cBhvr>
-                                      <p:to>
-                                        <p:strVal val="visible"/>
-                                      </p:to>
-                                    </p:set>
-                                    <p:anim calcmode="lin" valueType="num">
-                                      <p:cBhvr additive="base">
-                                        <p:cTn id="55" dur="500" fill="hold"/>
-                                        <p:tgtEl>
-                                          <p:spTgt spid="8"/>
-                                        </p:tgtEl>
-                                        <p:attrNameLst>
-                                          <p:attrName>ppt_x</p:attrName>
-                                        </p:attrNameLst>
-                                      </p:cBhvr>
-                                      <p:tavLst>
-                                        <p:tav tm="0">
-                                          <p:val>
-                                            <p:strVal val="#ppt_x"/>
-                                          </p:val>
-                                        </p:tav>
-                                        <p:tav tm="100000">
-                                          <p:val>
-                                            <p:strVal val="#ppt_x"/>
-                                          </p:val>
-                                        </p:tav>
-                                      </p:tavLst>
-                                    </p:anim>
-                                    <p:anim calcmode="lin" valueType="num">
-                                      <p:cBhvr additive="base">
-                                        <p:cTn id="56" dur="500" fill="hold"/>
-                                        <p:tgtEl>
-                                          <p:spTgt spid="8"/>
-                                        </p:tgtEl>
-                                        <p:attrNameLst>
-                                          <p:attrName>ppt_y</p:attrName>
-                                        </p:attrNameLst>
-                                      </p:cBhvr>
-                                      <p:tavLst>
-                                        <p:tav tm="0">
-                                          <p:val>
-                                            <p:strVal val="1+#ppt_h/2"/>
-                                          </p:val>
-                                        </p:tav>
-                                        <p:tav tm="100000">
-                                          <p:val>
-                                            <p:strVal val="#ppt_y"/>
-                                          </p:val>
-                                        </p:tav>
-                                      </p:tavLst>
-                                    </p:anim>
-                                  </p:childTnLst>
-                                </p:cTn>
-                              </p:par>
-                            </p:childTnLst>
-                          </p:cTn>
-                        </p:par>
-                      </p:childTnLst>
-                    </p:cTn>
-                  </p:par>
-                </p:childTnLst>
-              </p:cTn>
-              <p:prevCondLst>
-                <p:cond evt="onPrev" delay="0">
-                  <p:tgtEl>
-                    <p:sldTgt/>
-                  </p:tgtEl>
-                </p:cond>
-              </p:prevCondLst>
-              <p:nextCondLst>
-                <p:cond evt="onNext" delay="0">
-                  <p:tgtEl>
-                    <p:sldTgt/>
-                  </p:tgtEl>
-                </p:cond>
-              </p:nextCondLst>
-            </p:seq>
-          </p:childTnLst>
-        </p:cTn>
-      </p:par>
-    </p:tnLst>
-    <p:bldLst>
-      <p:bldP spid="4" grpId="0"/>
-      <p:bldP spid="5" grpId="0"/>
-      <p:bldP spid="6" grpId="0"/>
-      <p:bldP spid="7" grpId="0"/>
-      <p:bldP spid="8" grpId="0"/>
-      <p:bldP spid="13" grpId="0"/>
-      <p:bldP spid="17" grpId="0" animBg="1"/>
-    </p:bldLst>
-  </p:timing>
-</p:sld>
-</file>
-
-<file path=ppt/slides/slide8.xml><?xml version="1.0" encoding="utf-8"?>
+<file path=ppt/slides/slide9.xml><?xml version="1.0" encoding="utf-8"?>
 <p:sld xmlns:a="http://schemas.openxmlformats.org/drawingml/2006/main" xmlns:r="http://schemas.openxmlformats.org/officeDocument/2006/relationships" xmlns:p="http://schemas.openxmlformats.org/presentationml/2006/main">
   <p:cSld>
     <p:spTree>
@@ -13082,669 +15675,6 @@
         </p:cTn>
       </p:par>
     </p:tnLst>
-  </p:timing>
-</p:sld>
-</file>
-
-<file path=ppt/slides/slide9.xml><?xml version="1.0" encoding="utf-8"?>
-<p:sld xmlns:a="http://schemas.openxmlformats.org/drawingml/2006/main" xmlns:r="http://schemas.openxmlformats.org/officeDocument/2006/relationships" xmlns:p="http://schemas.openxmlformats.org/presentationml/2006/main">
-  <p:cSld>
-    <p:spTree>
-      <p:nvGrpSpPr>
-        <p:cNvPr id="1" name=""/>
-        <p:cNvGrpSpPr/>
-        <p:nvPr/>
-      </p:nvGrpSpPr>
-      <p:grpSpPr>
-        <a:xfrm>
-          <a:off x="0" y="0"/>
-          <a:ext cx="0" cy="0"/>
-          <a:chOff x="0" y="0"/>
-          <a:chExt cx="0" cy="0"/>
-        </a:xfrm>
-      </p:grpSpPr>
-      <p:pic>
-        <p:nvPicPr>
-          <p:cNvPr id="3" name="Picture 2">
-            <a:extLst>
-              <a:ext uri="{FF2B5EF4-FFF2-40B4-BE49-F238E27FC236}">
-                <a16:creationId xmlns:a16="http://schemas.microsoft.com/office/drawing/2014/main" id="{2C54A359-42C3-69D8-AC68-4C13004A30DA}"/>
-              </a:ext>
-            </a:extLst>
-          </p:cNvPr>
-          <p:cNvPicPr>
-            <a:picLocks noChangeAspect="1"/>
-          </p:cNvPicPr>
-          <p:nvPr/>
-        </p:nvPicPr>
-        <p:blipFill>
-          <a:blip r:embed="rId2"/>
-          <a:stretch>
-            <a:fillRect/>
-          </a:stretch>
-        </p:blipFill>
-        <p:spPr>
-          <a:xfrm>
-            <a:off x="665046" y="937296"/>
-            <a:ext cx="4486275" cy="5543550"/>
-          </a:xfrm>
-          <a:prstGeom prst="rect">
-            <a:avLst/>
-          </a:prstGeom>
-        </p:spPr>
-      </p:pic>
-      <p:sp>
-        <p:nvSpPr>
-          <p:cNvPr id="5" name="TextBox 4">
-            <a:extLst>
-              <a:ext uri="{FF2B5EF4-FFF2-40B4-BE49-F238E27FC236}">
-                <a16:creationId xmlns:a16="http://schemas.microsoft.com/office/drawing/2014/main" id="{E7F00B62-C808-AC3B-075D-C6D530F12ECD}"/>
-              </a:ext>
-            </a:extLst>
-          </p:cNvPr>
-          <p:cNvSpPr txBox="1"/>
-          <p:nvPr/>
-        </p:nvSpPr>
-        <p:spPr>
-          <a:xfrm>
-            <a:off x="595618" y="494950"/>
-            <a:ext cx="3548544" cy="369332"/>
-          </a:xfrm>
-          <a:prstGeom prst="rect">
-            <a:avLst/>
-          </a:prstGeom>
-          <a:noFill/>
-        </p:spPr>
-        <p:txBody>
-          <a:bodyPr wrap="square" rtlCol="0">
-            <a:spAutoFit/>
-          </a:bodyPr>
-          <a:lstStyle/>
-          <a:p>
-            <a:r>
-              <a:rPr lang="en-US" dirty="0"/>
-              <a:t>Introduction to the Python For Loop</a:t>
-            </a:r>
-          </a:p>
-        </p:txBody>
-      </p:sp>
-      <p:grpSp>
-        <p:nvGrpSpPr>
-          <p:cNvPr id="8" name="Group 7">
-            <a:extLst>
-              <a:ext uri="{FF2B5EF4-FFF2-40B4-BE49-F238E27FC236}">
-                <a16:creationId xmlns:a16="http://schemas.microsoft.com/office/drawing/2014/main" id="{84EB1F4E-BAEE-F5A1-DE81-ACAB62375261}"/>
-              </a:ext>
-            </a:extLst>
-          </p:cNvPr>
-          <p:cNvGrpSpPr/>
-          <p:nvPr/>
-        </p:nvGrpSpPr>
-        <p:grpSpPr>
-          <a:xfrm>
-            <a:off x="4351420" y="2700219"/>
-            <a:ext cx="6509964" cy="2466975"/>
-            <a:chOff x="4351420" y="2271013"/>
-            <a:chExt cx="6509964" cy="2466975"/>
-          </a:xfrm>
-        </p:grpSpPr>
-        <p:sp>
-          <p:nvSpPr>
-            <p:cNvPr id="4" name="Arrow: Right 3">
-              <a:extLst>
-                <a:ext uri="{FF2B5EF4-FFF2-40B4-BE49-F238E27FC236}">
-                  <a16:creationId xmlns:a16="http://schemas.microsoft.com/office/drawing/2014/main" id="{95B3FBC0-DCBD-B821-7D47-9563050B0760}"/>
-                </a:ext>
-              </a:extLst>
-            </p:cNvPr>
-            <p:cNvSpPr/>
-            <p:nvPr/>
-          </p:nvSpPr>
-          <p:spPr>
-            <a:xfrm>
-              <a:off x="4351420" y="3262184"/>
-              <a:ext cx="978408" cy="484632"/>
-            </a:xfrm>
-            <a:prstGeom prst="rightArrow">
-              <a:avLst/>
-            </a:prstGeom>
-          </p:spPr>
-          <p:style>
-            <a:lnRef idx="2">
-              <a:schemeClr val="accent1">
-                <a:shade val="50000"/>
-              </a:schemeClr>
-            </a:lnRef>
-            <a:fillRef idx="1">
-              <a:schemeClr val="accent1"/>
-            </a:fillRef>
-            <a:effectRef idx="0">
-              <a:schemeClr val="accent1"/>
-            </a:effectRef>
-            <a:fontRef idx="minor">
-              <a:schemeClr val="lt1"/>
-            </a:fontRef>
-          </p:style>
-          <p:txBody>
-            <a:bodyPr rtlCol="0" anchor="ctr"/>
-            <a:lstStyle/>
-            <a:p>
-              <a:pPr algn="ctr"/>
-              <a:endParaRPr lang="en-US"/>
-            </a:p>
-          </p:txBody>
-        </p:sp>
-        <p:pic>
-          <p:nvPicPr>
-            <p:cNvPr id="7" name="Picture 6">
-              <a:extLst>
-                <a:ext uri="{FF2B5EF4-FFF2-40B4-BE49-F238E27FC236}">
-                  <a16:creationId xmlns:a16="http://schemas.microsoft.com/office/drawing/2014/main" id="{313B1ADE-F7AA-3723-6E96-B1AC1D63F8DE}"/>
-                </a:ext>
-              </a:extLst>
-            </p:cNvPr>
-            <p:cNvPicPr>
-              <a:picLocks noChangeAspect="1"/>
-            </p:cNvPicPr>
-            <p:nvPr/>
-          </p:nvPicPr>
-          <p:blipFill>
-            <a:blip r:embed="rId3"/>
-            <a:stretch>
-              <a:fillRect/>
-            </a:stretch>
-          </p:blipFill>
-          <p:spPr>
-            <a:xfrm>
-              <a:off x="5508334" y="2271013"/>
-              <a:ext cx="5353050" cy="2466975"/>
-            </a:xfrm>
-            <a:prstGeom prst="rect">
-              <a:avLst/>
-            </a:prstGeom>
-          </p:spPr>
-        </p:pic>
-      </p:grpSp>
-      <p:grpSp>
-        <p:nvGrpSpPr>
-          <p:cNvPr id="13" name="Group 12">
-            <a:extLst>
-              <a:ext uri="{FF2B5EF4-FFF2-40B4-BE49-F238E27FC236}">
-                <a16:creationId xmlns:a16="http://schemas.microsoft.com/office/drawing/2014/main" id="{15A72CD0-A01C-A4DC-CD01-6EBB4DEA55F9}"/>
-              </a:ext>
-            </a:extLst>
-          </p:cNvPr>
-          <p:cNvGrpSpPr/>
-          <p:nvPr/>
-        </p:nvGrpSpPr>
-        <p:grpSpPr>
-          <a:xfrm>
-            <a:off x="6891471" y="1209515"/>
-            <a:ext cx="2924334" cy="964518"/>
-            <a:chOff x="6891471" y="1209515"/>
-            <a:chExt cx="2924334" cy="964518"/>
-          </a:xfrm>
-        </p:grpSpPr>
-        <p:sp>
-          <p:nvSpPr>
-            <p:cNvPr id="9" name="Speech Bubble: Rectangle 8">
-              <a:extLst>
-                <a:ext uri="{FF2B5EF4-FFF2-40B4-BE49-F238E27FC236}">
-                  <a16:creationId xmlns:a16="http://schemas.microsoft.com/office/drawing/2014/main" id="{FF1356E6-0A76-2132-8355-637C5C018672}"/>
-                </a:ext>
-              </a:extLst>
-            </p:cNvPr>
-            <p:cNvSpPr/>
-            <p:nvPr/>
-          </p:nvSpPr>
-          <p:spPr>
-            <a:xfrm>
-              <a:off x="6891471" y="1209515"/>
-              <a:ext cx="2924334" cy="964518"/>
-            </a:xfrm>
-            <a:prstGeom prst="wedgeRectCallout">
-              <a:avLst>
-                <a:gd name="adj1" fmla="val -130243"/>
-                <a:gd name="adj2" fmla="val 36556"/>
-              </a:avLst>
-            </a:prstGeom>
-            <a:noFill/>
-          </p:spPr>
-          <p:style>
-            <a:lnRef idx="2">
-              <a:schemeClr val="accent1">
-                <a:shade val="50000"/>
-              </a:schemeClr>
-            </a:lnRef>
-            <a:fillRef idx="1">
-              <a:schemeClr val="accent1"/>
-            </a:fillRef>
-            <a:effectRef idx="0">
-              <a:schemeClr val="accent1"/>
-            </a:effectRef>
-            <a:fontRef idx="minor">
-              <a:schemeClr val="lt1"/>
-            </a:fontRef>
-          </p:style>
-          <p:txBody>
-            <a:bodyPr rtlCol="0" anchor="ctr"/>
-            <a:lstStyle/>
-            <a:p>
-              <a:pPr algn="ctr"/>
-              <a:endParaRPr lang="en-US"/>
-            </a:p>
-          </p:txBody>
-        </p:sp>
-        <p:sp>
-          <p:nvSpPr>
-            <p:cNvPr id="10" name="TextBox 9">
-              <a:extLst>
-                <a:ext uri="{FF2B5EF4-FFF2-40B4-BE49-F238E27FC236}">
-                  <a16:creationId xmlns:a16="http://schemas.microsoft.com/office/drawing/2014/main" id="{BC56FCF6-4092-EA27-C886-A9F479D4D3ED}"/>
-                </a:ext>
-              </a:extLst>
-            </p:cNvPr>
-            <p:cNvSpPr txBox="1"/>
-            <p:nvPr/>
-          </p:nvSpPr>
-          <p:spPr>
-            <a:xfrm>
-              <a:off x="6996735" y="1322442"/>
-              <a:ext cx="2819070" cy="738664"/>
-            </a:xfrm>
-            <a:prstGeom prst="rect">
-              <a:avLst/>
-            </a:prstGeom>
-            <a:noFill/>
-          </p:spPr>
-          <p:txBody>
-            <a:bodyPr wrap="square" rtlCol="0">
-              <a:spAutoFit/>
-            </a:bodyPr>
-            <a:lstStyle/>
-            <a:p>
-              <a:r>
-                <a:rPr lang="en-US" sz="1400" b="1" dirty="0"/>
-                <a:t>This value is changing from 9 to 0</a:t>
-              </a:r>
-            </a:p>
-            <a:p>
-              <a:r>
-                <a:rPr lang="en-US" sz="1400" b="1" dirty="0"/>
-                <a:t>Create a variable</a:t>
-              </a:r>
-            </a:p>
-            <a:p>
-              <a:r>
-                <a:rPr lang="en-US" sz="1400" b="1" dirty="0"/>
-                <a:t>to represent this value</a:t>
-              </a:r>
-            </a:p>
-          </p:txBody>
-        </p:sp>
-      </p:grpSp>
-      <p:sp>
-        <p:nvSpPr>
-          <p:cNvPr id="14" name="TextBox 13">
-            <a:extLst>
-              <a:ext uri="{FF2B5EF4-FFF2-40B4-BE49-F238E27FC236}">
-                <a16:creationId xmlns:a16="http://schemas.microsoft.com/office/drawing/2014/main" id="{7047801B-1B57-E04E-60B9-5F78E560CB4D}"/>
-              </a:ext>
-            </a:extLst>
-          </p:cNvPr>
-          <p:cNvSpPr txBox="1"/>
-          <p:nvPr/>
-        </p:nvSpPr>
-        <p:spPr>
-          <a:xfrm>
-            <a:off x="6807495" y="2325295"/>
-            <a:ext cx="3569119" cy="307777"/>
-          </a:xfrm>
-          <a:prstGeom prst="rect">
-            <a:avLst/>
-          </a:prstGeom>
-          <a:noFill/>
-        </p:spPr>
-        <p:txBody>
-          <a:bodyPr wrap="none" rtlCol="0">
-            <a:spAutoFit/>
-          </a:bodyPr>
-          <a:lstStyle/>
-          <a:p>
-            <a:r>
-              <a:rPr lang="en-US" sz="1400" b="1" dirty="0"/>
-              <a:t>Give it a name </a:t>
-            </a:r>
-            <a:r>
-              <a:rPr lang="en-US" sz="1400" b="1" dirty="0">
-                <a:solidFill>
-                  <a:srgbClr val="0070C0"/>
-                </a:solidFill>
-              </a:rPr>
-              <a:t>counter</a:t>
-            </a:r>
-            <a:r>
-              <a:rPr lang="en-US" sz="1400" b="1" dirty="0"/>
-              <a:t> and run it in a for loop</a:t>
-            </a:r>
-          </a:p>
-        </p:txBody>
-      </p:sp>
-    </p:spTree>
-    <p:extLst>
-      <p:ext uri="{BB962C8B-B14F-4D97-AF65-F5344CB8AC3E}">
-        <p14:creationId xmlns:p14="http://schemas.microsoft.com/office/powerpoint/2010/main" val="2034723265"/>
-      </p:ext>
-    </p:extLst>
-  </p:cSld>
-  <p:clrMapOvr>
-    <a:masterClrMapping/>
-  </p:clrMapOvr>
-  <p:timing>
-    <p:tnLst>
-      <p:par>
-        <p:cTn id="1" dur="indefinite" restart="never" nodeType="tmRoot">
-          <p:childTnLst>
-            <p:seq concurrent="1" nextAc="seek">
-              <p:cTn id="2" dur="indefinite" nodeType="mainSeq">
-                <p:childTnLst>
-                  <p:par>
-                    <p:cTn id="3" fill="hold">
-                      <p:stCondLst>
-                        <p:cond delay="indefinite"/>
-                      </p:stCondLst>
-                      <p:childTnLst>
-                        <p:par>
-                          <p:cTn id="4" fill="hold">
-                            <p:stCondLst>
-                              <p:cond delay="0"/>
-                            </p:stCondLst>
-                            <p:childTnLst>
-                              <p:par>
-                                <p:cTn id="5" presetID="2" presetClass="entr" presetSubtype="4" fill="hold" nodeType="clickEffect">
-                                  <p:stCondLst>
-                                    <p:cond delay="0"/>
-                                  </p:stCondLst>
-                                  <p:childTnLst>
-                                    <p:set>
-                                      <p:cBhvr>
-                                        <p:cTn id="6" dur="1" fill="hold">
-                                          <p:stCondLst>
-                                            <p:cond delay="0"/>
-                                          </p:stCondLst>
-                                        </p:cTn>
-                                        <p:tgtEl>
-                                          <p:spTgt spid="13"/>
-                                        </p:tgtEl>
-                                        <p:attrNameLst>
-                                          <p:attrName>style.visibility</p:attrName>
-                                        </p:attrNameLst>
-                                      </p:cBhvr>
-                                      <p:to>
-                                        <p:strVal val="visible"/>
-                                      </p:to>
-                                    </p:set>
-                                    <p:anim calcmode="lin" valueType="num">
-                                      <p:cBhvr additive="base">
-                                        <p:cTn id="7" dur="500" fill="hold"/>
-                                        <p:tgtEl>
-                                          <p:spTgt spid="13"/>
-                                        </p:tgtEl>
-                                        <p:attrNameLst>
-                                          <p:attrName>ppt_x</p:attrName>
-                                        </p:attrNameLst>
-                                      </p:cBhvr>
-                                      <p:tavLst>
-                                        <p:tav tm="0">
-                                          <p:val>
-                                            <p:strVal val="#ppt_x"/>
-                                          </p:val>
-                                        </p:tav>
-                                        <p:tav tm="100000">
-                                          <p:val>
-                                            <p:strVal val="#ppt_x"/>
-                                          </p:val>
-                                        </p:tav>
-                                      </p:tavLst>
-                                    </p:anim>
-                                    <p:anim calcmode="lin" valueType="num">
-                                      <p:cBhvr additive="base">
-                                        <p:cTn id="8" dur="500" fill="hold"/>
-                                        <p:tgtEl>
-                                          <p:spTgt spid="13"/>
-                                        </p:tgtEl>
-                                        <p:attrNameLst>
-                                          <p:attrName>ppt_y</p:attrName>
-                                        </p:attrNameLst>
-                                      </p:cBhvr>
-                                      <p:tavLst>
-                                        <p:tav tm="0">
-                                          <p:val>
-                                            <p:strVal val="1+#ppt_h/2"/>
-                                          </p:val>
-                                        </p:tav>
-                                        <p:tav tm="100000">
-                                          <p:val>
-                                            <p:strVal val="#ppt_y"/>
-                                          </p:val>
-                                        </p:tav>
-                                      </p:tavLst>
-                                    </p:anim>
-                                  </p:childTnLst>
-                                </p:cTn>
-                              </p:par>
-                            </p:childTnLst>
-                          </p:cTn>
-                        </p:par>
-                      </p:childTnLst>
-                    </p:cTn>
-                  </p:par>
-                  <p:par>
-                    <p:cTn id="9" fill="hold">
-                      <p:stCondLst>
-                        <p:cond delay="indefinite"/>
-                      </p:stCondLst>
-                      <p:childTnLst>
-                        <p:par>
-                          <p:cTn id="10" fill="hold">
-                            <p:stCondLst>
-                              <p:cond delay="0"/>
-                            </p:stCondLst>
-                            <p:childTnLst>
-                              <p:par>
-                                <p:cTn id="11" presetID="2" presetClass="entr" presetSubtype="4" fill="hold" grpId="0" nodeType="clickEffect">
-                                  <p:stCondLst>
-                                    <p:cond delay="0"/>
-                                  </p:stCondLst>
-                                  <p:childTnLst>
-                                    <p:set>
-                                      <p:cBhvr>
-                                        <p:cTn id="12" dur="1" fill="hold">
-                                          <p:stCondLst>
-                                            <p:cond delay="0"/>
-                                          </p:stCondLst>
-                                        </p:cTn>
-                                        <p:tgtEl>
-                                          <p:spTgt spid="14"/>
-                                        </p:tgtEl>
-                                        <p:attrNameLst>
-                                          <p:attrName>style.visibility</p:attrName>
-                                        </p:attrNameLst>
-                                      </p:cBhvr>
-                                      <p:to>
-                                        <p:strVal val="visible"/>
-                                      </p:to>
-                                    </p:set>
-                                    <p:anim calcmode="lin" valueType="num">
-                                      <p:cBhvr additive="base">
-                                        <p:cTn id="13" dur="500" fill="hold"/>
-                                        <p:tgtEl>
-                                          <p:spTgt spid="14"/>
-                                        </p:tgtEl>
-                                        <p:attrNameLst>
-                                          <p:attrName>ppt_x</p:attrName>
-                                        </p:attrNameLst>
-                                      </p:cBhvr>
-                                      <p:tavLst>
-                                        <p:tav tm="0">
-                                          <p:val>
-                                            <p:strVal val="#ppt_x"/>
-                                          </p:val>
-                                        </p:tav>
-                                        <p:tav tm="100000">
-                                          <p:val>
-                                            <p:strVal val="#ppt_x"/>
-                                          </p:val>
-                                        </p:tav>
-                                      </p:tavLst>
-                                    </p:anim>
-                                    <p:anim calcmode="lin" valueType="num">
-                                      <p:cBhvr additive="base">
-                                        <p:cTn id="14" dur="500" fill="hold"/>
-                                        <p:tgtEl>
-                                          <p:spTgt spid="14"/>
-                                        </p:tgtEl>
-                                        <p:attrNameLst>
-                                          <p:attrName>ppt_y</p:attrName>
-                                        </p:attrNameLst>
-                                      </p:cBhvr>
-                                      <p:tavLst>
-                                        <p:tav tm="0">
-                                          <p:val>
-                                            <p:strVal val="1+#ppt_h/2"/>
-                                          </p:val>
-                                        </p:tav>
-                                        <p:tav tm="100000">
-                                          <p:val>
-                                            <p:strVal val="#ppt_y"/>
-                                          </p:val>
-                                        </p:tav>
-                                      </p:tavLst>
-                                    </p:anim>
-                                  </p:childTnLst>
-                                </p:cTn>
-                              </p:par>
-                            </p:childTnLst>
-                          </p:cTn>
-                        </p:par>
-                      </p:childTnLst>
-                    </p:cTn>
-                  </p:par>
-                  <p:par>
-                    <p:cTn id="15" fill="hold">
-                      <p:stCondLst>
-                        <p:cond delay="indefinite"/>
-                      </p:stCondLst>
-                      <p:childTnLst>
-                        <p:par>
-                          <p:cTn id="16" fill="hold">
-                            <p:stCondLst>
-                              <p:cond delay="0"/>
-                            </p:stCondLst>
-                            <p:childTnLst>
-                              <p:par>
-                                <p:cTn id="17" presetID="2" presetClass="entr" presetSubtype="4" fill="hold" nodeType="clickEffect">
-                                  <p:stCondLst>
-                                    <p:cond delay="0"/>
-                                  </p:stCondLst>
-                                  <p:childTnLst>
-                                    <p:set>
-                                      <p:cBhvr>
-                                        <p:cTn id="18" dur="1" fill="hold">
-                                          <p:stCondLst>
-                                            <p:cond delay="0"/>
-                                          </p:stCondLst>
-                                        </p:cTn>
-                                        <p:tgtEl>
-                                          <p:spTgt spid="8"/>
-                                        </p:tgtEl>
-                                        <p:attrNameLst>
-                                          <p:attrName>style.visibility</p:attrName>
-                                        </p:attrNameLst>
-                                      </p:cBhvr>
-                                      <p:to>
-                                        <p:strVal val="visible"/>
-                                      </p:to>
-                                    </p:set>
-                                    <p:anim calcmode="lin" valueType="num">
-                                      <p:cBhvr additive="base">
-                                        <p:cTn id="19" dur="500" fill="hold"/>
-                                        <p:tgtEl>
-                                          <p:spTgt spid="8"/>
-                                        </p:tgtEl>
-                                        <p:attrNameLst>
-                                          <p:attrName>ppt_x</p:attrName>
-                                        </p:attrNameLst>
-                                      </p:cBhvr>
-                                      <p:tavLst>
-                                        <p:tav tm="0">
-                                          <p:val>
-                                            <p:strVal val="#ppt_x"/>
-                                          </p:val>
-                                        </p:tav>
-                                        <p:tav tm="100000">
-                                          <p:val>
-                                            <p:strVal val="#ppt_x"/>
-                                          </p:val>
-                                        </p:tav>
-                                      </p:tavLst>
-                                    </p:anim>
-                                    <p:anim calcmode="lin" valueType="num">
-                                      <p:cBhvr additive="base">
-                                        <p:cTn id="20" dur="500" fill="hold"/>
-                                        <p:tgtEl>
-                                          <p:spTgt spid="8"/>
-                                        </p:tgtEl>
-                                        <p:attrNameLst>
-                                          <p:attrName>ppt_y</p:attrName>
-                                        </p:attrNameLst>
-                                      </p:cBhvr>
-                                      <p:tavLst>
-                                        <p:tav tm="0">
-                                          <p:val>
-                                            <p:strVal val="1+#ppt_h/2"/>
-                                          </p:val>
-                                        </p:tav>
-                                        <p:tav tm="100000">
-                                          <p:val>
-                                            <p:strVal val="#ppt_y"/>
-                                          </p:val>
-                                        </p:tav>
-                                      </p:tavLst>
-                                    </p:anim>
-                                  </p:childTnLst>
-                                </p:cTn>
-                              </p:par>
-                            </p:childTnLst>
-                          </p:cTn>
-                        </p:par>
-                      </p:childTnLst>
-                    </p:cTn>
-                  </p:par>
-                </p:childTnLst>
-              </p:cTn>
-              <p:prevCondLst>
-                <p:cond evt="onPrev" delay="0">
-                  <p:tgtEl>
-                    <p:sldTgt/>
-                  </p:tgtEl>
-                </p:cond>
-              </p:prevCondLst>
-              <p:nextCondLst>
-                <p:cond evt="onNext" delay="0">
-                  <p:tgtEl>
-                    <p:sldTgt/>
-                  </p:tgtEl>
-                </p:cond>
-              </p:nextCondLst>
-            </p:seq>
-          </p:childTnLst>
-        </p:cTn>
-      </p:par>
-    </p:tnLst>
-    <p:bldLst>
-      <p:bldP spid="14" grpId="0"/>
-    </p:bldLst>
   </p:timing>
 </p:sld>
 </file>

--- a/Week 3/031 - Lesson 3 (WEEK 3).pptx
+++ b/Week 3/031 - Lesson 3 (WEEK 3).pptx
@@ -22,6 +22,7 @@
     <p:sldId id="267" r:id="rId16"/>
     <p:sldId id="268" r:id="rId17"/>
     <p:sldId id="265" r:id="rId18"/>
+    <p:sldId id="279" r:id="rId19"/>
   </p:sldIdLst>
   <p:sldSz cx="12192000" cy="6858000"/>
   <p:notesSz cx="6858000" cy="9144000"/>
@@ -301,7 +302,7 @@
           <a:p>
             <a:fld id="{7D8AFC65-1832-4BD3-ABA7-A05AD95D4537}" type="datetimeFigureOut">
               <a:rPr lang="en-US" smtClean="0"/>
-              <a:t>2/17/2023</a:t>
+              <a:t>2/18/2023</a:t>
             </a:fld>
             <a:endParaRPr lang="en-US"/>
           </a:p>
@@ -499,7 +500,7 @@
           <a:p>
             <a:fld id="{7D8AFC65-1832-4BD3-ABA7-A05AD95D4537}" type="datetimeFigureOut">
               <a:rPr lang="en-US" smtClean="0"/>
-              <a:t>2/17/2023</a:t>
+              <a:t>2/18/2023</a:t>
             </a:fld>
             <a:endParaRPr lang="en-US"/>
           </a:p>
@@ -707,7 +708,7 @@
           <a:p>
             <a:fld id="{7D8AFC65-1832-4BD3-ABA7-A05AD95D4537}" type="datetimeFigureOut">
               <a:rPr lang="en-US" smtClean="0"/>
-              <a:t>2/17/2023</a:t>
+              <a:t>2/18/2023</a:t>
             </a:fld>
             <a:endParaRPr lang="en-US"/>
           </a:p>
@@ -905,7 +906,7 @@
           <a:p>
             <a:fld id="{7D8AFC65-1832-4BD3-ABA7-A05AD95D4537}" type="datetimeFigureOut">
               <a:rPr lang="en-US" smtClean="0"/>
-              <a:t>2/17/2023</a:t>
+              <a:t>2/18/2023</a:t>
             </a:fld>
             <a:endParaRPr lang="en-US"/>
           </a:p>
@@ -1180,7 +1181,7 @@
           <a:p>
             <a:fld id="{7D8AFC65-1832-4BD3-ABA7-A05AD95D4537}" type="datetimeFigureOut">
               <a:rPr lang="en-US" smtClean="0"/>
-              <a:t>2/17/2023</a:t>
+              <a:t>2/18/2023</a:t>
             </a:fld>
             <a:endParaRPr lang="en-US"/>
           </a:p>
@@ -1445,7 +1446,7 @@
           <a:p>
             <a:fld id="{7D8AFC65-1832-4BD3-ABA7-A05AD95D4537}" type="datetimeFigureOut">
               <a:rPr lang="en-US" smtClean="0"/>
-              <a:t>2/17/2023</a:t>
+              <a:t>2/18/2023</a:t>
             </a:fld>
             <a:endParaRPr lang="en-US"/>
           </a:p>
@@ -1857,7 +1858,7 @@
           <a:p>
             <a:fld id="{7D8AFC65-1832-4BD3-ABA7-A05AD95D4537}" type="datetimeFigureOut">
               <a:rPr lang="en-US" smtClean="0"/>
-              <a:t>2/17/2023</a:t>
+              <a:t>2/18/2023</a:t>
             </a:fld>
             <a:endParaRPr lang="en-US"/>
           </a:p>
@@ -1998,7 +1999,7 @@
           <a:p>
             <a:fld id="{7D8AFC65-1832-4BD3-ABA7-A05AD95D4537}" type="datetimeFigureOut">
               <a:rPr lang="en-US" smtClean="0"/>
-              <a:t>2/17/2023</a:t>
+              <a:t>2/18/2023</a:t>
             </a:fld>
             <a:endParaRPr lang="en-US"/>
           </a:p>
@@ -2111,7 +2112,7 @@
           <a:p>
             <a:fld id="{7D8AFC65-1832-4BD3-ABA7-A05AD95D4537}" type="datetimeFigureOut">
               <a:rPr lang="en-US" smtClean="0"/>
-              <a:t>2/17/2023</a:t>
+              <a:t>2/18/2023</a:t>
             </a:fld>
             <a:endParaRPr lang="en-US"/>
           </a:p>
@@ -2422,7 +2423,7 @@
           <a:p>
             <a:fld id="{7D8AFC65-1832-4BD3-ABA7-A05AD95D4537}" type="datetimeFigureOut">
               <a:rPr lang="en-US" smtClean="0"/>
-              <a:t>2/17/2023</a:t>
+              <a:t>2/18/2023</a:t>
             </a:fld>
             <a:endParaRPr lang="en-US"/>
           </a:p>
@@ -2710,7 +2711,7 @@
           <a:p>
             <a:fld id="{7D8AFC65-1832-4BD3-ABA7-A05AD95D4537}" type="datetimeFigureOut">
               <a:rPr lang="en-US" smtClean="0"/>
-              <a:t>2/17/2023</a:t>
+              <a:t>2/18/2023</a:t>
             </a:fld>
             <a:endParaRPr lang="en-US"/>
           </a:p>
@@ -2951,7 +2952,7 @@
           <a:p>
             <a:fld id="{7D8AFC65-1832-4BD3-ABA7-A05AD95D4537}" type="datetimeFigureOut">
               <a:rPr lang="en-US" smtClean="0"/>
-              <a:t>2/17/2023</a:t>
+              <a:t>2/18/2023</a:t>
             </a:fld>
             <a:endParaRPr lang="en-US"/>
           </a:p>
@@ -8604,6 +8605,383 @@
 </p:sld>
 </file>
 
+<file path=ppt/slides/slide18.xml><?xml version="1.0" encoding="utf-8"?>
+<p:sld xmlns:a="http://schemas.openxmlformats.org/drawingml/2006/main" xmlns:r="http://schemas.openxmlformats.org/officeDocument/2006/relationships" xmlns:p="http://schemas.openxmlformats.org/presentationml/2006/main">
+  <p:cSld>
+    <p:spTree>
+      <p:nvGrpSpPr>
+        <p:cNvPr id="1" name=""/>
+        <p:cNvGrpSpPr/>
+        <p:nvPr/>
+      </p:nvGrpSpPr>
+      <p:grpSpPr>
+        <a:xfrm>
+          <a:off x="0" y="0"/>
+          <a:ext cx="0" cy="0"/>
+          <a:chOff x="0" y="0"/>
+          <a:chExt cx="0" cy="0"/>
+        </a:xfrm>
+      </p:grpSpPr>
+      <p:pic>
+        <p:nvPicPr>
+          <p:cNvPr id="3" name="Picture 2">
+            <a:extLst>
+              <a:ext uri="{FF2B5EF4-FFF2-40B4-BE49-F238E27FC236}">
+                <a16:creationId xmlns:a16="http://schemas.microsoft.com/office/drawing/2014/main" id="{129D294F-8BAB-8E5A-20C3-F7709E9E13D8}"/>
+              </a:ext>
+            </a:extLst>
+          </p:cNvPr>
+          <p:cNvPicPr>
+            <a:picLocks noChangeAspect="1"/>
+          </p:cNvPicPr>
+          <p:nvPr/>
+        </p:nvPicPr>
+        <p:blipFill>
+          <a:blip r:embed="rId2"/>
+          <a:stretch>
+            <a:fillRect/>
+          </a:stretch>
+        </p:blipFill>
+        <p:spPr>
+          <a:xfrm>
+            <a:off x="3997995" y="1141119"/>
+            <a:ext cx="1657350" cy="2171700"/>
+          </a:xfrm>
+          <a:prstGeom prst="rect">
+            <a:avLst/>
+          </a:prstGeom>
+        </p:spPr>
+      </p:pic>
+      <p:sp>
+        <p:nvSpPr>
+          <p:cNvPr id="4" name="TextBox 3">
+            <a:extLst>
+              <a:ext uri="{FF2B5EF4-FFF2-40B4-BE49-F238E27FC236}">
+                <a16:creationId xmlns:a16="http://schemas.microsoft.com/office/drawing/2014/main" id="{2675C39D-A245-D2BB-96C6-627C3B095360}"/>
+              </a:ext>
+            </a:extLst>
+          </p:cNvPr>
+          <p:cNvSpPr txBox="1"/>
+          <p:nvPr/>
+        </p:nvSpPr>
+        <p:spPr>
+          <a:xfrm>
+            <a:off x="3632433" y="696286"/>
+            <a:ext cx="2388474" cy="369332"/>
+          </a:xfrm>
+          <a:prstGeom prst="rect">
+            <a:avLst/>
+          </a:prstGeom>
+          <a:noFill/>
+        </p:spPr>
+        <p:txBody>
+          <a:bodyPr wrap="none" rtlCol="0">
+            <a:spAutoFit/>
+          </a:bodyPr>
+          <a:lstStyle/>
+          <a:p>
+            <a:r>
+              <a:rPr lang="en-US" dirty="0"/>
+              <a:t>For Loop in Times Table</a:t>
+            </a:r>
+            <a:endParaRPr lang="en-SG" dirty="0"/>
+          </a:p>
+        </p:txBody>
+      </p:sp>
+      <p:pic>
+        <p:nvPicPr>
+          <p:cNvPr id="8" name="Picture 7">
+            <a:extLst>
+              <a:ext uri="{FF2B5EF4-FFF2-40B4-BE49-F238E27FC236}">
+                <a16:creationId xmlns:a16="http://schemas.microsoft.com/office/drawing/2014/main" id="{6646B546-340D-D038-2E40-C305489CBC75}"/>
+              </a:ext>
+            </a:extLst>
+          </p:cNvPr>
+          <p:cNvPicPr>
+            <a:picLocks noChangeAspect="1"/>
+          </p:cNvPicPr>
+          <p:nvPr/>
+        </p:nvPicPr>
+        <p:blipFill>
+          <a:blip r:embed="rId3"/>
+          <a:stretch>
+            <a:fillRect/>
+          </a:stretch>
+        </p:blipFill>
+        <p:spPr>
+          <a:xfrm>
+            <a:off x="2481087" y="3388320"/>
+            <a:ext cx="6810375" cy="695325"/>
+          </a:xfrm>
+          <a:prstGeom prst="rect">
+            <a:avLst/>
+          </a:prstGeom>
+        </p:spPr>
+      </p:pic>
+      <p:sp>
+        <p:nvSpPr>
+          <p:cNvPr id="13" name="TextBox 12">
+            <a:extLst>
+              <a:ext uri="{FF2B5EF4-FFF2-40B4-BE49-F238E27FC236}">
+                <a16:creationId xmlns:a16="http://schemas.microsoft.com/office/drawing/2014/main" id="{0AF1E9B2-A9AA-2AD6-9AEC-8E46CC32AAC8}"/>
+              </a:ext>
+            </a:extLst>
+          </p:cNvPr>
+          <p:cNvSpPr txBox="1"/>
+          <p:nvPr/>
+        </p:nvSpPr>
+        <p:spPr>
+          <a:xfrm>
+            <a:off x="3729221" y="4580389"/>
+            <a:ext cx="4583371" cy="369332"/>
+          </a:xfrm>
+          <a:prstGeom prst="rect">
+            <a:avLst/>
+          </a:prstGeom>
+          <a:noFill/>
+        </p:spPr>
+        <p:txBody>
+          <a:bodyPr wrap="none" rtlCol="0">
+            <a:spAutoFit/>
+          </a:bodyPr>
+          <a:lstStyle/>
+          <a:p>
+            <a:r>
+              <a:rPr lang="en-US" dirty="0"/>
+              <a:t>Can you do times table for the other numbers?</a:t>
+            </a:r>
+            <a:endParaRPr lang="en-SG" dirty="0"/>
+          </a:p>
+        </p:txBody>
+      </p:sp>
+    </p:spTree>
+    <p:extLst>
+      <p:ext uri="{BB962C8B-B14F-4D97-AF65-F5344CB8AC3E}">
+        <p14:creationId xmlns:p14="http://schemas.microsoft.com/office/powerpoint/2010/main" val="187822841"/>
+      </p:ext>
+    </p:extLst>
+  </p:cSld>
+  <p:clrMapOvr>
+    <a:masterClrMapping/>
+  </p:clrMapOvr>
+  <p:timing>
+    <p:tnLst>
+      <p:par>
+        <p:cTn id="1" dur="indefinite" restart="never" nodeType="tmRoot">
+          <p:childTnLst>
+            <p:seq concurrent="1" nextAc="seek">
+              <p:cTn id="2" dur="indefinite" nodeType="mainSeq">
+                <p:childTnLst>
+                  <p:par>
+                    <p:cTn id="3" fill="hold">
+                      <p:stCondLst>
+                        <p:cond delay="indefinite"/>
+                      </p:stCondLst>
+                      <p:childTnLst>
+                        <p:par>
+                          <p:cTn id="4" fill="hold">
+                            <p:stCondLst>
+                              <p:cond delay="0"/>
+                            </p:stCondLst>
+                            <p:childTnLst>
+                              <p:par>
+                                <p:cTn id="5" presetID="2" presetClass="entr" presetSubtype="4" fill="hold" nodeType="clickEffect">
+                                  <p:stCondLst>
+                                    <p:cond delay="0"/>
+                                  </p:stCondLst>
+                                  <p:childTnLst>
+                                    <p:set>
+                                      <p:cBhvr>
+                                        <p:cTn id="6" dur="1" fill="hold">
+                                          <p:stCondLst>
+                                            <p:cond delay="0"/>
+                                          </p:stCondLst>
+                                        </p:cTn>
+                                        <p:tgtEl>
+                                          <p:spTgt spid="8"/>
+                                        </p:tgtEl>
+                                        <p:attrNameLst>
+                                          <p:attrName>style.visibility</p:attrName>
+                                        </p:attrNameLst>
+                                      </p:cBhvr>
+                                      <p:to>
+                                        <p:strVal val="visible"/>
+                                      </p:to>
+                                    </p:set>
+                                    <p:anim calcmode="lin" valueType="num">
+                                      <p:cBhvr additive="base">
+                                        <p:cTn id="7" dur="500" fill="hold"/>
+                                        <p:tgtEl>
+                                          <p:spTgt spid="8"/>
+                                        </p:tgtEl>
+                                        <p:attrNameLst>
+                                          <p:attrName>ppt_x</p:attrName>
+                                        </p:attrNameLst>
+                                      </p:cBhvr>
+                                      <p:tavLst>
+                                        <p:tav tm="0">
+                                          <p:val>
+                                            <p:strVal val="#ppt_x"/>
+                                          </p:val>
+                                        </p:tav>
+                                        <p:tav tm="100000">
+                                          <p:val>
+                                            <p:strVal val="#ppt_x"/>
+                                          </p:val>
+                                        </p:tav>
+                                      </p:tavLst>
+                                    </p:anim>
+                                    <p:anim calcmode="lin" valueType="num">
+                                      <p:cBhvr additive="base">
+                                        <p:cTn id="8" dur="500" fill="hold"/>
+                                        <p:tgtEl>
+                                          <p:spTgt spid="8"/>
+                                        </p:tgtEl>
+                                        <p:attrNameLst>
+                                          <p:attrName>ppt_y</p:attrName>
+                                        </p:attrNameLst>
+                                      </p:cBhvr>
+                                      <p:tavLst>
+                                        <p:tav tm="0">
+                                          <p:val>
+                                            <p:strVal val="1+#ppt_h/2"/>
+                                          </p:val>
+                                        </p:tav>
+                                        <p:tav tm="100000">
+                                          <p:val>
+                                            <p:strVal val="#ppt_y"/>
+                                          </p:val>
+                                        </p:tav>
+                                      </p:tavLst>
+                                    </p:anim>
+                                  </p:childTnLst>
+                                </p:cTn>
+                              </p:par>
+                            </p:childTnLst>
+                          </p:cTn>
+                        </p:par>
+                      </p:childTnLst>
+                    </p:cTn>
+                  </p:par>
+                  <p:par>
+                    <p:cTn id="9" fill="hold">
+                      <p:stCondLst>
+                        <p:cond delay="indefinite"/>
+                      </p:stCondLst>
+                      <p:childTnLst>
+                        <p:par>
+                          <p:cTn id="10" fill="hold">
+                            <p:stCondLst>
+                              <p:cond delay="0"/>
+                            </p:stCondLst>
+                            <p:childTnLst>
+                              <p:par>
+                                <p:cTn id="11" presetID="2" presetClass="entr" presetSubtype="4" fill="hold" grpId="0" nodeType="clickEffect">
+                                  <p:stCondLst>
+                                    <p:cond delay="0"/>
+                                  </p:stCondLst>
+                                  <p:childTnLst>
+                                    <p:set>
+                                      <p:cBhvr>
+                                        <p:cTn id="12" dur="1" fill="hold">
+                                          <p:stCondLst>
+                                            <p:cond delay="0"/>
+                                          </p:stCondLst>
+                                        </p:cTn>
+                                        <p:tgtEl>
+                                          <p:spTgt spid="13"/>
+                                        </p:tgtEl>
+                                        <p:attrNameLst>
+                                          <p:attrName>style.visibility</p:attrName>
+                                        </p:attrNameLst>
+                                      </p:cBhvr>
+                                      <p:to>
+                                        <p:strVal val="visible"/>
+                                      </p:to>
+                                    </p:set>
+                                    <p:anim calcmode="lin" valueType="num">
+                                      <p:cBhvr additive="base">
+                                        <p:cTn id="13" dur="500" fill="hold"/>
+                                        <p:tgtEl>
+                                          <p:spTgt spid="13"/>
+                                        </p:tgtEl>
+                                        <p:attrNameLst>
+                                          <p:attrName>ppt_x</p:attrName>
+                                        </p:attrNameLst>
+                                      </p:cBhvr>
+                                      <p:tavLst>
+                                        <p:tav tm="0">
+                                          <p:val>
+                                            <p:strVal val="#ppt_x"/>
+                                          </p:val>
+                                        </p:tav>
+                                        <p:tav tm="100000">
+                                          <p:val>
+                                            <p:strVal val="#ppt_x"/>
+                                          </p:val>
+                                        </p:tav>
+                                      </p:tavLst>
+                                    </p:anim>
+                                    <p:anim calcmode="lin" valueType="num">
+                                      <p:cBhvr additive="base">
+                                        <p:cTn id="14" dur="500" fill="hold"/>
+                                        <p:tgtEl>
+                                          <p:spTgt spid="13"/>
+                                        </p:tgtEl>
+                                        <p:attrNameLst>
+                                          <p:attrName>ppt_y</p:attrName>
+                                        </p:attrNameLst>
+                                      </p:cBhvr>
+                                      <p:tavLst>
+                                        <p:tav tm="0">
+                                          <p:val>
+                                            <p:strVal val="1+#ppt_h/2"/>
+                                          </p:val>
+                                        </p:tav>
+                                        <p:tav tm="100000">
+                                          <p:val>
+                                            <p:strVal val="#ppt_y"/>
+                                          </p:val>
+                                        </p:tav>
+                                      </p:tavLst>
+                                    </p:anim>
+                                  </p:childTnLst>
+                                </p:cTn>
+                              </p:par>
+                            </p:childTnLst>
+                          </p:cTn>
+                        </p:par>
+                      </p:childTnLst>
+                    </p:cTn>
+                  </p:par>
+                </p:childTnLst>
+              </p:cTn>
+              <p:prevCondLst>
+                <p:cond evt="onPrev" delay="0">
+                  <p:tgtEl>
+                    <p:sldTgt/>
+                  </p:tgtEl>
+                </p:cond>
+              </p:prevCondLst>
+              <p:nextCondLst>
+                <p:cond evt="onNext" delay="0">
+                  <p:tgtEl>
+                    <p:sldTgt/>
+                  </p:tgtEl>
+                </p:cond>
+              </p:nextCondLst>
+            </p:seq>
+          </p:childTnLst>
+        </p:cTn>
+      </p:par>
+    </p:tnLst>
+    <p:bldLst>
+      <p:bldP spid="13" grpId="0"/>
+    </p:bldLst>
+  </p:timing>
+</p:sld>
+</file>
+
 <file path=ppt/slides/slide2.xml><?xml version="1.0" encoding="utf-8"?>
 <p:sld xmlns:a="http://schemas.openxmlformats.org/drawingml/2006/main" xmlns:r="http://schemas.openxmlformats.org/officeDocument/2006/relationships" xmlns:p="http://schemas.openxmlformats.org/presentationml/2006/main">
   <p:cSld>
